--- a/Module-B-JPN-Basic-Workflow.pptx
+++ b/Module-B-JPN-Basic-Workflow.pptx
@@ -9300,8 +9300,8 @@
                 <a:solidFill>
                   <a:srgbClr val="000000"/>
                 </a:solidFill>
-                <a:latin typeface="Arial"/>
-                <a:ea typeface="Arial"/>
+                <a:latin typeface="ＭＳ ゴシック" panose="020B0609070205080204" pitchFamily="49" charset="-128"/>
+                <a:ea typeface="ＭＳ ゴシック" panose="020B0609070205080204" pitchFamily="49" charset="-128"/>
               </a:rPr>
               <a:t>コンポーネント</a:t>
             </a:r>
@@ -9310,8 +9310,8 @@
                 <a:solidFill>
                   <a:srgbClr val="000000"/>
                 </a:solidFill>
-                <a:latin typeface="Arial"/>
-                <a:ea typeface="Arial"/>
+                <a:latin typeface="ＭＳ ゴシック" panose="020B0609070205080204" pitchFamily="49" charset="-128"/>
+                <a:ea typeface="ＭＳ ゴシック" panose="020B0609070205080204" pitchFamily="49" charset="-128"/>
               </a:rPr>
               <a:t/>
             </a:r>
@@ -9320,8 +9320,8 @@
                 <a:solidFill>
                   <a:srgbClr val="000000"/>
                 </a:solidFill>
-                <a:latin typeface="Arial"/>
-                <a:ea typeface="Arial"/>
+                <a:latin typeface="ＭＳ ゴシック" panose="020B0609070205080204" pitchFamily="49" charset="-128"/>
+                <a:ea typeface="ＭＳ ゴシック" panose="020B0609070205080204" pitchFamily="49" charset="-128"/>
               </a:rPr>
             </a:br>
             <a:r>
@@ -9329,13 +9329,14 @@
                 <a:solidFill>
                   <a:srgbClr val="000000"/>
                 </a:solidFill>
-                <a:latin typeface="Arial"/>
-                <a:ea typeface="Arial"/>
+                <a:latin typeface="ＭＳ ゴシック" panose="020B0609070205080204" pitchFamily="49" charset="-128"/>
+                <a:ea typeface="ＭＳ ゴシック" panose="020B0609070205080204" pitchFamily="49" charset="-128"/>
               </a:rPr>
               <a:t>アップロード</a:t>
             </a:r>
             <a:endParaRPr lang="en-US" sz="1300" b="0" strike="noStrike" spc="-1" dirty="0">
-              <a:latin typeface="Arial"/>
+              <a:latin typeface="ＭＳ ゴシック" panose="020B0609070205080204" pitchFamily="49" charset="-128"/>
+              <a:ea typeface="ＭＳ ゴシック" panose="020B0609070205080204" pitchFamily="49" charset="-128"/>
             </a:endParaRPr>
           </a:p>
           <a:p>
@@ -9345,7 +9346,8 @@
               </a:lnSpc>
             </a:pPr>
             <a:endParaRPr lang="en-US" sz="1300" b="0" strike="noStrike" spc="-1" dirty="0">
-              <a:latin typeface="Arial"/>
+              <a:latin typeface="ＭＳ ゴシック" panose="020B0609070205080204" pitchFamily="49" charset="-128"/>
+              <a:ea typeface="ＭＳ ゴシック" panose="020B0609070205080204" pitchFamily="49" charset="-128"/>
             </a:endParaRPr>
           </a:p>
         </p:txBody>
@@ -9395,7 +9397,8 @@
                 <a:solidFill>
                   <a:srgbClr val="000000"/>
                 </a:solidFill>
-                <a:latin typeface="Arial"/>
+                <a:latin typeface="ＭＳ ゴシック" panose="020B0609070205080204" pitchFamily="49" charset="-128"/>
+                <a:ea typeface="ＭＳ ゴシック" panose="020B0609070205080204" pitchFamily="49" charset="-128"/>
               </a:rPr>
               <a:t>スキャニング方法</a:t>
             </a:r>
@@ -9404,7 +9407,8 @@
                 <a:solidFill>
                   <a:srgbClr val="000000"/>
                 </a:solidFill>
-                <a:latin typeface="Arial"/>
+                <a:latin typeface="ＭＳ ゴシック" panose="020B0609070205080204" pitchFamily="49" charset="-128"/>
+                <a:ea typeface="ＭＳ ゴシック" panose="020B0609070205080204" pitchFamily="49" charset="-128"/>
               </a:rPr>
               <a:t/>
             </a:r>
@@ -9413,7 +9417,8 @@
                 <a:solidFill>
                   <a:srgbClr val="000000"/>
                 </a:solidFill>
-                <a:latin typeface="Arial"/>
+                <a:latin typeface="ＭＳ ゴシック" panose="020B0609070205080204" pitchFamily="49" charset="-128"/>
+                <a:ea typeface="ＭＳ ゴシック" panose="020B0609070205080204" pitchFamily="49" charset="-128"/>
               </a:rPr>
             </a:br>
             <a:r>
@@ -9421,12 +9426,14 @@
                 <a:solidFill>
                   <a:srgbClr val="000000"/>
                 </a:solidFill>
-                <a:latin typeface="Arial"/>
+                <a:latin typeface="ＭＳ ゴシック" panose="020B0609070205080204" pitchFamily="49" charset="-128"/>
+                <a:ea typeface="ＭＳ ゴシック" panose="020B0609070205080204" pitchFamily="49" charset="-128"/>
               </a:rPr>
               <a:t>選択</a:t>
             </a:r>
             <a:endParaRPr lang="en-US" sz="1300" b="0" strike="noStrike" spc="-1" dirty="0">
-              <a:latin typeface="Arial"/>
+              <a:latin typeface="ＭＳ ゴシック" panose="020B0609070205080204" pitchFamily="49" charset="-128"/>
+              <a:ea typeface="ＭＳ ゴシック" panose="020B0609070205080204" pitchFamily="49" charset="-128"/>
             </a:endParaRPr>
           </a:p>
           <a:p>
@@ -9483,12 +9490,14 @@
             </a:pPr>
             <a:r>
               <a:rPr lang="ja-JP" altLang="en-US" sz="1300" b="1" strike="noStrike" spc="-1" dirty="0" smtClean="0">
-                <a:latin typeface="Arial"/>
+                <a:latin typeface="ＭＳ ゴシック" panose="020B0609070205080204" pitchFamily="49" charset="-128"/>
+                <a:ea typeface="ＭＳ ゴシック" panose="020B0609070205080204" pitchFamily="49" charset="-128"/>
               </a:rPr>
               <a:t>結果レビュー</a:t>
             </a:r>
             <a:endParaRPr lang="en-US" sz="1300" b="1" strike="noStrike" spc="-1" dirty="0">
-              <a:latin typeface="Arial"/>
+              <a:latin typeface="ＭＳ ゴシック" panose="020B0609070205080204" pitchFamily="49" charset="-128"/>
+              <a:ea typeface="ＭＳ ゴシック" panose="020B0609070205080204" pitchFamily="49" charset="-128"/>
             </a:endParaRPr>
           </a:p>
         </p:txBody>
@@ -9535,12 +9544,14 @@
             </a:pPr>
             <a:r>
               <a:rPr lang="ja-JP" altLang="en-US" sz="1300" b="1" strike="noStrike" spc="-1" dirty="0" smtClean="0">
-                <a:latin typeface="Arial"/>
+                <a:latin typeface="ＭＳ ゴシック" panose="020B0609070205080204" pitchFamily="49" charset="-128"/>
+                <a:ea typeface="ＭＳ ゴシック" panose="020B0609070205080204" pitchFamily="49" charset="-128"/>
               </a:rPr>
               <a:t>レポート作成</a:t>
             </a:r>
             <a:endParaRPr lang="en-US" sz="1300" b="1" strike="noStrike" spc="-1" dirty="0">
-              <a:latin typeface="Arial"/>
+              <a:latin typeface="ＭＳ ゴシック" panose="020B0609070205080204" pitchFamily="49" charset="-128"/>
+              <a:ea typeface="ＭＳ ゴシック" panose="020B0609070205080204" pitchFamily="49" charset="-128"/>
             </a:endParaRPr>
           </a:p>
         </p:txBody>
@@ -9587,29 +9598,34 @@
             </a:pPr>
             <a:r>
               <a:rPr lang="ja-JP" altLang="en-US" sz="1300" b="0" strike="noStrike" spc="-1" dirty="0" smtClean="0">
-                <a:latin typeface="Arial"/>
+                <a:latin typeface="ＭＳ ゴシック" panose="020B0609070205080204" pitchFamily="49" charset="-128"/>
+                <a:ea typeface="ＭＳ ゴシック" panose="020B0609070205080204" pitchFamily="49" charset="-128"/>
               </a:rPr>
               <a:t>クライアントに</a:t>
             </a:r>
             <a:r>
               <a:rPr lang="en-US" altLang="ja-JP" sz="1300" b="0" strike="noStrike" spc="-1" dirty="0" smtClean="0">
-                <a:latin typeface="Arial"/>
+                <a:latin typeface="ＭＳ ゴシック" panose="020B0609070205080204" pitchFamily="49" charset="-128"/>
+                <a:ea typeface="ＭＳ ゴシック" panose="020B0609070205080204" pitchFamily="49" charset="-128"/>
               </a:rPr>
               <a:t/>
             </a:r>
             <a:br>
               <a:rPr lang="en-US" altLang="ja-JP" sz="1300" b="0" strike="noStrike" spc="-1" dirty="0" smtClean="0">
-                <a:latin typeface="Arial"/>
+                <a:latin typeface="ＭＳ ゴシック" panose="020B0609070205080204" pitchFamily="49" charset="-128"/>
+                <a:ea typeface="ＭＳ ゴシック" panose="020B0609070205080204" pitchFamily="49" charset="-128"/>
               </a:rPr>
             </a:br>
             <a:r>
               <a:rPr lang="ja-JP" altLang="en-US" sz="1300" b="0" strike="noStrike" spc="-1" dirty="0" smtClean="0">
-                <a:latin typeface="Arial"/>
+                <a:latin typeface="ＭＳ ゴシック" panose="020B0609070205080204" pitchFamily="49" charset="-128"/>
+                <a:ea typeface="ＭＳ ゴシック" panose="020B0609070205080204" pitchFamily="49" charset="-128"/>
               </a:rPr>
               <a:t>レポートを渡す</a:t>
             </a:r>
             <a:endParaRPr lang="en-US" sz="1300" b="0" strike="noStrike" spc="-1" dirty="0">
-              <a:latin typeface="Arial"/>
+              <a:latin typeface="ＭＳ ゴシック" panose="020B0609070205080204" pitchFamily="49" charset="-128"/>
+              <a:ea typeface="ＭＳ ゴシック" panose="020B0609070205080204" pitchFamily="49" charset="-128"/>
             </a:endParaRPr>
           </a:p>
         </p:txBody>
@@ -9775,7 +9791,8 @@
                 <a:solidFill>
                   <a:srgbClr val="000000"/>
                 </a:solidFill>
-                <a:ea typeface="Arial"/>
+                <a:latin typeface="ＭＳ ゴシック" panose="020B0609070205080204" pitchFamily="49" charset="-128"/>
+                <a:ea typeface="ＭＳ ゴシック" panose="020B0609070205080204" pitchFamily="49" charset="-128"/>
               </a:rPr>
               <a:t>ソフトウェアコンポーネントのライセンスとコピーライトを追従する</a:t>
             </a:r>
@@ -9784,7 +9801,8 @@
                 <a:solidFill>
                   <a:srgbClr val="000000"/>
                 </a:solidFill>
-                <a:ea typeface="Arial"/>
+                <a:latin typeface="ＭＳ ゴシック" panose="020B0609070205080204" pitchFamily="49" charset="-128"/>
+                <a:ea typeface="ＭＳ ゴシック" panose="020B0609070205080204" pitchFamily="49" charset="-128"/>
               </a:rPr>
               <a:t/>
             </a:r>
@@ -9793,7 +9811,8 @@
                 <a:solidFill>
                   <a:srgbClr val="000000"/>
                 </a:solidFill>
-                <a:ea typeface="Arial"/>
+                <a:latin typeface="ＭＳ ゴシック" panose="020B0609070205080204" pitchFamily="49" charset="-128"/>
+                <a:ea typeface="ＭＳ ゴシック" panose="020B0609070205080204" pitchFamily="49" charset="-128"/>
               </a:rPr>
             </a:br>
             <a:r>
@@ -9801,7 +9820,8 @@
                 <a:solidFill>
                   <a:srgbClr val="000000"/>
                 </a:solidFill>
-                <a:ea typeface="Arial"/>
+                <a:latin typeface="ＭＳ ゴシック" panose="020B0609070205080204" pitchFamily="49" charset="-128"/>
+                <a:ea typeface="ＭＳ ゴシック" panose="020B0609070205080204" pitchFamily="49" charset="-128"/>
               </a:rPr>
               <a:t>ウェブサーバーアプリケーション</a:t>
             </a:r>
@@ -9809,7 +9829,8 @@
               <a:solidFill>
                 <a:srgbClr val="000000"/>
               </a:solidFill>
-              <a:ea typeface="Arial"/>
+              <a:latin typeface="ＭＳ ゴシック" panose="020B0609070205080204" pitchFamily="49" charset="-128"/>
+              <a:ea typeface="ＭＳ ゴシック" panose="020B0609070205080204" pitchFamily="49" charset="-128"/>
             </a:endParaRPr>
           </a:p>
         </p:txBody>
@@ -9864,13 +9885,14 @@
                 <a:solidFill>
                   <a:srgbClr val="000000"/>
                 </a:solidFill>
-                <a:latin typeface="Arial"/>
-                <a:ea typeface="Arial"/>
+                <a:latin typeface="ＭＳ ゴシック" panose="020B0609070205080204" pitchFamily="49" charset="-128"/>
+                <a:ea typeface="ＭＳ ゴシック" panose="020B0609070205080204" pitchFamily="49" charset="-128"/>
               </a:rPr>
               <a:t>ライセンススキャンの特徴</a:t>
             </a:r>
             <a:endParaRPr lang="en-US" sz="2400" b="0" strike="noStrike" spc="-1" dirty="0">
-              <a:latin typeface="Arial"/>
+              <a:latin typeface="ＭＳ ゴシック" panose="020B0609070205080204" pitchFamily="49" charset="-128"/>
+              <a:ea typeface="ＭＳ ゴシック" panose="020B0609070205080204" pitchFamily="49" charset="-128"/>
             </a:endParaRPr>
           </a:p>
         </p:txBody>
@@ -9928,12 +9950,14 @@
                 <a:solidFill>
                   <a:srgbClr val="000000"/>
                 </a:solidFill>
-                <a:latin typeface="Arial"/>
+                <a:latin typeface="ＭＳ ゴシック" panose="020B0609070205080204" pitchFamily="49" charset="-128"/>
+                <a:ea typeface="ＭＳ ゴシック" panose="020B0609070205080204" pitchFamily="49" charset="-128"/>
               </a:rPr>
               <a:t>正規表現検索</a:t>
             </a:r>
             <a:endParaRPr lang="en-US" sz="1900" b="0" strike="noStrike" spc="-1" dirty="0">
-              <a:latin typeface="Arial"/>
+              <a:latin typeface="ＭＳ ゴシック" panose="020B0609070205080204" pitchFamily="49" charset="-128"/>
+              <a:ea typeface="ＭＳ ゴシック" panose="020B0609070205080204" pitchFamily="49" charset="-128"/>
             </a:endParaRPr>
           </a:p>
           <a:p>
@@ -9952,8 +9976,8 @@
                 <a:solidFill>
                   <a:srgbClr val="000000"/>
                 </a:solidFill>
-                <a:latin typeface="Arial"/>
-                <a:ea typeface="Arial"/>
+                <a:latin typeface="ＭＳ ゴシック" panose="020B0609070205080204" pitchFamily="49" charset="-128"/>
+                <a:ea typeface="ＭＳ ゴシック" panose="020B0609070205080204" pitchFamily="49" charset="-128"/>
               </a:rPr>
               <a:t>テキスト類似度検索</a:t>
             </a:r>
@@ -9961,8 +9985,8 @@
               <a:solidFill>
                 <a:srgbClr val="000000"/>
               </a:solidFill>
-              <a:latin typeface="Arial"/>
-              <a:ea typeface="Arial"/>
+              <a:latin typeface="ＭＳ ゴシック" panose="020B0609070205080204" pitchFamily="49" charset="-128"/>
+              <a:ea typeface="ＭＳ ゴシック" panose="020B0609070205080204" pitchFamily="49" charset="-128"/>
             </a:endParaRPr>
           </a:p>
           <a:p>
@@ -9981,7 +10005,8 @@
                 <a:solidFill>
                   <a:srgbClr val="000000"/>
                 </a:solidFill>
-                <a:latin typeface="Arial"/>
+                <a:latin typeface="ＭＳ ゴシック" panose="020B0609070205080204" pitchFamily="49" charset="-128"/>
+                <a:ea typeface="ＭＳ ゴシック" panose="020B0609070205080204" pitchFamily="49" charset="-128"/>
               </a:rPr>
               <a:t>ライセンス</a:t>
             </a:r>
@@ -9990,7 +10015,8 @@
                 <a:solidFill>
                   <a:srgbClr val="000000"/>
                 </a:solidFill>
-                <a:latin typeface="Arial"/>
+                <a:latin typeface="ＭＳ ゴシック" panose="020B0609070205080204" pitchFamily="49" charset="-128"/>
+                <a:ea typeface="ＭＳ ゴシック" panose="020B0609070205080204" pitchFamily="49" charset="-128"/>
               </a:rPr>
               <a:t>(</a:t>
             </a:r>
@@ -9999,7 +10025,8 @@
                 <a:solidFill>
                   <a:srgbClr val="000000"/>
                 </a:solidFill>
-                <a:latin typeface="Arial"/>
+                <a:latin typeface="ＭＳ ゴシック" panose="020B0609070205080204" pitchFamily="49" charset="-128"/>
+                <a:ea typeface="ＭＳ ゴシック" panose="020B0609070205080204" pitchFamily="49" charset="-128"/>
               </a:rPr>
               <a:t>テキスト</a:t>
             </a:r>
@@ -10008,7 +10035,8 @@
                 <a:solidFill>
                   <a:srgbClr val="000000"/>
                 </a:solidFill>
-                <a:latin typeface="Arial"/>
+                <a:latin typeface="ＭＳ ゴシック" panose="020B0609070205080204" pitchFamily="49" charset="-128"/>
+                <a:ea typeface="ＭＳ ゴシック" panose="020B0609070205080204" pitchFamily="49" charset="-128"/>
               </a:rPr>
               <a:t>)</a:t>
             </a:r>
@@ -10017,7 +10045,8 @@
                 <a:solidFill>
                   <a:srgbClr val="000000"/>
                 </a:solidFill>
-                <a:latin typeface="Arial"/>
+                <a:latin typeface="ＭＳ ゴシック" panose="020B0609070205080204" pitchFamily="49" charset="-128"/>
+                <a:ea typeface="ＭＳ ゴシック" panose="020B0609070205080204" pitchFamily="49" charset="-128"/>
               </a:rPr>
               <a:t>マネジメント</a:t>
             </a:r>
@@ -10025,8 +10054,8 @@
               <a:solidFill>
                 <a:srgbClr val="000000"/>
               </a:solidFill>
-              <a:latin typeface="Arial"/>
-              <a:ea typeface="Arial"/>
+              <a:latin typeface="ＭＳ ゴシック" panose="020B0609070205080204" pitchFamily="49" charset="-128"/>
+              <a:ea typeface="ＭＳ ゴシック" panose="020B0609070205080204" pitchFamily="49" charset="-128"/>
             </a:endParaRPr>
           </a:p>
           <a:p>
@@ -10045,12 +10074,14 @@
                 <a:solidFill>
                   <a:srgbClr val="000000"/>
                 </a:solidFill>
-                <a:latin typeface="Arial"/>
+                <a:latin typeface="ＭＳ ゴシック" panose="020B0609070205080204" pitchFamily="49" charset="-128"/>
+                <a:ea typeface="ＭＳ ゴシック" panose="020B0609070205080204" pitchFamily="49" charset="-128"/>
               </a:rPr>
               <a:t>ライセンスの階層を踏まえ統括的にレビュー</a:t>
             </a:r>
             <a:endParaRPr lang="en-US" sz="1900" b="0" strike="noStrike" spc="-1" dirty="0">
-              <a:latin typeface="Arial"/>
+              <a:latin typeface="ＭＳ ゴシック" panose="020B0609070205080204" pitchFamily="49" charset="-128"/>
+              <a:ea typeface="ＭＳ ゴシック" panose="020B0609070205080204" pitchFamily="49" charset="-128"/>
             </a:endParaRPr>
           </a:p>
           <a:p>
@@ -10069,13 +10100,14 @@
                 <a:solidFill>
                   <a:srgbClr val="000000"/>
                 </a:solidFill>
-                <a:latin typeface="Arial"/>
-                <a:ea typeface="Arial"/>
+                <a:latin typeface="ＭＳ ゴシック" panose="020B0609070205080204" pitchFamily="49" charset="-128"/>
+                <a:ea typeface="ＭＳ ゴシック" panose="020B0609070205080204" pitchFamily="49" charset="-128"/>
               </a:rPr>
               <a:t>ライセンスヒストグラム</a:t>
             </a:r>
             <a:endParaRPr lang="en-US" sz="1900" b="0" strike="noStrike" spc="-1" dirty="0">
-              <a:latin typeface="Arial"/>
+              <a:latin typeface="ＭＳ ゴシック" panose="020B0609070205080204" pitchFamily="49" charset="-128"/>
+              <a:ea typeface="ＭＳ ゴシック" panose="020B0609070205080204" pitchFamily="49" charset="-128"/>
             </a:endParaRPr>
           </a:p>
           <a:p>
@@ -10094,8 +10126,8 @@
                 <a:solidFill>
                   <a:srgbClr val="000000"/>
                 </a:solidFill>
-                <a:latin typeface="Arial"/>
-                <a:ea typeface="Arial"/>
+                <a:latin typeface="ＭＳ ゴシック" panose="020B0609070205080204" pitchFamily="49" charset="-128"/>
+                <a:ea typeface="ＭＳ ゴシック" panose="020B0609070205080204" pitchFamily="49" charset="-128"/>
               </a:rPr>
               <a:t>出力された</a:t>
             </a:r>
@@ -10104,8 +10136,8 @@
                 <a:solidFill>
                   <a:srgbClr val="000000"/>
                 </a:solidFill>
-                <a:latin typeface="Arial"/>
-                <a:ea typeface="Arial"/>
+                <a:latin typeface="ＭＳ ゴシック" panose="020B0609070205080204" pitchFamily="49" charset="-128"/>
+                <a:ea typeface="ＭＳ ゴシック" panose="020B0609070205080204" pitchFamily="49" charset="-128"/>
               </a:rPr>
               <a:t>結論を支持</a:t>
             </a:r>
@@ -10114,8 +10146,8 @@
                 <a:solidFill>
                   <a:srgbClr val="000000"/>
                 </a:solidFill>
-                <a:latin typeface="Arial"/>
-                <a:ea typeface="Arial"/>
+                <a:latin typeface="ＭＳ ゴシック" panose="020B0609070205080204" pitchFamily="49" charset="-128"/>
+                <a:ea typeface="ＭＳ ゴシック" panose="020B0609070205080204" pitchFamily="49" charset="-128"/>
               </a:rPr>
               <a:t> </a:t>
             </a:r>
@@ -10124,8 +10156,8 @@
                 <a:solidFill>
                   <a:srgbClr val="000000"/>
                 </a:solidFill>
-                <a:latin typeface="Arial"/>
-                <a:ea typeface="Arial"/>
+                <a:latin typeface="ＭＳ ゴシック" panose="020B0609070205080204" pitchFamily="49" charset="-128"/>
+                <a:ea typeface="ＭＳ ゴシック" panose="020B0609070205080204" pitchFamily="49" charset="-128"/>
               </a:rPr>
               <a:t>vs. </a:t>
             </a:r>
@@ -10134,8 +10166,8 @@
                 <a:solidFill>
                   <a:srgbClr val="000000"/>
                 </a:solidFill>
-                <a:latin typeface="Arial"/>
-                <a:ea typeface="Arial"/>
+                <a:latin typeface="ＭＳ ゴシック" panose="020B0609070205080204" pitchFamily="49" charset="-128"/>
+                <a:ea typeface="ＭＳ ゴシック" panose="020B0609070205080204" pitchFamily="49" charset="-128"/>
               </a:rPr>
               <a:t>検知ライセンス</a:t>
             </a:r>
@@ -10143,8 +10175,8 @@
               <a:solidFill>
                 <a:srgbClr val="000000"/>
               </a:solidFill>
-              <a:latin typeface="Arial"/>
-              <a:ea typeface="Arial"/>
+              <a:latin typeface="ＭＳ ゴシック" panose="020B0609070205080204" pitchFamily="49" charset="-128"/>
+              <a:ea typeface="ＭＳ ゴシック" panose="020B0609070205080204" pitchFamily="49" charset="-128"/>
             </a:endParaRPr>
           </a:p>
           <a:p>
@@ -10160,12 +10192,14 @@
             </a:pPr>
             <a:r>
               <a:rPr lang="ja-JP" altLang="en-US" sz="1900" b="0" strike="noStrike" spc="-1" dirty="0" smtClean="0">
-                <a:latin typeface="Arial"/>
+                <a:latin typeface="ＭＳ ゴシック" panose="020B0609070205080204" pitchFamily="49" charset="-128"/>
+                <a:ea typeface="ＭＳ ゴシック" panose="020B0609070205080204" pitchFamily="49" charset="-128"/>
               </a:rPr>
               <a:t>ファイル内の同ライセンスに対して一括処理</a:t>
             </a:r>
             <a:endParaRPr lang="en-US" altLang="ja-JP" sz="1900" b="0" strike="noStrike" spc="-1" dirty="0" smtClean="0">
-              <a:latin typeface="Arial"/>
+              <a:latin typeface="ＭＳ ゴシック" panose="020B0609070205080204" pitchFamily="49" charset="-128"/>
+              <a:ea typeface="ＭＳ ゴシック" panose="020B0609070205080204" pitchFamily="49" charset="-128"/>
             </a:endParaRPr>
           </a:p>
           <a:p>
@@ -10184,12 +10218,14 @@
                 <a:solidFill>
                   <a:srgbClr val="000000"/>
                 </a:solidFill>
-                <a:latin typeface="Arial"/>
+                <a:latin typeface="ＭＳ ゴシック" panose="020B0609070205080204" pitchFamily="49" charset="-128"/>
+                <a:ea typeface="ＭＳ ゴシック" panose="020B0609070205080204" pitchFamily="49" charset="-128"/>
               </a:rPr>
               <a:t>ライセンス結果を再利用</a:t>
             </a:r>
             <a:endParaRPr lang="en-US" sz="1900" b="0" strike="noStrike" spc="-1" dirty="0">
-              <a:latin typeface="Arial"/>
+              <a:latin typeface="ＭＳ ゴシック" panose="020B0609070205080204" pitchFamily="49" charset="-128"/>
+              <a:ea typeface="ＭＳ ゴシック" panose="020B0609070205080204" pitchFamily="49" charset="-128"/>
             </a:endParaRPr>
           </a:p>
         </p:txBody>
@@ -10244,8 +10280,8 @@
                 <a:solidFill>
                   <a:srgbClr val="000000"/>
                 </a:solidFill>
-                <a:latin typeface="Arial"/>
-                <a:ea typeface="Arial"/>
+                <a:latin typeface="ＭＳ ゴシック" panose="020B0609070205080204" pitchFamily="49" charset="-128"/>
+                <a:ea typeface="ＭＳ ゴシック" panose="020B0609070205080204" pitchFamily="49" charset="-128"/>
               </a:rPr>
               <a:t>他</a:t>
             </a:r>
@@ -10254,8 +10290,8 @@
                 <a:solidFill>
                   <a:srgbClr val="000000"/>
                 </a:solidFill>
-                <a:latin typeface="Arial"/>
-                <a:ea typeface="Arial"/>
+                <a:latin typeface="ＭＳ ゴシック" panose="020B0609070205080204" pitchFamily="49" charset="-128"/>
+                <a:ea typeface="ＭＳ ゴシック" panose="020B0609070205080204" pitchFamily="49" charset="-128"/>
               </a:rPr>
               <a:t>の</a:t>
             </a:r>
@@ -10264,13 +10300,14 @@
                 <a:solidFill>
                   <a:srgbClr val="000000"/>
                 </a:solidFill>
-                <a:latin typeface="Arial"/>
-                <a:ea typeface="Arial"/>
+                <a:latin typeface="ＭＳ ゴシック" panose="020B0609070205080204" pitchFamily="49" charset="-128"/>
+                <a:ea typeface="ＭＳ ゴシック" panose="020B0609070205080204" pitchFamily="49" charset="-128"/>
               </a:rPr>
               <a:t>特徴</a:t>
             </a:r>
             <a:endParaRPr lang="en-US" sz="2400" b="0" strike="noStrike" spc="-1" dirty="0">
-              <a:latin typeface="Arial"/>
+              <a:latin typeface="ＭＳ ゴシック" panose="020B0609070205080204" pitchFamily="49" charset="-128"/>
+              <a:ea typeface="ＭＳ ゴシック" panose="020B0609070205080204" pitchFamily="49" charset="-128"/>
             </a:endParaRPr>
           </a:p>
         </p:txBody>
@@ -10327,18 +10364,21 @@
             </a:pPr>
             <a:r>
               <a:rPr lang="ja-JP" altLang="en-US" sz="1900" spc="-1" dirty="0">
-                <a:latin typeface="Arial"/>
+                <a:latin typeface="ＭＳ ゴシック" panose="020B0609070205080204" pitchFamily="49" charset="-128"/>
+                <a:ea typeface="ＭＳ ゴシック" panose="020B0609070205080204" pitchFamily="49" charset="-128"/>
               </a:rPr>
               <a:t>コピーライト</a:t>
             </a:r>
             <a:r>
               <a:rPr lang="ja-JP" altLang="en-US" sz="1900" b="0" strike="noStrike" spc="-1" dirty="0" smtClean="0">
-                <a:latin typeface="Arial"/>
+                <a:latin typeface="ＭＳ ゴシック" panose="020B0609070205080204" pitchFamily="49" charset="-128"/>
+                <a:ea typeface="ＭＳ ゴシック" panose="020B0609070205080204" pitchFamily="49" charset="-128"/>
               </a:rPr>
               <a:t>、著作者声明 検索</a:t>
             </a:r>
             <a:endParaRPr lang="en-US" sz="1900" b="0" strike="noStrike" spc="-1" dirty="0">
-              <a:latin typeface="Arial"/>
+              <a:latin typeface="ＭＳ ゴシック" panose="020B0609070205080204" pitchFamily="49" charset="-128"/>
+              <a:ea typeface="ＭＳ ゴシック" panose="020B0609070205080204" pitchFamily="49" charset="-128"/>
             </a:endParaRPr>
           </a:p>
           <a:p>
@@ -10357,8 +10397,8 @@
                 <a:solidFill>
                   <a:srgbClr val="000000"/>
                 </a:solidFill>
-                <a:latin typeface="Arial"/>
-                <a:ea typeface="Arial"/>
+                <a:latin typeface="ＭＳ ゴシック" panose="020B0609070205080204" pitchFamily="49" charset="-128"/>
+                <a:ea typeface="ＭＳ ゴシック" panose="020B0609070205080204" pitchFamily="49" charset="-128"/>
               </a:rPr>
               <a:t>輸出管理</a:t>
             </a:r>
@@ -10367,8 +10407,8 @@
                 <a:solidFill>
                   <a:srgbClr val="000000"/>
                 </a:solidFill>
-                <a:latin typeface="Arial"/>
-                <a:ea typeface="Arial"/>
+                <a:latin typeface="ＭＳ ゴシック" panose="020B0609070205080204" pitchFamily="49" charset="-128"/>
+                <a:ea typeface="ＭＳ ゴシック" panose="020B0609070205080204" pitchFamily="49" charset="-128"/>
               </a:rPr>
               <a:t>情報</a:t>
             </a:r>
@@ -10377,8 +10417,8 @@
                 <a:solidFill>
                   <a:srgbClr val="000000"/>
                 </a:solidFill>
-                <a:latin typeface="Arial"/>
-                <a:ea typeface="Arial"/>
+                <a:latin typeface="ＭＳ ゴシック" panose="020B0609070205080204" pitchFamily="49" charset="-128"/>
+                <a:ea typeface="ＭＳ ゴシック" panose="020B0609070205080204" pitchFamily="49" charset="-128"/>
               </a:rPr>
               <a:t> </a:t>
             </a:r>
@@ -10387,13 +10427,14 @@
                 <a:solidFill>
                   <a:srgbClr val="000000"/>
                 </a:solidFill>
-                <a:latin typeface="Arial"/>
-                <a:ea typeface="Arial"/>
+                <a:latin typeface="ＭＳ ゴシック" panose="020B0609070205080204" pitchFamily="49" charset="-128"/>
+                <a:ea typeface="ＭＳ ゴシック" panose="020B0609070205080204" pitchFamily="49" charset="-128"/>
               </a:rPr>
               <a:t>検索</a:t>
             </a:r>
             <a:endParaRPr lang="en-US" sz="1900" b="0" strike="noStrike" spc="-1" dirty="0">
-              <a:latin typeface="Arial"/>
+              <a:latin typeface="ＭＳ ゴシック" panose="020B0609070205080204" pitchFamily="49" charset="-128"/>
+              <a:ea typeface="ＭＳ ゴシック" panose="020B0609070205080204" pitchFamily="49" charset="-128"/>
             </a:endParaRPr>
           </a:p>
           <a:p>
@@ -10412,13 +10453,14 @@
                 <a:solidFill>
                   <a:srgbClr val="000000"/>
                 </a:solidFill>
-                <a:latin typeface="Arial"/>
-                <a:ea typeface="Arial"/>
+                <a:latin typeface="ＭＳ ゴシック" panose="020B0609070205080204" pitchFamily="49" charset="-128"/>
+                <a:ea typeface="ＭＳ ゴシック" panose="020B0609070205080204" pitchFamily="49" charset="-128"/>
               </a:rPr>
               <a:t>コマンドラインインターフェイス</a:t>
             </a:r>
             <a:endParaRPr lang="en-US" sz="1900" b="0" strike="noStrike" spc="-1" dirty="0">
-              <a:latin typeface="Arial"/>
+              <a:latin typeface="ＭＳ ゴシック" panose="020B0609070205080204" pitchFamily="49" charset="-128"/>
+              <a:ea typeface="ＭＳ ゴシック" panose="020B0609070205080204" pitchFamily="49" charset="-128"/>
             </a:endParaRPr>
           </a:p>
           <a:p>
@@ -10434,12 +10476,14 @@
             </a:pPr>
             <a:r>
               <a:rPr lang="ja-JP" altLang="en-US" sz="1900" b="0" strike="noStrike" spc="-1" dirty="0" smtClean="0">
-                <a:latin typeface="Arial"/>
+                <a:latin typeface="ＭＳ ゴシック" panose="020B0609070205080204" pitchFamily="49" charset="-128"/>
+                <a:ea typeface="ＭＳ ゴシック" panose="020B0609070205080204" pitchFamily="49" charset="-128"/>
               </a:rPr>
               <a:t>レポート</a:t>
             </a:r>
             <a:endParaRPr lang="en-US" sz="1900" b="0" strike="noStrike" spc="-1" dirty="0">
-              <a:latin typeface="Arial"/>
+              <a:latin typeface="ＭＳ ゴシック" panose="020B0609070205080204" pitchFamily="49" charset="-128"/>
+              <a:ea typeface="ＭＳ ゴシック" panose="020B0609070205080204" pitchFamily="49" charset="-128"/>
             </a:endParaRPr>
           </a:p>
           <a:p>
@@ -10458,8 +10502,8 @@
                 <a:solidFill>
                   <a:srgbClr val="000000"/>
                 </a:solidFill>
-                <a:latin typeface="Arial"/>
-                <a:ea typeface="Arial"/>
+                <a:latin typeface="ＭＳ ゴシック" panose="020B0609070205080204" pitchFamily="49" charset="-128"/>
+                <a:ea typeface="ＭＳ ゴシック" panose="020B0609070205080204" pitchFamily="49" charset="-128"/>
               </a:rPr>
               <a:t>SPDX RDF </a:t>
             </a:r>
@@ -10468,8 +10512,8 @@
                 <a:solidFill>
                   <a:srgbClr val="000000"/>
                 </a:solidFill>
-                <a:latin typeface="Arial"/>
-                <a:ea typeface="Arial"/>
+                <a:latin typeface="ＭＳ ゴシック" panose="020B0609070205080204" pitchFamily="49" charset="-128"/>
+                <a:ea typeface="ＭＳ ゴシック" panose="020B0609070205080204" pitchFamily="49" charset="-128"/>
               </a:rPr>
               <a:t>と</a:t>
             </a:r>
@@ -10478,8 +10522,8 @@
                 <a:solidFill>
                   <a:srgbClr val="000000"/>
                 </a:solidFill>
-                <a:latin typeface="Arial"/>
-                <a:ea typeface="Arial"/>
+                <a:latin typeface="ＭＳ ゴシック" panose="020B0609070205080204" pitchFamily="49" charset="-128"/>
+                <a:ea typeface="ＭＳ ゴシック" panose="020B0609070205080204" pitchFamily="49" charset="-128"/>
               </a:rPr>
               <a:t> </a:t>
             </a:r>
@@ -10488,13 +10532,14 @@
                 <a:solidFill>
                   <a:srgbClr val="000000"/>
                 </a:solidFill>
-                <a:latin typeface="Arial"/>
-                <a:ea typeface="Arial"/>
+                <a:latin typeface="ＭＳ ゴシック" panose="020B0609070205080204" pitchFamily="49" charset="-128"/>
+                <a:ea typeface="ＭＳ ゴシック" panose="020B0609070205080204" pitchFamily="49" charset="-128"/>
               </a:rPr>
               <a:t>tag-value</a:t>
             </a:r>
             <a:endParaRPr lang="en-US" sz="1900" b="0" strike="noStrike" spc="-1" dirty="0">
-              <a:latin typeface="Arial"/>
+              <a:latin typeface="ＭＳ ゴシック" panose="020B0609070205080204" pitchFamily="49" charset="-128"/>
+              <a:ea typeface="ＭＳ ゴシック" panose="020B0609070205080204" pitchFamily="49" charset="-128"/>
             </a:endParaRPr>
           </a:p>
           <a:p>
@@ -10513,13 +10558,14 @@
                 <a:solidFill>
                   <a:srgbClr val="000000"/>
                 </a:solidFill>
-                <a:latin typeface="Arial"/>
-                <a:ea typeface="Arial"/>
+                <a:latin typeface="ＭＳ ゴシック" panose="020B0609070205080204" pitchFamily="49" charset="-128"/>
+                <a:ea typeface="ＭＳ ゴシック" panose="020B0609070205080204" pitchFamily="49" charset="-128"/>
               </a:rPr>
               <a:t>Debian-copyright</a:t>
             </a:r>
             <a:endParaRPr lang="en-US" sz="1900" b="0" strike="noStrike" spc="-1" dirty="0">
-              <a:latin typeface="Arial"/>
+              <a:latin typeface="ＭＳ ゴシック" panose="020B0609070205080204" pitchFamily="49" charset="-128"/>
+              <a:ea typeface="ＭＳ ゴシック" panose="020B0609070205080204" pitchFamily="49" charset="-128"/>
             </a:endParaRPr>
           </a:p>
           <a:p>
@@ -10538,7 +10584,8 @@
                 <a:solidFill>
                   <a:srgbClr val="000000"/>
                 </a:solidFill>
-                <a:latin typeface="Arial"/>
+                <a:latin typeface="ＭＳ ゴシック" panose="020B0609070205080204" pitchFamily="49" charset="-128"/>
+                <a:ea typeface="ＭＳ ゴシック" panose="020B0609070205080204" pitchFamily="49" charset="-128"/>
               </a:rPr>
               <a:t>平</a:t>
             </a:r>
@@ -10547,7 +10594,8 @@
                 <a:solidFill>
                   <a:srgbClr val="000000"/>
                 </a:solidFill>
-                <a:latin typeface="Arial"/>
+                <a:latin typeface="ＭＳ ゴシック" panose="020B0609070205080204" pitchFamily="49" charset="-128"/>
+                <a:ea typeface="ＭＳ ゴシック" panose="020B0609070205080204" pitchFamily="49" charset="-128"/>
               </a:rPr>
               <a:t>文</a:t>
             </a:r>
@@ -10556,7 +10604,8 @@
                 <a:solidFill>
                   <a:srgbClr val="000000"/>
                 </a:solidFill>
-                <a:latin typeface="Arial"/>
+                <a:latin typeface="ＭＳ ゴシック" panose="020B0609070205080204" pitchFamily="49" charset="-128"/>
+                <a:ea typeface="ＭＳ ゴシック" panose="020B0609070205080204" pitchFamily="49" charset="-128"/>
               </a:rPr>
               <a:t>テキスト</a:t>
             </a:r>
@@ -10565,12 +10614,14 @@
                 <a:solidFill>
                   <a:srgbClr val="000000"/>
                 </a:solidFill>
-                <a:latin typeface="Arial"/>
+                <a:latin typeface="ＭＳ ゴシック" panose="020B0609070205080204" pitchFamily="49" charset="-128"/>
+                <a:ea typeface="ＭＳ ゴシック" panose="020B0609070205080204" pitchFamily="49" charset="-128"/>
               </a:rPr>
               <a:t>出力</a:t>
             </a:r>
             <a:endParaRPr lang="en-US" sz="1900" b="0" strike="noStrike" spc="-1" dirty="0">
-              <a:latin typeface="Arial"/>
+              <a:latin typeface="ＭＳ ゴシック" panose="020B0609070205080204" pitchFamily="49" charset="-128"/>
+              <a:ea typeface="ＭＳ ゴシック" panose="020B0609070205080204" pitchFamily="49" charset="-128"/>
             </a:endParaRPr>
           </a:p>
           <a:p>
@@ -10586,12 +10637,14 @@
             </a:pPr>
             <a:r>
               <a:rPr lang="ja-JP" altLang="en-US" sz="1900" b="0" strike="noStrike" spc="-1" dirty="0" smtClean="0">
-                <a:latin typeface="Arial"/>
+                <a:latin typeface="ＭＳ ゴシック" panose="020B0609070205080204" pitchFamily="49" charset="-128"/>
+                <a:ea typeface="ＭＳ ゴシック" panose="020B0609070205080204" pitchFamily="49" charset="-128"/>
               </a:rPr>
               <a:t>ファイルの一括ソート</a:t>
             </a:r>
             <a:endParaRPr lang="en-US" sz="1900" b="0" strike="noStrike" spc="-1" dirty="0">
-              <a:latin typeface="Arial"/>
+              <a:latin typeface="ＭＳ ゴシック" panose="020B0609070205080204" pitchFamily="49" charset="-128"/>
+              <a:ea typeface="ＭＳ ゴシック" panose="020B0609070205080204" pitchFamily="49" charset="-128"/>
             </a:endParaRPr>
           </a:p>
           <a:p>
@@ -10610,8 +10663,8 @@
                 <a:solidFill>
                   <a:srgbClr val="000000"/>
                 </a:solidFill>
-                <a:latin typeface="Arial"/>
-                <a:ea typeface="Arial"/>
+                <a:latin typeface="ＭＳ ゴシック" panose="020B0609070205080204" pitchFamily="49" charset="-128"/>
+                <a:ea typeface="ＭＳ ゴシック" panose="020B0609070205080204" pitchFamily="49" charset="-128"/>
               </a:rPr>
               <a:t>User, </a:t>
             </a:r>
@@ -10620,8 +10673,8 @@
                 <a:solidFill>
                   <a:srgbClr val="000000"/>
                 </a:solidFill>
-                <a:latin typeface="Arial"/>
-                <a:ea typeface="Arial"/>
+                <a:latin typeface="ＭＳ ゴシック" panose="020B0609070205080204" pitchFamily="49" charset="-128"/>
+                <a:ea typeface="ＭＳ ゴシック" panose="020B0609070205080204" pitchFamily="49" charset="-128"/>
               </a:rPr>
               <a:t>group,  </a:t>
             </a:r>
@@ -10630,13 +10683,14 @@
                 <a:solidFill>
                   <a:srgbClr val="000000"/>
                 </a:solidFill>
-                <a:latin typeface="Arial"/>
-                <a:ea typeface="Arial"/>
+                <a:latin typeface="ＭＳ ゴシック" panose="020B0609070205080204" pitchFamily="49" charset="-128"/>
+                <a:ea typeface="ＭＳ ゴシック" panose="020B0609070205080204" pitchFamily="49" charset="-128"/>
               </a:rPr>
               <a:t>アップロードマネジメント</a:t>
             </a:r>
             <a:endParaRPr lang="en-US" sz="1900" b="0" strike="noStrike" spc="-1" dirty="0">
-              <a:latin typeface="Arial"/>
+              <a:latin typeface="ＭＳ ゴシック" panose="020B0609070205080204" pitchFamily="49" charset="-128"/>
+              <a:ea typeface="ＭＳ ゴシック" panose="020B0609070205080204" pitchFamily="49" charset="-128"/>
             </a:endParaRPr>
           </a:p>
           <a:p>
@@ -10912,8 +10966,8 @@
                 <a:solidFill>
                   <a:srgbClr val="000000"/>
                 </a:solidFill>
-                <a:latin typeface="Arial"/>
-                <a:ea typeface="Arial"/>
+                <a:latin typeface="ＭＳ ゴシック" panose="020B0609070205080204" pitchFamily="49" charset="-128"/>
+                <a:ea typeface="ＭＳ ゴシック" panose="020B0609070205080204" pitchFamily="49" charset="-128"/>
               </a:rPr>
               <a:t>適切な実ライセンス検知</a:t>
             </a:r>
@@ -10921,8 +10975,8 @@
               <a:solidFill>
                 <a:srgbClr val="000000"/>
               </a:solidFill>
-              <a:latin typeface="Arial"/>
-              <a:ea typeface="Arial"/>
+              <a:latin typeface="ＭＳ ゴシック" panose="020B0609070205080204" pitchFamily="49" charset="-128"/>
+              <a:ea typeface="ＭＳ ゴシック" panose="020B0609070205080204" pitchFamily="49" charset="-128"/>
             </a:endParaRPr>
           </a:p>
           <a:p>
@@ -10941,8 +10995,8 @@
                 <a:solidFill>
                   <a:srgbClr val="000000"/>
                 </a:solidFill>
-                <a:latin typeface="Arial"/>
-                <a:ea typeface="Arial"/>
+                <a:latin typeface="ＭＳ ゴシック" panose="020B0609070205080204" pitchFamily="49" charset="-128"/>
+                <a:ea typeface="ＭＳ ゴシック" panose="020B0609070205080204" pitchFamily="49" charset="-128"/>
               </a:rPr>
               <a:t>ライセンス</a:t>
             </a:r>
@@ -10951,8 +11005,8 @@
                 <a:solidFill>
                   <a:srgbClr val="000000"/>
                 </a:solidFill>
-                <a:latin typeface="Arial"/>
-                <a:ea typeface="Arial"/>
+                <a:latin typeface="ＭＳ ゴシック" panose="020B0609070205080204" pitchFamily="49" charset="-128"/>
+                <a:ea typeface="ＭＳ ゴシック" panose="020B0609070205080204" pitchFamily="49" charset="-128"/>
               </a:rPr>
               <a:t>の派生物も特定</a:t>
             </a:r>
@@ -10960,8 +11014,8 @@
               <a:solidFill>
                 <a:srgbClr val="000000"/>
               </a:solidFill>
-              <a:latin typeface="Arial"/>
-              <a:ea typeface="Arial"/>
+              <a:latin typeface="ＭＳ ゴシック" panose="020B0609070205080204" pitchFamily="49" charset="-128"/>
+              <a:ea typeface="ＭＳ ゴシック" panose="020B0609070205080204" pitchFamily="49" charset="-128"/>
             </a:endParaRPr>
           </a:p>
           <a:p>
@@ -11044,7 +11098,8 @@
                 <a:solidFill>
                   <a:srgbClr val="000000"/>
                 </a:solidFill>
-                <a:latin typeface="Arial"/>
+                <a:latin typeface="ＭＳ ゴシック" panose="020B0609070205080204" pitchFamily="49" charset="-128"/>
+                <a:ea typeface="ＭＳ ゴシック" panose="020B0609070205080204" pitchFamily="49" charset="-128"/>
               </a:rPr>
               <a:t>全ライセンス関連テキスト検知</a:t>
             </a:r>
@@ -11052,8 +11107,8 @@
               <a:solidFill>
                 <a:srgbClr val="000000"/>
               </a:solidFill>
-              <a:latin typeface="Arial"/>
-              <a:ea typeface="Arial"/>
+              <a:latin typeface="ＭＳ ゴシック" panose="020B0609070205080204" pitchFamily="49" charset="-128"/>
+              <a:ea typeface="ＭＳ ゴシック" panose="020B0609070205080204" pitchFamily="49" charset="-128"/>
             </a:endParaRPr>
           </a:p>
           <a:p>
@@ -11072,7 +11127,8 @@
                 <a:solidFill>
                   <a:srgbClr val="000000"/>
                 </a:solidFill>
-                <a:latin typeface="Arial"/>
+                <a:latin typeface="ＭＳ ゴシック" panose="020B0609070205080204" pitchFamily="49" charset="-128"/>
+                <a:ea typeface="ＭＳ ゴシック" panose="020B0609070205080204" pitchFamily="49" charset="-128"/>
               </a:rPr>
               <a:t>未知</a:t>
             </a:r>
@@ -11081,12 +11137,14 @@
                 <a:solidFill>
                   <a:srgbClr val="000000"/>
                 </a:solidFill>
-                <a:latin typeface="Arial"/>
+                <a:latin typeface="ＭＳ ゴシック" panose="020B0609070205080204" pitchFamily="49" charset="-128"/>
+                <a:ea typeface="ＭＳ ゴシック" panose="020B0609070205080204" pitchFamily="49" charset="-128"/>
               </a:rPr>
               <a:t>のライセンスも発見</a:t>
             </a:r>
             <a:endParaRPr lang="en-US" sz="1600" b="0" strike="noStrike" spc="-1" dirty="0">
-              <a:latin typeface="Arial"/>
+              <a:latin typeface="ＭＳ ゴシック" panose="020B0609070205080204" pitchFamily="49" charset="-128"/>
+              <a:ea typeface="ＭＳ ゴシック" panose="020B0609070205080204" pitchFamily="49" charset="-128"/>
             </a:endParaRPr>
           </a:p>
         </p:txBody>
@@ -11144,7 +11202,8 @@
                 <a:solidFill>
                   <a:srgbClr val="000000"/>
                 </a:solidFill>
-                <a:latin typeface="Arial"/>
+                <a:latin typeface="ＭＳ ゴシック" panose="020B0609070205080204" pitchFamily="49" charset="-128"/>
+                <a:ea typeface="ＭＳ ゴシック" panose="020B0609070205080204" pitchFamily="49" charset="-128"/>
               </a:rPr>
               <a:t>実際に検知された既知のライセンステキストと、文言が正確に再現されていることを確認</a:t>
             </a:r>
@@ -11152,7 +11211,8 @@
               <a:solidFill>
                 <a:srgbClr val="000000"/>
               </a:solidFill>
-              <a:latin typeface="Arial"/>
+              <a:latin typeface="ＭＳ ゴシック" panose="020B0609070205080204" pitchFamily="49" charset="-128"/>
+              <a:ea typeface="ＭＳ ゴシック" panose="020B0609070205080204" pitchFamily="49" charset="-128"/>
             </a:endParaRPr>
           </a:p>
           <a:p>
@@ -11222,7 +11282,8 @@
             </a:pPr>
             <a:r>
               <a:rPr lang="ja-JP" altLang="en-US" sz="1600" b="0" strike="noStrike" spc="-1" dirty="0" smtClean="0">
-                <a:latin typeface="Arial"/>
+                <a:latin typeface="ＭＳ ゴシック" panose="020B0609070205080204" pitchFamily="49" charset="-128"/>
+                <a:ea typeface="ＭＳ ゴシック" panose="020B0609070205080204" pitchFamily="49" charset="-128"/>
               </a:rPr>
               <a:t>関連性の高いテキスト検知</a:t>
             </a:r>
@@ -11230,8 +11291,8 @@
               <a:solidFill>
                 <a:srgbClr val="000000"/>
               </a:solidFill>
-              <a:latin typeface="Arial"/>
-              <a:ea typeface="Arial"/>
+              <a:latin typeface="ＭＳ ゴシック" panose="020B0609070205080204" pitchFamily="49" charset="-128"/>
+              <a:ea typeface="ＭＳ ゴシック" panose="020B0609070205080204" pitchFamily="49" charset="-128"/>
             </a:endParaRPr>
           </a:p>
           <a:p>
@@ -11250,8 +11311,8 @@
                 <a:solidFill>
                   <a:srgbClr val="000000"/>
                 </a:solidFill>
-                <a:latin typeface="Arial"/>
-                <a:ea typeface="Arial"/>
+                <a:latin typeface="ＭＳ ゴシック" panose="020B0609070205080204" pitchFamily="49" charset="-128"/>
+                <a:ea typeface="ＭＳ ゴシック" panose="020B0609070205080204" pitchFamily="49" charset="-128"/>
               </a:rPr>
               <a:t>ライセンスの派生物も特定</a:t>
             </a:r>
@@ -11259,8 +11320,8 @@
               <a:solidFill>
                 <a:srgbClr val="000000"/>
               </a:solidFill>
-              <a:latin typeface="Arial"/>
-              <a:ea typeface="Arial"/>
+              <a:latin typeface="ＭＳ ゴシック" panose="020B0609070205080204" pitchFamily="49" charset="-128"/>
+              <a:ea typeface="ＭＳ ゴシック" panose="020B0609070205080204" pitchFamily="49" charset="-128"/>
             </a:endParaRPr>
           </a:p>
           <a:p>
@@ -11627,7 +11688,8 @@
                 <a:solidFill>
                   <a:srgbClr val="000000"/>
                 </a:solidFill>
-                <a:ea typeface="Arial"/>
+                <a:latin typeface="ＭＳ ゴシック" panose="020B0609070205080204" pitchFamily="49" charset="-128"/>
+                <a:ea typeface="ＭＳ ゴシック" panose="020B0609070205080204" pitchFamily="49" charset="-128"/>
               </a:rPr>
               <a:t>既知のフレーズ</a:t>
             </a:r>
@@ -11636,7 +11698,8 @@
                 <a:solidFill>
                   <a:srgbClr val="000000"/>
                 </a:solidFill>
-                <a:ea typeface="Arial"/>
+                <a:latin typeface="ＭＳ ゴシック" panose="020B0609070205080204" pitchFamily="49" charset="-128"/>
+                <a:ea typeface="ＭＳ ゴシック" panose="020B0609070205080204" pitchFamily="49" charset="-128"/>
               </a:rPr>
               <a:t>に限定</a:t>
             </a:r>
@@ -11644,7 +11707,8 @@
               <a:solidFill>
                 <a:srgbClr val="000000"/>
               </a:solidFill>
-              <a:ea typeface="Arial"/>
+              <a:latin typeface="ＭＳ ゴシック" panose="020B0609070205080204" pitchFamily="49" charset="-128"/>
+              <a:ea typeface="ＭＳ ゴシック" panose="020B0609070205080204" pitchFamily="49" charset="-128"/>
             </a:endParaRPr>
           </a:p>
           <a:p>
@@ -11663,7 +11727,8 @@
                 <a:solidFill>
                   <a:srgbClr val="000000"/>
                 </a:solidFill>
-                <a:ea typeface="Arial"/>
+                <a:latin typeface="ＭＳ ゴシック" panose="020B0609070205080204" pitchFamily="49" charset="-128"/>
+                <a:ea typeface="ＭＳ ゴシック" panose="020B0609070205080204" pitchFamily="49" charset="-128"/>
               </a:rPr>
               <a:t>オリジナルのものや派生物</a:t>
             </a:r>
@@ -11672,7 +11737,8 @@
                 <a:solidFill>
                   <a:srgbClr val="000000"/>
                 </a:solidFill>
-                <a:ea typeface="Arial"/>
+                <a:latin typeface="ＭＳ ゴシック" panose="020B0609070205080204" pitchFamily="49" charset="-128"/>
+                <a:ea typeface="ＭＳ ゴシック" panose="020B0609070205080204" pitchFamily="49" charset="-128"/>
               </a:rPr>
               <a:t>について</a:t>
             </a:r>
@@ -11681,12 +11747,14 @@
                 <a:solidFill>
                   <a:srgbClr val="000000"/>
                 </a:solidFill>
-                <a:ea typeface="Arial"/>
+                <a:latin typeface="ＭＳ ゴシック" panose="020B0609070205080204" pitchFamily="49" charset="-128"/>
+                <a:ea typeface="ＭＳ ゴシック" panose="020B0609070205080204" pitchFamily="49" charset="-128"/>
               </a:rPr>
               <a:t>確実な提供はしない</a:t>
             </a:r>
             <a:endParaRPr lang="en-US" sz="1600" b="0" strike="noStrike" spc="-1" dirty="0">
-              <a:latin typeface="Arial"/>
+              <a:latin typeface="ＭＳ ゴシック" panose="020B0609070205080204" pitchFamily="49" charset="-128"/>
+              <a:ea typeface="ＭＳ ゴシック" panose="020B0609070205080204" pitchFamily="49" charset="-128"/>
             </a:endParaRPr>
           </a:p>
         </p:txBody>
@@ -11744,12 +11812,14 @@
                 <a:solidFill>
                   <a:srgbClr val="000000"/>
                 </a:solidFill>
-                <a:latin typeface="Arial"/>
+                <a:latin typeface="ＭＳ ゴシック" panose="020B0609070205080204" pitchFamily="49" charset="-128"/>
+                <a:ea typeface="ＭＳ ゴシック" panose="020B0609070205080204" pitchFamily="49" charset="-128"/>
               </a:rPr>
               <a:t>非常に不正確</a:t>
             </a:r>
             <a:endParaRPr lang="en-US" sz="1600" b="0" strike="noStrike" spc="-1" dirty="0">
-              <a:latin typeface="Arial"/>
+              <a:latin typeface="ＭＳ ゴシック" panose="020B0609070205080204" pitchFamily="49" charset="-128"/>
+              <a:ea typeface="ＭＳ ゴシック" panose="020B0609070205080204" pitchFamily="49" charset="-128"/>
             </a:endParaRPr>
           </a:p>
           <a:p>
@@ -11768,7 +11838,8 @@
                 <a:solidFill>
                   <a:srgbClr val="000000"/>
                 </a:solidFill>
-                <a:latin typeface="Arial"/>
+                <a:latin typeface="ＭＳ ゴシック" panose="020B0609070205080204" pitchFamily="49" charset="-128"/>
+                <a:ea typeface="ＭＳ ゴシック" panose="020B0609070205080204" pitchFamily="49" charset="-128"/>
               </a:rPr>
               <a:t>ライセンス特定</a:t>
             </a:r>
@@ -11777,12 +11848,14 @@
                 <a:solidFill>
                   <a:srgbClr val="000000"/>
                 </a:solidFill>
-                <a:latin typeface="Arial"/>
+                <a:latin typeface="ＭＳ ゴシック" panose="020B0609070205080204" pitchFamily="49" charset="-128"/>
+                <a:ea typeface="ＭＳ ゴシック" panose="020B0609070205080204" pitchFamily="49" charset="-128"/>
               </a:rPr>
               <a:t>不可</a:t>
             </a:r>
             <a:endParaRPr lang="en-US" sz="1600" b="0" strike="noStrike" spc="-1" dirty="0">
-              <a:latin typeface="Arial"/>
+              <a:latin typeface="ＭＳ ゴシック" panose="020B0609070205080204" pitchFamily="49" charset="-128"/>
+              <a:ea typeface="ＭＳ ゴシック" panose="020B0609070205080204" pitchFamily="49" charset="-128"/>
             </a:endParaRPr>
           </a:p>
           <a:p>
@@ -11801,7 +11874,8 @@
                 <a:solidFill>
                   <a:srgbClr val="000000"/>
                 </a:solidFill>
-                <a:ea typeface="Arial"/>
+                <a:latin typeface="ＭＳ ゴシック" panose="020B0609070205080204" pitchFamily="49" charset="-128"/>
+                <a:ea typeface="ＭＳ ゴシック" panose="020B0609070205080204" pitchFamily="49" charset="-128"/>
               </a:rPr>
               <a:t>大量の偽陽性の結果</a:t>
             </a:r>
@@ -11809,7 +11883,8 @@
               <a:solidFill>
                 <a:srgbClr val="000000"/>
               </a:solidFill>
-              <a:ea typeface="Arial"/>
+              <a:latin typeface="ＭＳ ゴシック" panose="020B0609070205080204" pitchFamily="49" charset="-128"/>
+              <a:ea typeface="ＭＳ ゴシック" panose="020B0609070205080204" pitchFamily="49" charset="-128"/>
             </a:endParaRPr>
           </a:p>
           <a:p>
@@ -11877,7 +11952,8 @@
                 <a:solidFill>
                   <a:srgbClr val="000000"/>
                 </a:solidFill>
-                <a:ea typeface="Arial"/>
+                <a:latin typeface="ＭＳ ゴシック" panose="020B0609070205080204" pitchFamily="49" charset="-128"/>
+                <a:ea typeface="ＭＳ ゴシック" panose="020B0609070205080204" pitchFamily="49" charset="-128"/>
               </a:rPr>
               <a:t>実際のライセンスを識別する</a:t>
             </a:r>
@@ -11886,7 +11962,8 @@
                 <a:solidFill>
                   <a:srgbClr val="000000"/>
                 </a:solidFill>
-                <a:ea typeface="Arial"/>
+                <a:latin typeface="ＭＳ ゴシック" panose="020B0609070205080204" pitchFamily="49" charset="-128"/>
+                <a:ea typeface="ＭＳ ゴシック" panose="020B0609070205080204" pitchFamily="49" charset="-128"/>
               </a:rPr>
               <a:t>ため、限られた精度</a:t>
             </a:r>
@@ -11894,7 +11971,8 @@
               <a:solidFill>
                 <a:srgbClr val="000000"/>
               </a:solidFill>
-              <a:ea typeface="Arial"/>
+              <a:latin typeface="ＭＳ ゴシック" panose="020B0609070205080204" pitchFamily="49" charset="-128"/>
+              <a:ea typeface="ＭＳ ゴシック" panose="020B0609070205080204" pitchFamily="49" charset="-128"/>
             </a:endParaRPr>
           </a:p>
           <a:p>
@@ -11913,7 +11991,8 @@
                 <a:solidFill>
                   <a:srgbClr val="000000"/>
                 </a:solidFill>
-                <a:ea typeface="Arial"/>
+                <a:latin typeface="ＭＳ ゴシック" panose="020B0609070205080204" pitchFamily="49" charset="-128"/>
+                <a:ea typeface="ＭＳ ゴシック" panose="020B0609070205080204" pitchFamily="49" charset="-128"/>
               </a:rPr>
               <a:t>偽陽性</a:t>
             </a:r>
@@ -11922,7 +12001,8 @@
                 <a:solidFill>
                   <a:srgbClr val="000000"/>
                 </a:solidFill>
-                <a:ea typeface="Arial"/>
+                <a:latin typeface="ＭＳ ゴシック" panose="020B0609070205080204" pitchFamily="49" charset="-128"/>
+                <a:ea typeface="ＭＳ ゴシック" panose="020B0609070205080204" pitchFamily="49" charset="-128"/>
               </a:rPr>
               <a:t>の結果</a:t>
             </a:r>
@@ -12192,7 +12272,8 @@
                 <a:solidFill>
                   <a:srgbClr val="000000"/>
                 </a:solidFill>
-                <a:ea typeface="Arial"/>
+                <a:latin typeface="ＭＳ ゴシック" panose="020B0609070205080204" pitchFamily="49" charset="-128"/>
+                <a:ea typeface="ＭＳ ゴシック" panose="020B0609070205080204" pitchFamily="49" charset="-128"/>
               </a:rPr>
               <a:t>既知のライセンステキストで</a:t>
             </a:r>
@@ -12201,7 +12282,8 @@
                 <a:solidFill>
                   <a:srgbClr val="000000"/>
                 </a:solidFill>
-                <a:ea typeface="Arial"/>
+                <a:latin typeface="ＭＳ ゴシック" panose="020B0609070205080204" pitchFamily="49" charset="-128"/>
+                <a:ea typeface="ＭＳ ゴシック" panose="020B0609070205080204" pitchFamily="49" charset="-128"/>
               </a:rPr>
               <a:t>のみ動作</a:t>
             </a:r>
@@ -12209,7 +12291,8 @@
               <a:solidFill>
                 <a:srgbClr val="000000"/>
               </a:solidFill>
-              <a:ea typeface="Arial"/>
+              <a:latin typeface="ＭＳ ゴシック" panose="020B0609070205080204" pitchFamily="49" charset="-128"/>
+              <a:ea typeface="ＭＳ ゴシック" panose="020B0609070205080204" pitchFamily="49" charset="-128"/>
             </a:endParaRPr>
           </a:p>
           <a:p>
@@ -12228,7 +12311,8 @@
                 <a:solidFill>
                   <a:srgbClr val="000000"/>
                 </a:solidFill>
-                <a:ea typeface="Arial"/>
+                <a:latin typeface="ＭＳ ゴシック" panose="020B0609070205080204" pitchFamily="49" charset="-128"/>
+                <a:ea typeface="ＭＳ ゴシック" panose="020B0609070205080204" pitchFamily="49" charset="-128"/>
               </a:rPr>
               <a:t>実際</a:t>
             </a:r>
@@ -12237,12 +12321,14 @@
                 <a:solidFill>
                   <a:srgbClr val="000000"/>
                 </a:solidFill>
-                <a:ea typeface="Arial"/>
+                <a:latin typeface="ＭＳ ゴシック" panose="020B0609070205080204" pitchFamily="49" charset="-128"/>
+                <a:ea typeface="ＭＳ ゴシック" panose="020B0609070205080204" pitchFamily="49" charset="-128"/>
               </a:rPr>
               <a:t>の出現することは少ない</a:t>
             </a:r>
             <a:endParaRPr lang="en-US" sz="1600" b="0" strike="noStrike" spc="-1" dirty="0">
-              <a:latin typeface="Arial"/>
+              <a:latin typeface="ＭＳ ゴシック" panose="020B0609070205080204" pitchFamily="49" charset="-128"/>
+              <a:ea typeface="ＭＳ ゴシック" panose="020B0609070205080204" pitchFamily="49" charset="-128"/>
             </a:endParaRPr>
           </a:p>
         </p:txBody>
@@ -12425,7 +12511,8 @@
                 <a:solidFill>
                   <a:srgbClr val="000000"/>
                 </a:solidFill>
-                <a:ea typeface="Arial"/>
+                <a:latin typeface="ＭＳ ゴシック" panose="020B0609070205080204" pitchFamily="49" charset="-128"/>
+                <a:ea typeface="ＭＳ ゴシック" panose="020B0609070205080204" pitchFamily="49" charset="-128"/>
               </a:rPr>
               <a:t>コマンドラインインターフェイスとワークフローの統合</a:t>
             </a:r>
@@ -12433,8 +12520,8 @@
               <a:solidFill>
                 <a:srgbClr val="000000"/>
               </a:solidFill>
-              <a:latin typeface="Arial"/>
-              <a:ea typeface="Arial"/>
+              <a:latin typeface="ＭＳ ゴシック" panose="020B0609070205080204" pitchFamily="49" charset="-128"/>
+              <a:ea typeface="ＭＳ ゴシック" panose="020B0609070205080204" pitchFamily="49" charset="-128"/>
             </a:endParaRPr>
           </a:p>
           <a:p>
@@ -12449,19 +12536,29 @@
               <a:buChar char="▪"/>
             </a:pPr>
             <a:r>
-              <a:rPr lang="ja-JP" altLang="en-US" sz="2000" spc="-1" dirty="0" smtClean="0"/>
+              <a:rPr lang="ja-JP" altLang="en-US" sz="2000" spc="-1" dirty="0" smtClean="0">
+                <a:latin typeface="ＭＳ ゴシック" panose="020B0609070205080204" pitchFamily="49" charset="-128"/>
+                <a:ea typeface="ＭＳ ゴシック" panose="020B0609070205080204" pitchFamily="49" charset="-128"/>
+              </a:rPr>
               <a:t>スクリプトにより直接コマンドライン</a:t>
             </a:r>
             <a:r>
-              <a:rPr lang="ja-JP" altLang="en-US" sz="2000" spc="-1" dirty="0"/>
+              <a:rPr lang="ja-JP" altLang="en-US" sz="2000" spc="-1" dirty="0">
+                <a:latin typeface="ＭＳ ゴシック" panose="020B0609070205080204" pitchFamily="49" charset="-128"/>
+                <a:ea typeface="ＭＳ ゴシック" panose="020B0609070205080204" pitchFamily="49" charset="-128"/>
+              </a:rPr>
               <a:t>からアップロードとスキャン</a:t>
             </a:r>
             <a:r>
-              <a:rPr lang="ja-JP" altLang="en-US" sz="2000" spc="-1" dirty="0" smtClean="0"/>
+              <a:rPr lang="ja-JP" altLang="en-US" sz="2000" spc="-1" dirty="0" smtClean="0">
+                <a:latin typeface="ＭＳ ゴシック" panose="020B0609070205080204" pitchFamily="49" charset="-128"/>
+                <a:ea typeface="ＭＳ ゴシック" panose="020B0609070205080204" pitchFamily="49" charset="-128"/>
+              </a:rPr>
               <a:t>を実行</a:t>
             </a:r>
             <a:endParaRPr lang="en-US" sz="2000" b="0" strike="noStrike" spc="-1" dirty="0" smtClean="0">
-              <a:latin typeface="Arial"/>
+              <a:latin typeface="ＭＳ ゴシック" panose="020B0609070205080204" pitchFamily="49" charset="-128"/>
+              <a:ea typeface="ＭＳ ゴシック" panose="020B0609070205080204" pitchFamily="49" charset="-128"/>
             </a:endParaRPr>
           </a:p>
           <a:p>
@@ -12480,7 +12577,8 @@
                 <a:solidFill>
                   <a:srgbClr val="000000"/>
                 </a:solidFill>
-                <a:ea typeface="Arial"/>
+                <a:latin typeface="ＭＳ ゴシック" panose="020B0609070205080204" pitchFamily="49" charset="-128"/>
+                <a:ea typeface="ＭＳ ゴシック" panose="020B0609070205080204" pitchFamily="49" charset="-128"/>
               </a:rPr>
               <a:t>またはコマンドラインから個々</a:t>
             </a:r>
@@ -12489,7 +12587,8 @@
                 <a:solidFill>
                   <a:srgbClr val="000000"/>
                 </a:solidFill>
-                <a:ea typeface="Arial"/>
+                <a:latin typeface="ＭＳ ゴシック" panose="020B0609070205080204" pitchFamily="49" charset="-128"/>
+                <a:ea typeface="ＭＳ ゴシック" panose="020B0609070205080204" pitchFamily="49" charset="-128"/>
               </a:rPr>
               <a:t>の</a:t>
             </a:r>
@@ -12498,7 +12597,8 @@
                 <a:solidFill>
                   <a:srgbClr val="000000"/>
                 </a:solidFill>
-                <a:ea typeface="Arial"/>
+                <a:latin typeface="ＭＳ ゴシック" panose="020B0609070205080204" pitchFamily="49" charset="-128"/>
+                <a:ea typeface="ＭＳ ゴシック" panose="020B0609070205080204" pitchFamily="49" charset="-128"/>
               </a:rPr>
               <a:t>機能</a:t>
             </a:r>
@@ -12507,7 +12607,8 @@
                 <a:solidFill>
                   <a:srgbClr val="000000"/>
                 </a:solidFill>
-                <a:ea typeface="Arial"/>
+                <a:latin typeface="ＭＳ ゴシック" panose="020B0609070205080204" pitchFamily="49" charset="-128"/>
+                <a:ea typeface="ＭＳ ゴシック" panose="020B0609070205080204" pitchFamily="49" charset="-128"/>
               </a:rPr>
               <a:t>を</a:t>
             </a:r>
@@ -12516,7 +12617,8 @@
                 <a:solidFill>
                   <a:srgbClr val="000000"/>
                 </a:solidFill>
-                <a:ea typeface="Arial"/>
+                <a:latin typeface="ＭＳ ゴシック" panose="020B0609070205080204" pitchFamily="49" charset="-128"/>
+                <a:ea typeface="ＭＳ ゴシック" panose="020B0609070205080204" pitchFamily="49" charset="-128"/>
               </a:rPr>
               <a:t>実行する（ライセンスなど</a:t>
             </a:r>
@@ -12525,7 +12627,8 @@
                 <a:solidFill>
                   <a:srgbClr val="000000"/>
                 </a:solidFill>
-                <a:ea typeface="Arial"/>
+                <a:latin typeface="ＭＳ ゴシック" panose="020B0609070205080204" pitchFamily="49" charset="-128"/>
+                <a:ea typeface="ＭＳ ゴシック" panose="020B0609070205080204" pitchFamily="49" charset="-128"/>
               </a:rPr>
               <a:t>）</a:t>
             </a:r>
@@ -12533,8 +12636,8 @@
               <a:solidFill>
                 <a:srgbClr val="000000"/>
               </a:solidFill>
-              <a:latin typeface="Arial"/>
-              <a:ea typeface="Arial"/>
+              <a:latin typeface="ＭＳ ゴシック" panose="020B0609070205080204" pitchFamily="49" charset="-128"/>
+              <a:ea typeface="ＭＳ ゴシック" panose="020B0609070205080204" pitchFamily="49" charset="-128"/>
             </a:endParaRPr>
           </a:p>
           <a:p>
@@ -12549,43 +12652,71 @@
               <a:buChar char="▪"/>
             </a:pPr>
             <a:r>
-              <a:rPr lang="ja-JP" altLang="en-US" sz="2000" spc="-1" dirty="0" smtClean="0"/>
+              <a:rPr lang="ja-JP" altLang="en-US" sz="2000" spc="-1" dirty="0" smtClean="0">
+                <a:latin typeface="ＭＳ ゴシック" panose="020B0609070205080204" pitchFamily="49" charset="-128"/>
+                <a:ea typeface="ＭＳ ゴシック" panose="020B0609070205080204" pitchFamily="49" charset="-128"/>
+              </a:rPr>
               <a:t>アクティビティ</a:t>
             </a:r>
             <a:r>
-              <a:rPr lang="ja-JP" altLang="en-US" sz="2000" spc="-1" dirty="0"/>
+              <a:rPr lang="ja-JP" altLang="en-US" sz="2000" spc="-1" dirty="0">
+                <a:latin typeface="ＭＳ ゴシック" panose="020B0609070205080204" pitchFamily="49" charset="-128"/>
+                <a:ea typeface="ＭＳ ゴシック" panose="020B0609070205080204" pitchFamily="49" charset="-128"/>
+              </a:rPr>
               <a:t>を</a:t>
             </a:r>
             <a:r>
-              <a:rPr lang="ja-JP" altLang="en-US" sz="2000" spc="-1" dirty="0" smtClean="0"/>
+              <a:rPr lang="ja-JP" altLang="en-US" sz="2000" spc="-1" dirty="0" smtClean="0">
+                <a:latin typeface="ＭＳ ゴシック" panose="020B0609070205080204" pitchFamily="49" charset="-128"/>
+                <a:ea typeface="ＭＳ ゴシック" panose="020B0609070205080204" pitchFamily="49" charset="-128"/>
+              </a:rPr>
               <a:t>スケジュール </a:t>
             </a:r>
             <a:r>
-              <a:rPr lang="en-US" altLang="ja-JP" sz="2000" spc="-1" dirty="0" smtClean="0"/>
+              <a:rPr lang="en-US" altLang="ja-JP" sz="2000" spc="-1" dirty="0" smtClean="0">
+                <a:latin typeface="ＭＳ ゴシック" panose="020B0609070205080204" pitchFamily="49" charset="-128"/>
+                <a:ea typeface="ＭＳ ゴシック" panose="020B0609070205080204" pitchFamily="49" charset="-128"/>
+              </a:rPr>
               <a:t>/ </a:t>
             </a:r>
             <a:r>
-              <a:rPr lang="ja-JP" altLang="en-US" sz="2000" spc="-1" dirty="0" smtClean="0"/>
+              <a:rPr lang="ja-JP" altLang="en-US" sz="2000" spc="-1" dirty="0" smtClean="0">
+                <a:latin typeface="ＭＳ ゴシック" panose="020B0609070205080204" pitchFamily="49" charset="-128"/>
+                <a:ea typeface="ＭＳ ゴシック" panose="020B0609070205080204" pitchFamily="49" charset="-128"/>
+              </a:rPr>
               <a:t>それら</a:t>
             </a:r>
             <a:r>
-              <a:rPr lang="ja-JP" altLang="en-US" sz="2000" spc="-1" dirty="0"/>
+              <a:rPr lang="ja-JP" altLang="en-US" sz="2000" spc="-1" dirty="0">
+                <a:latin typeface="ＭＳ ゴシック" panose="020B0609070205080204" pitchFamily="49" charset="-128"/>
+                <a:ea typeface="ＭＳ ゴシック" panose="020B0609070205080204" pitchFamily="49" charset="-128"/>
+              </a:rPr>
               <a:t>を自動化された</a:t>
             </a:r>
             <a:r>
-              <a:rPr lang="ja-JP" altLang="en-US" sz="2000" spc="-1" dirty="0" smtClean="0"/>
+              <a:rPr lang="ja-JP" altLang="en-US" sz="2000" spc="-1" dirty="0" smtClean="0">
+                <a:latin typeface="ＭＳ ゴシック" panose="020B0609070205080204" pitchFamily="49" charset="-128"/>
+                <a:ea typeface="ＭＳ ゴシック" panose="020B0609070205080204" pitchFamily="49" charset="-128"/>
+              </a:rPr>
               <a:t>ワークフロー</a:t>
             </a:r>
             <a:r>
-              <a:rPr lang="ja-JP" altLang="en-US" sz="2000" spc="-1" dirty="0"/>
+              <a:rPr lang="ja-JP" altLang="en-US" sz="2000" spc="-1" dirty="0">
+                <a:latin typeface="ＭＳ ゴシック" panose="020B0609070205080204" pitchFamily="49" charset="-128"/>
+                <a:ea typeface="ＭＳ ゴシック" panose="020B0609070205080204" pitchFamily="49" charset="-128"/>
+              </a:rPr>
               <a:t>に</a:t>
             </a:r>
             <a:r>
-              <a:rPr lang="ja-JP" altLang="en-US" sz="2000" spc="-1" dirty="0" smtClean="0"/>
+              <a:rPr lang="ja-JP" altLang="en-US" sz="2000" spc="-1" dirty="0" smtClean="0">
+                <a:latin typeface="ＭＳ ゴシック" panose="020B0609070205080204" pitchFamily="49" charset="-128"/>
+                <a:ea typeface="ＭＳ ゴシック" panose="020B0609070205080204" pitchFamily="49" charset="-128"/>
+              </a:rPr>
               <a:t>統合</a:t>
             </a:r>
             <a:endParaRPr lang="en-US" sz="2000" b="0" strike="noStrike" spc="-1" dirty="0" smtClean="0">
-              <a:latin typeface="Arial"/>
+              <a:latin typeface="ＭＳ ゴシック" panose="020B0609070205080204" pitchFamily="49" charset="-128"/>
+              <a:ea typeface="ＭＳ ゴシック" panose="020B0609070205080204" pitchFamily="49" charset="-128"/>
             </a:endParaRPr>
           </a:p>
           <a:p>
@@ -12607,8 +12738,8 @@
                 <a:solidFill>
                   <a:srgbClr val="000000"/>
                 </a:solidFill>
-                <a:latin typeface="Arial"/>
-                <a:ea typeface="Arial"/>
+                <a:latin typeface="ＭＳ ゴシック" panose="020B0609070205080204" pitchFamily="49" charset="-128"/>
+                <a:ea typeface="ＭＳ ゴシック" panose="020B0609070205080204" pitchFamily="49" charset="-128"/>
               </a:rPr>
               <a:t>ECC (Export Control and Customs)</a:t>
             </a:r>
@@ -12617,8 +12748,8 @@
                 <a:solidFill>
                   <a:srgbClr val="000000"/>
                 </a:solidFill>
-                <a:latin typeface="Arial"/>
-                <a:ea typeface="Arial"/>
+                <a:latin typeface="ＭＳ ゴシック" panose="020B0609070205080204" pitchFamily="49" charset="-128"/>
+                <a:ea typeface="ＭＳ ゴシック" panose="020B0609070205080204" pitchFamily="49" charset="-128"/>
               </a:rPr>
               <a:t>　輸出管理情報</a:t>
             </a:r>
@@ -12626,8 +12757,8 @@
               <a:solidFill>
                 <a:srgbClr val="000000"/>
               </a:solidFill>
-              <a:latin typeface="Arial"/>
-              <a:ea typeface="Arial"/>
+              <a:latin typeface="ＭＳ ゴシック" panose="020B0609070205080204" pitchFamily="49" charset="-128"/>
+              <a:ea typeface="ＭＳ ゴシック" panose="020B0609070205080204" pitchFamily="49" charset="-128"/>
             </a:endParaRPr>
           </a:p>
           <a:p>
@@ -12646,7 +12777,8 @@
                 <a:solidFill>
                   <a:srgbClr val="000000"/>
                 </a:solidFill>
-                <a:latin typeface="Arial"/>
+                <a:latin typeface="ＭＳ ゴシック" panose="020B0609070205080204" pitchFamily="49" charset="-128"/>
+                <a:ea typeface="ＭＳ ゴシック" panose="020B0609070205080204" pitchFamily="49" charset="-128"/>
               </a:rPr>
               <a:t>輸出</a:t>
             </a:r>
@@ -12655,7 +12787,8 @@
                 <a:solidFill>
                   <a:srgbClr val="000000"/>
                 </a:solidFill>
-                <a:latin typeface="Arial"/>
+                <a:latin typeface="ＭＳ ゴシック" panose="020B0609070205080204" pitchFamily="49" charset="-128"/>
+                <a:ea typeface="ＭＳ ゴシック" panose="020B0609070205080204" pitchFamily="49" charset="-128"/>
               </a:rPr>
               <a:t>管理</a:t>
             </a:r>
@@ -12664,12 +12797,14 @@
                 <a:solidFill>
                   <a:srgbClr val="000000"/>
                 </a:solidFill>
-                <a:latin typeface="Arial"/>
+                <a:latin typeface="ＭＳ ゴシック" panose="020B0609070205080204" pitchFamily="49" charset="-128"/>
+                <a:ea typeface="ＭＳ ゴシック" panose="020B0609070205080204" pitchFamily="49" charset="-128"/>
               </a:rPr>
               <a:t>情報を正規表現検索</a:t>
             </a:r>
             <a:endParaRPr lang="en-US" sz="2000" b="0" strike="noStrike" spc="-1" dirty="0" smtClean="0">
-              <a:latin typeface="Arial"/>
+              <a:latin typeface="ＭＳ ゴシック" panose="020B0609070205080204" pitchFamily="49" charset="-128"/>
+              <a:ea typeface="ＭＳ ゴシック" panose="020B0609070205080204" pitchFamily="49" charset="-128"/>
             </a:endParaRPr>
           </a:p>
           <a:p>
@@ -12691,7 +12826,8 @@
                 <a:solidFill>
                   <a:srgbClr val="000000"/>
                 </a:solidFill>
-                <a:ea typeface="Arial"/>
+                <a:latin typeface="ＭＳ ゴシック" panose="020B0609070205080204" pitchFamily="49" charset="-128"/>
+                <a:ea typeface="ＭＳ ゴシック" panose="020B0609070205080204" pitchFamily="49" charset="-128"/>
               </a:rPr>
               <a:t>ライセンスデータセット</a:t>
             </a:r>
@@ -12700,12 +12836,14 @@
                 <a:solidFill>
                   <a:srgbClr val="000000"/>
                 </a:solidFill>
-                <a:ea typeface="Arial"/>
+                <a:latin typeface="ＭＳ ゴシック" panose="020B0609070205080204" pitchFamily="49" charset="-128"/>
+                <a:ea typeface="ＭＳ ゴシック" panose="020B0609070205080204" pitchFamily="49" charset="-128"/>
               </a:rPr>
               <a:t>のインポートとエクスポート</a:t>
             </a:r>
             <a:endParaRPr lang="en-US" sz="2000" b="0" strike="noStrike" spc="-1" dirty="0" smtClean="0">
-              <a:latin typeface="Arial"/>
+              <a:latin typeface="ＭＳ ゴシック" panose="020B0609070205080204" pitchFamily="49" charset="-128"/>
+              <a:ea typeface="ＭＳ ゴシック" panose="020B0609070205080204" pitchFamily="49" charset="-128"/>
             </a:endParaRPr>
           </a:p>
           <a:p>
@@ -12724,10 +12862,15 @@
                 <a:solidFill>
                   <a:srgbClr val="000000"/>
                 </a:solidFill>
+                <a:latin typeface="ＭＳ ゴシック" panose="020B0609070205080204" pitchFamily="49" charset="-128"/>
+                <a:ea typeface="ＭＳ ゴシック" panose="020B0609070205080204" pitchFamily="49" charset="-128"/>
               </a:rPr>
               <a:t>輸出管理情報を正規表現検索</a:t>
             </a:r>
-            <a:endParaRPr lang="en-US" altLang="ja-JP" sz="2000" spc="-1" dirty="0" smtClean="0"/>
+            <a:endParaRPr lang="en-US" altLang="ja-JP" sz="2000" spc="-1" dirty="0" smtClean="0">
+              <a:latin typeface="ＭＳ ゴシック" panose="020B0609070205080204" pitchFamily="49" charset="-128"/>
+              <a:ea typeface="ＭＳ ゴシック" panose="020B0609070205080204" pitchFamily="49" charset="-128"/>
+            </a:endParaRPr>
           </a:p>
           <a:p>
             <a:pPr marL="254160" lvl="1" indent="-266040">
@@ -12748,12 +12891,14 @@
                 <a:solidFill>
                   <a:srgbClr val="000000"/>
                 </a:solidFill>
-                <a:latin typeface="Arial"/>
+                <a:latin typeface="ＭＳ ゴシック" panose="020B0609070205080204" pitchFamily="49" charset="-128"/>
+                <a:ea typeface="ＭＳ ゴシック" panose="020B0609070205080204" pitchFamily="49" charset="-128"/>
               </a:rPr>
               <a:t>バケット</a:t>
             </a:r>
             <a:endParaRPr lang="en-US" sz="2000" b="0" strike="noStrike" spc="-1" dirty="0">
-              <a:latin typeface="Arial"/>
+              <a:latin typeface="ＭＳ ゴシック" panose="020B0609070205080204" pitchFamily="49" charset="-128"/>
+              <a:ea typeface="ＭＳ ゴシック" panose="020B0609070205080204" pitchFamily="49" charset="-128"/>
             </a:endParaRPr>
           </a:p>
           <a:p>
@@ -12765,34 +12910,58 @@
               <a:buChar char="▪"/>
             </a:pPr>
             <a:r>
-              <a:rPr lang="ja-JP" altLang="en-US" sz="2000" spc="-1" dirty="0" smtClean="0"/>
+              <a:rPr lang="ja-JP" altLang="en-US" sz="2000" spc="-1" dirty="0" smtClean="0">
+                <a:latin typeface="ＭＳ ゴシック" panose="020B0609070205080204" pitchFamily="49" charset="-128"/>
+                <a:ea typeface="ＭＳ ゴシック" panose="020B0609070205080204" pitchFamily="49" charset="-128"/>
+              </a:rPr>
               <a:t>ライセンス結果をルールに基づいて</a:t>
             </a:r>
             <a:r>
-              <a:rPr lang="ja-JP" altLang="en-US" sz="2000" spc="-1" dirty="0"/>
+              <a:rPr lang="ja-JP" altLang="en-US" sz="2000" spc="-1" dirty="0">
+                <a:latin typeface="ＭＳ ゴシック" panose="020B0609070205080204" pitchFamily="49" charset="-128"/>
+                <a:ea typeface="ＭＳ ゴシック" panose="020B0609070205080204" pitchFamily="49" charset="-128"/>
+              </a:rPr>
               <a:t>専用のリスト</a:t>
             </a:r>
             <a:r>
-              <a:rPr lang="en-US" altLang="ja-JP" sz="2000" spc="-1" dirty="0"/>
+              <a:rPr lang="en-US" altLang="ja-JP" sz="2000" spc="-1" dirty="0">
+                <a:latin typeface="ＭＳ ゴシック" panose="020B0609070205080204" pitchFamily="49" charset="-128"/>
+                <a:ea typeface="ＭＳ ゴシック" panose="020B0609070205080204" pitchFamily="49" charset="-128"/>
+              </a:rPr>
               <a:t>/</a:t>
             </a:r>
             <a:r>
-              <a:rPr lang="ja-JP" altLang="en-US" sz="2000" spc="-1" dirty="0"/>
+              <a:rPr lang="ja-JP" altLang="en-US" sz="2000" spc="-1" dirty="0">
+                <a:latin typeface="ＭＳ ゴシック" panose="020B0609070205080204" pitchFamily="49" charset="-128"/>
+                <a:ea typeface="ＭＳ ゴシック" panose="020B0609070205080204" pitchFamily="49" charset="-128"/>
+              </a:rPr>
               <a:t>バケット</a:t>
             </a:r>
             <a:r>
-              <a:rPr lang="ja-JP" altLang="en-US" sz="2000" spc="-1" dirty="0" smtClean="0"/>
+              <a:rPr lang="ja-JP" altLang="en-US" sz="2000" spc="-1" dirty="0" smtClean="0">
+                <a:latin typeface="ＭＳ ゴシック" panose="020B0609070205080204" pitchFamily="49" charset="-128"/>
+                <a:ea typeface="ＭＳ ゴシック" panose="020B0609070205080204" pitchFamily="49" charset="-128"/>
+              </a:rPr>
               <a:t>に</a:t>
             </a:r>
             <a:r>
-              <a:rPr lang="ja-JP" altLang="en-US" sz="2000" spc="-1" dirty="0"/>
+              <a:rPr lang="ja-JP" altLang="en-US" sz="2000" spc="-1" dirty="0">
+                <a:latin typeface="ＭＳ ゴシック" panose="020B0609070205080204" pitchFamily="49" charset="-128"/>
+                <a:ea typeface="ＭＳ ゴシック" panose="020B0609070205080204" pitchFamily="49" charset="-128"/>
+              </a:rPr>
               <a:t>集</a:t>
             </a:r>
             <a:r>
-              <a:rPr lang="ja-JP" altLang="en-US" sz="2000" spc="-1" dirty="0" smtClean="0"/>
+              <a:rPr lang="ja-JP" altLang="en-US" sz="2000" spc="-1" dirty="0" smtClean="0">
+                <a:latin typeface="ＭＳ ゴシック" panose="020B0609070205080204" pitchFamily="49" charset="-128"/>
+                <a:ea typeface="ＭＳ ゴシック" panose="020B0609070205080204" pitchFamily="49" charset="-128"/>
+              </a:rPr>
               <a:t>める</a:t>
             </a:r>
-            <a:endParaRPr lang="en-US" altLang="ja-JP" sz="2000" spc="-1" dirty="0"/>
+            <a:endParaRPr lang="en-US" altLang="ja-JP" sz="2000" spc="-1" dirty="0">
+              <a:latin typeface="ＭＳ ゴシック" panose="020B0609070205080204" pitchFamily="49" charset="-128"/>
+              <a:ea typeface="ＭＳ ゴシック" panose="020B0609070205080204" pitchFamily="49" charset="-128"/>
+            </a:endParaRPr>
           </a:p>
           <a:p>
             <a:pPr marL="444600" lvl="2" indent="-266040">
@@ -13209,8 +13378,8 @@
                 <a:solidFill>
                   <a:srgbClr val="000000"/>
                 </a:solidFill>
-                <a:latin typeface="Arial"/>
-                <a:ea typeface="Arial"/>
+                <a:latin typeface="ＭＳ ゴシック" panose="020B0609070205080204" pitchFamily="49" charset="-128"/>
+                <a:ea typeface="ＭＳ ゴシック" panose="020B0609070205080204" pitchFamily="49" charset="-128"/>
               </a:rPr>
               <a:t>組織</a:t>
             </a:r>
@@ -13219,8 +13388,8 @@
                 <a:solidFill>
                   <a:srgbClr val="000000"/>
                 </a:solidFill>
-                <a:latin typeface="Arial"/>
-                <a:ea typeface="Arial"/>
+                <a:latin typeface="ＭＳ ゴシック" panose="020B0609070205080204" pitchFamily="49" charset="-128"/>
+                <a:ea typeface="ＭＳ ゴシック" panose="020B0609070205080204" pitchFamily="49" charset="-128"/>
               </a:rPr>
               <a:t>がソフトウェアを頒布するとライセンスコンプライアンス責任が生じる</a:t>
             </a:r>
@@ -13228,8 +13397,8 @@
               <a:solidFill>
                 <a:srgbClr val="000000"/>
               </a:solidFill>
-              <a:latin typeface="Arial"/>
-              <a:ea typeface="Arial"/>
+              <a:latin typeface="ＭＳ ゴシック" panose="020B0609070205080204" pitchFamily="49" charset="-128"/>
+              <a:ea typeface="ＭＳ ゴシック" panose="020B0609070205080204" pitchFamily="49" charset="-128"/>
             </a:endParaRPr>
           </a:p>
           <a:p>
@@ -13251,7 +13420,8 @@
                 <a:solidFill>
                   <a:srgbClr val="000000"/>
                 </a:solidFill>
-                <a:latin typeface="Arial"/>
+                <a:latin typeface="ＭＳ ゴシック" panose="020B0609070205080204" pitchFamily="49" charset="-128"/>
+                <a:ea typeface="ＭＳ ゴシック" panose="020B0609070205080204" pitchFamily="49" charset="-128"/>
               </a:rPr>
               <a:t>実際この作業はサードパーティーからもたらされたものでも必要である！</a:t>
             </a:r>
@@ -13259,8 +13429,8 @@
               <a:solidFill>
                 <a:srgbClr val="000000"/>
               </a:solidFill>
-              <a:latin typeface="Arial"/>
-              <a:ea typeface="Arial"/>
+              <a:latin typeface="ＭＳ ゴシック" panose="020B0609070205080204" pitchFamily="49" charset="-128"/>
+              <a:ea typeface="ＭＳ ゴシック" panose="020B0609070205080204" pitchFamily="49" charset="-128"/>
             </a:endParaRPr>
           </a:p>
           <a:p>
@@ -13279,7 +13449,8 @@
                 <a:solidFill>
                   <a:srgbClr val="000000"/>
                 </a:solidFill>
-                <a:latin typeface="Arial"/>
+                <a:latin typeface="ＭＳ ゴシック" panose="020B0609070205080204" pitchFamily="49" charset="-128"/>
+                <a:ea typeface="ＭＳ ゴシック" panose="020B0609070205080204" pitchFamily="49" charset="-128"/>
               </a:rPr>
               <a:t>自由に入手可能な</a:t>
             </a:r>
@@ -13288,7 +13459,8 @@
                 <a:solidFill>
                   <a:srgbClr val="000000"/>
                 </a:solidFill>
-                <a:latin typeface="Arial"/>
+                <a:latin typeface="ＭＳ ゴシック" panose="020B0609070205080204" pitchFamily="49" charset="-128"/>
+                <a:ea typeface="ＭＳ ゴシック" panose="020B0609070205080204" pitchFamily="49" charset="-128"/>
               </a:rPr>
               <a:t>FOSSology</a:t>
             </a:r>
@@ -13297,7 +13469,8 @@
                 <a:solidFill>
                   <a:srgbClr val="000000"/>
                 </a:solidFill>
-                <a:latin typeface="Arial"/>
+                <a:latin typeface="ＭＳ ゴシック" panose="020B0609070205080204" pitchFamily="49" charset="-128"/>
+                <a:ea typeface="ＭＳ ゴシック" panose="020B0609070205080204" pitchFamily="49" charset="-128"/>
               </a:rPr>
               <a:t>は</a:t>
             </a:r>
@@ -13306,18 +13479,21 @@
                 <a:solidFill>
                   <a:srgbClr val="000000"/>
                 </a:solidFill>
-                <a:latin typeface="Arial"/>
+                <a:latin typeface="ＭＳ ゴシック" panose="020B0609070205080204" pitchFamily="49" charset="-128"/>
+                <a:ea typeface="ＭＳ ゴシック" panose="020B0609070205080204" pitchFamily="49" charset="-128"/>
               </a:rPr>
               <a:t>、</a:t>
             </a:r>
             <a:r>
               <a:rPr lang="ja-JP" altLang="en-US" sz="1900" spc="-1" dirty="0" smtClean="0">
-                <a:latin typeface="Arial"/>
+                <a:latin typeface="ＭＳ ゴシック" panose="020B0609070205080204" pitchFamily="49" charset="-128"/>
+                <a:ea typeface="ＭＳ ゴシック" panose="020B0609070205080204" pitchFamily="49" charset="-128"/>
               </a:rPr>
               <a:t>いかなる組織のライセンスコンプライアンスに対する取り組みもサポート</a:t>
             </a:r>
             <a:endParaRPr lang="en-US" altLang="ja-JP" sz="1900" b="0" strike="noStrike" spc="-1" dirty="0" smtClean="0">
-              <a:latin typeface="Arial"/>
+              <a:latin typeface="ＭＳ ゴシック" panose="020B0609070205080204" pitchFamily="49" charset="-128"/>
+              <a:ea typeface="ＭＳ ゴシック" panose="020B0609070205080204" pitchFamily="49" charset="-128"/>
             </a:endParaRPr>
           </a:p>
           <a:p>
@@ -14463,7 +14639,8 @@
                 <a:solidFill>
                   <a:srgbClr val="000000"/>
                 </a:solidFill>
-                <a:latin typeface="Arial"/>
+                <a:latin typeface="ＭＳ ゴシック" panose="020B0609070205080204" pitchFamily="49" charset="-128"/>
+                <a:ea typeface="ＭＳ ゴシック" panose="020B0609070205080204" pitchFamily="49" charset="-128"/>
               </a:rPr>
               <a:t>基本的</a:t>
             </a:r>
@@ -14472,7 +14649,8 @@
                 <a:solidFill>
                   <a:srgbClr val="000000"/>
                 </a:solidFill>
-                <a:latin typeface="Arial"/>
+                <a:latin typeface="ＭＳ ゴシック" panose="020B0609070205080204" pitchFamily="49" charset="-128"/>
+                <a:ea typeface="ＭＳ ゴシック" panose="020B0609070205080204" pitchFamily="49" charset="-128"/>
               </a:rPr>
               <a:t>な</a:t>
             </a:r>
@@ -14481,7 +14659,8 @@
                 <a:solidFill>
                   <a:srgbClr val="000000"/>
                 </a:solidFill>
-                <a:latin typeface="Arial"/>
+                <a:latin typeface="ＭＳ ゴシック" panose="020B0609070205080204" pitchFamily="49" charset="-128"/>
+                <a:ea typeface="ＭＳ ゴシック" panose="020B0609070205080204" pitchFamily="49" charset="-128"/>
               </a:rPr>
               <a:t>一連</a:t>
             </a:r>
@@ -14490,7 +14669,8 @@
                 <a:solidFill>
                   <a:srgbClr val="000000"/>
                 </a:solidFill>
-                <a:latin typeface="Arial"/>
+                <a:latin typeface="ＭＳ ゴシック" panose="020B0609070205080204" pitchFamily="49" charset="-128"/>
+                <a:ea typeface="ＭＳ ゴシック" panose="020B0609070205080204" pitchFamily="49" charset="-128"/>
               </a:rPr>
               <a:t>の作業</a:t>
             </a:r>
@@ -14499,8 +14679,8 @@
                 <a:solidFill>
                   <a:srgbClr val="000000"/>
                 </a:solidFill>
-                <a:latin typeface="Arial"/>
-                <a:ea typeface="Arial"/>
+                <a:latin typeface="ＭＳ ゴシック" panose="020B0609070205080204" pitchFamily="49" charset="-128"/>
+                <a:ea typeface="ＭＳ ゴシック" panose="020B0609070205080204" pitchFamily="49" charset="-128"/>
               </a:rPr>
               <a:t/>
             </a:r>
@@ -14509,8 +14689,8 @@
                 <a:solidFill>
                   <a:srgbClr val="000000"/>
                 </a:solidFill>
-                <a:latin typeface="Arial"/>
-                <a:ea typeface="Arial"/>
+                <a:latin typeface="ＭＳ ゴシック" panose="020B0609070205080204" pitchFamily="49" charset="-128"/>
+                <a:ea typeface="ＭＳ ゴシック" panose="020B0609070205080204" pitchFamily="49" charset="-128"/>
               </a:rPr>
             </a:br>
             <a:r>
@@ -14518,8 +14698,8 @@
                 <a:solidFill>
                   <a:srgbClr val="000000"/>
                 </a:solidFill>
-                <a:latin typeface="Arial"/>
-                <a:ea typeface="Arial"/>
+                <a:latin typeface="ＭＳ ゴシック" panose="020B0609070205080204" pitchFamily="49" charset="-128"/>
+                <a:ea typeface="ＭＳ ゴシック" panose="020B0609070205080204" pitchFamily="49" charset="-128"/>
               </a:rPr>
               <a:t>全体概要</a:t>
             </a:r>
@@ -14528,8 +14708,8 @@
                 <a:solidFill>
                   <a:srgbClr val="000000"/>
                 </a:solidFill>
-                <a:latin typeface="Arial"/>
-                <a:ea typeface="Arial"/>
+                <a:latin typeface="ＭＳ ゴシック" panose="020B0609070205080204" pitchFamily="49" charset="-128"/>
+                <a:ea typeface="ＭＳ ゴシック" panose="020B0609070205080204" pitchFamily="49" charset="-128"/>
               </a:rPr>
               <a:t>: </a:t>
             </a:r>
@@ -14538,8 +14718,8 @@
                 <a:solidFill>
                   <a:srgbClr val="000000"/>
                 </a:solidFill>
-                <a:latin typeface="Arial"/>
-                <a:ea typeface="Arial"/>
+                <a:latin typeface="ＭＳ ゴシック" panose="020B0609070205080204" pitchFamily="49" charset="-128"/>
+                <a:ea typeface="ＭＳ ゴシック" panose="020B0609070205080204" pitchFamily="49" charset="-128"/>
               </a:rPr>
               <a:t>実際に</a:t>
             </a:r>
@@ -14548,7 +14728,8 @@
                 <a:solidFill>
                   <a:srgbClr val="000000"/>
                 </a:solidFill>
-                <a:ea typeface="Arial"/>
+                <a:latin typeface="ＭＳ ゴシック" panose="020B0609070205080204" pitchFamily="49" charset="-128"/>
+                <a:ea typeface="ＭＳ ゴシック" panose="020B0609070205080204" pitchFamily="49" charset="-128"/>
               </a:rPr>
               <a:t>SPDX / Readme / </a:t>
             </a:r>
@@ -14557,7 +14738,8 @@
                 <a:solidFill>
                   <a:srgbClr val="000000"/>
                 </a:solidFill>
-                <a:ea typeface="Arial"/>
+                <a:latin typeface="ＭＳ ゴシック" panose="020B0609070205080204" pitchFamily="49" charset="-128"/>
+                <a:ea typeface="ＭＳ ゴシック" panose="020B0609070205080204" pitchFamily="49" charset="-128"/>
               </a:rPr>
               <a:t>DEP5</a:t>
             </a:r>
@@ -14566,12 +14748,14 @@
                 <a:solidFill>
                   <a:srgbClr val="000000"/>
                 </a:solidFill>
-                <a:ea typeface="Arial"/>
+                <a:latin typeface="ＭＳ ゴシック" panose="020B0609070205080204" pitchFamily="49" charset="-128"/>
+                <a:ea typeface="ＭＳ ゴシック" panose="020B0609070205080204" pitchFamily="49" charset="-128"/>
               </a:rPr>
               <a:t>を取得するまでに必要なこと</a:t>
             </a:r>
             <a:endParaRPr lang="en-US" sz="2000" b="0" strike="noStrike" spc="-1" dirty="0">
-              <a:latin typeface="Arial"/>
+              <a:latin typeface="ＭＳ ゴシック" panose="020B0609070205080204" pitchFamily="49" charset="-128"/>
+              <a:ea typeface="ＭＳ ゴシック" panose="020B0609070205080204" pitchFamily="49" charset="-128"/>
             </a:endParaRPr>
           </a:p>
           <a:p>
@@ -14590,8 +14774,8 @@
                 <a:solidFill>
                   <a:srgbClr val="000000"/>
                 </a:solidFill>
-                <a:latin typeface="Arial"/>
-                <a:ea typeface="Arial"/>
+                <a:latin typeface="ＭＳ ゴシック" panose="020B0609070205080204" pitchFamily="49" charset="-128"/>
+                <a:ea typeface="ＭＳ ゴシック" panose="020B0609070205080204" pitchFamily="49" charset="-128"/>
               </a:rPr>
               <a:t>ファイル操作を促進</a:t>
             </a:r>
@@ -14600,8 +14784,8 @@
                 <a:solidFill>
                   <a:srgbClr val="000000"/>
                 </a:solidFill>
-                <a:latin typeface="Arial"/>
-                <a:ea typeface="Arial"/>
+                <a:latin typeface="ＭＳ ゴシック" panose="020B0609070205080204" pitchFamily="49" charset="-128"/>
+                <a:ea typeface="ＭＳ ゴシック" panose="020B0609070205080204" pitchFamily="49" charset="-128"/>
               </a:rPr>
               <a:t/>
             </a:r>
@@ -14610,8 +14794,8 @@
                 <a:solidFill>
                   <a:srgbClr val="000000"/>
                 </a:solidFill>
-                <a:latin typeface="Arial"/>
-                <a:ea typeface="Arial"/>
+                <a:latin typeface="ＭＳ ゴシック" panose="020B0609070205080204" pitchFamily="49" charset="-128"/>
+                <a:ea typeface="ＭＳ ゴシック" panose="020B0609070205080204" pitchFamily="49" charset="-128"/>
               </a:rPr>
             </a:br>
             <a:r>
@@ -14619,13 +14803,14 @@
                 <a:solidFill>
                   <a:srgbClr val="000000"/>
                 </a:solidFill>
-                <a:latin typeface="Arial"/>
-                <a:ea typeface="Arial"/>
+                <a:latin typeface="ＭＳ ゴシック" panose="020B0609070205080204" pitchFamily="49" charset="-128"/>
+                <a:ea typeface="ＭＳ ゴシック" panose="020B0609070205080204" pitchFamily="49" charset="-128"/>
               </a:rPr>
               <a:t>一括検索を行い、結果を修正</a:t>
             </a:r>
             <a:endParaRPr lang="en-US" sz="2000" b="0" strike="noStrike" spc="-1" dirty="0">
-              <a:latin typeface="Arial"/>
+              <a:latin typeface="ＭＳ ゴシック" panose="020B0609070205080204" pitchFamily="49" charset="-128"/>
+              <a:ea typeface="ＭＳ ゴシック" panose="020B0609070205080204" pitchFamily="49" charset="-128"/>
             </a:endParaRPr>
           </a:p>
           <a:p>
@@ -14644,8 +14829,8 @@
                 <a:solidFill>
                   <a:srgbClr val="000000"/>
                 </a:solidFill>
-                <a:latin typeface="Arial"/>
-                <a:ea typeface="Arial"/>
+                <a:latin typeface="ＭＳ ゴシック" panose="020B0609070205080204" pitchFamily="49" charset="-128"/>
+                <a:ea typeface="ＭＳ ゴシック" panose="020B0609070205080204" pitchFamily="49" charset="-128"/>
               </a:rPr>
               <a:t>決定した「</a:t>
             </a:r>
@@ -14654,8 +14839,8 @@
                 <a:solidFill>
                   <a:srgbClr val="000000"/>
                 </a:solidFill>
-                <a:latin typeface="Arial"/>
-                <a:ea typeface="Arial"/>
+                <a:latin typeface="ＭＳ ゴシック" panose="020B0609070205080204" pitchFamily="49" charset="-128"/>
+                <a:ea typeface="ＭＳ ゴシック" panose="020B0609070205080204" pitchFamily="49" charset="-128"/>
               </a:rPr>
               <a:t>Clearing</a:t>
             </a:r>
@@ -14664,8 +14849,8 @@
                 <a:solidFill>
                   <a:srgbClr val="000000"/>
                 </a:solidFill>
-                <a:latin typeface="Arial"/>
-                <a:ea typeface="Arial"/>
+                <a:latin typeface="ＭＳ ゴシック" panose="020B0609070205080204" pitchFamily="49" charset="-128"/>
+                <a:ea typeface="ＭＳ ゴシック" panose="020B0609070205080204" pitchFamily="49" charset="-128"/>
               </a:rPr>
               <a:t>」</a:t>
             </a:r>
@@ -14674,8 +14859,8 @@
                 <a:solidFill>
                   <a:srgbClr val="000000"/>
                 </a:solidFill>
-                <a:latin typeface="Arial"/>
-                <a:ea typeface="Arial"/>
+                <a:latin typeface="ＭＳ ゴシック" panose="020B0609070205080204" pitchFamily="49" charset="-128"/>
+                <a:ea typeface="ＭＳ ゴシック" panose="020B0609070205080204" pitchFamily="49" charset="-128"/>
               </a:rPr>
               <a:t> </a:t>
             </a:r>
@@ -14684,8 +14869,8 @@
                 <a:solidFill>
                   <a:srgbClr val="000000"/>
                 </a:solidFill>
-                <a:latin typeface="Arial"/>
-                <a:ea typeface="Arial"/>
+                <a:latin typeface="ＭＳ ゴシック" panose="020B0609070205080204" pitchFamily="49" charset="-128"/>
+                <a:ea typeface="ＭＳ ゴシック" panose="020B0609070205080204" pitchFamily="49" charset="-128"/>
               </a:rPr>
               <a:t>を再利用</a:t>
             </a:r>
@@ -14694,8 +14879,8 @@
                 <a:solidFill>
                   <a:srgbClr val="000000"/>
                 </a:solidFill>
-                <a:latin typeface="Arial"/>
-                <a:ea typeface="Arial"/>
+                <a:latin typeface="ＭＳ ゴシック" panose="020B0609070205080204" pitchFamily="49" charset="-128"/>
+                <a:ea typeface="ＭＳ ゴシック" panose="020B0609070205080204" pitchFamily="49" charset="-128"/>
               </a:rPr>
               <a:t/>
             </a:r>
@@ -14704,8 +14889,8 @@
                 <a:solidFill>
                   <a:srgbClr val="000000"/>
                 </a:solidFill>
-                <a:latin typeface="Arial"/>
-                <a:ea typeface="Arial"/>
+                <a:latin typeface="ＭＳ ゴシック" panose="020B0609070205080204" pitchFamily="49" charset="-128"/>
+                <a:ea typeface="ＭＳ ゴシック" panose="020B0609070205080204" pitchFamily="49" charset="-128"/>
               </a:rPr>
             </a:br>
             <a:r>
@@ -14713,13 +14898,14 @@
                 <a:solidFill>
                   <a:srgbClr val="000000"/>
                 </a:solidFill>
-                <a:latin typeface="Arial"/>
-                <a:ea typeface="Arial"/>
+                <a:latin typeface="ＭＳ ゴシック" panose="020B0609070205080204" pitchFamily="49" charset="-128"/>
+                <a:ea typeface="ＭＳ ゴシック" panose="020B0609070205080204" pitchFamily="49" charset="-128"/>
               </a:rPr>
               <a:t>スキャンされた新バージョンのコンポーネントは、差分のみ処理</a:t>
             </a:r>
             <a:endParaRPr lang="en-US" sz="2000" b="0" strike="noStrike" spc="-1" dirty="0">
-              <a:latin typeface="Arial"/>
+              <a:latin typeface="ＭＳ ゴシック" panose="020B0609070205080204" pitchFamily="49" charset="-128"/>
+              <a:ea typeface="ＭＳ ゴシック" panose="020B0609070205080204" pitchFamily="49" charset="-128"/>
             </a:endParaRPr>
           </a:p>
           <a:p>
@@ -14738,24 +14924,36 @@
                 <a:solidFill>
                   <a:srgbClr val="000000"/>
                 </a:solidFill>
-                <a:latin typeface="Arial"/>
-                <a:ea typeface="Arial"/>
+                <a:latin typeface="ＭＳ ゴシック" panose="020B0609070205080204" pitchFamily="49" charset="-128"/>
+                <a:ea typeface="ＭＳ ゴシック" panose="020B0609070205080204" pitchFamily="49" charset="-128"/>
               </a:rPr>
               <a:t>ライセンスマネジメント</a:t>
             </a:r>
             <a:r>
-              <a:rPr dirty="0"/>
+              <a:rPr dirty="0">
+                <a:latin typeface="ＭＳ ゴシック" panose="020B0609070205080204" pitchFamily="49" charset="-128"/>
+                <a:ea typeface="ＭＳ ゴシック" panose="020B0609070205080204" pitchFamily="49" charset="-128"/>
+              </a:rPr>
               <a:t/>
             </a:r>
             <a:br>
-              <a:rPr dirty="0"/>
+              <a:rPr dirty="0">
+                <a:latin typeface="ＭＳ ゴシック" panose="020B0609070205080204" pitchFamily="49" charset="-128"/>
+                <a:ea typeface="ＭＳ ゴシック" panose="020B0609070205080204" pitchFamily="49" charset="-128"/>
+              </a:rPr>
             </a:br>
             <a:r>
-              <a:rPr lang="ja-JP" altLang="en-US" dirty="0" smtClean="0"/>
+              <a:rPr lang="ja-JP" altLang="en-US" dirty="0" smtClean="0">
+                <a:latin typeface="ＭＳ ゴシック" panose="020B0609070205080204" pitchFamily="49" charset="-128"/>
+                <a:ea typeface="ＭＳ ゴシック" panose="020B0609070205080204" pitchFamily="49" charset="-128"/>
+              </a:rPr>
               <a:t>ライセンスと編集場所を</a:t>
             </a:r>
             <a:r>
-              <a:rPr lang="ja-JP" altLang="en-US" dirty="0"/>
+              <a:rPr lang="ja-JP" altLang="en-US" dirty="0">
+                <a:latin typeface="ＭＳ ゴシック" panose="020B0609070205080204" pitchFamily="49" charset="-128"/>
+                <a:ea typeface="ＭＳ ゴシック" panose="020B0609070205080204" pitchFamily="49" charset="-128"/>
+              </a:rPr>
               <a:t>確認</a:t>
             </a:r>
             <a:r>
@@ -14763,8 +14961,8 @@
                 <a:solidFill>
                   <a:srgbClr val="000000"/>
                 </a:solidFill>
-                <a:latin typeface="Arial"/>
-                <a:ea typeface="Arial"/>
+                <a:latin typeface="ＭＳ ゴシック" panose="020B0609070205080204" pitchFamily="49" charset="-128"/>
+                <a:ea typeface="ＭＳ ゴシック" panose="020B0609070205080204" pitchFamily="49" charset="-128"/>
               </a:rPr>
               <a:t/>
             </a:r>
@@ -14773,8 +14971,8 @@
                 <a:solidFill>
                   <a:srgbClr val="000000"/>
                 </a:solidFill>
-                <a:latin typeface="Arial"/>
-                <a:ea typeface="Arial"/>
+                <a:latin typeface="ＭＳ ゴシック" panose="020B0609070205080204" pitchFamily="49" charset="-128"/>
+                <a:ea typeface="ＭＳ ゴシック" panose="020B0609070205080204" pitchFamily="49" charset="-128"/>
               </a:rPr>
             </a:br>
             <a:r>
@@ -14782,13 +14980,14 @@
                 <a:solidFill>
                   <a:srgbClr val="000000"/>
                 </a:solidFill>
-                <a:latin typeface="Arial"/>
-                <a:ea typeface="Arial"/>
+                <a:latin typeface="ＭＳ ゴシック" panose="020B0609070205080204" pitchFamily="49" charset="-128"/>
+                <a:ea typeface="ＭＳ ゴシック" panose="020B0609070205080204" pitchFamily="49" charset="-128"/>
               </a:rPr>
               <a:t>更にライセンスを入出力</a:t>
             </a:r>
             <a:endParaRPr lang="en-US" sz="2000" b="0" strike="noStrike" spc="-1" dirty="0" smtClean="0">
-              <a:latin typeface="Arial"/>
+              <a:latin typeface="ＭＳ ゴシック" panose="020B0609070205080204" pitchFamily="49" charset="-128"/>
+              <a:ea typeface="ＭＳ ゴシック" panose="020B0609070205080204" pitchFamily="49" charset="-128"/>
             </a:endParaRPr>
           </a:p>
           <a:p>
@@ -14807,8 +15006,8 @@
                 <a:solidFill>
                   <a:srgbClr val="000000"/>
                 </a:solidFill>
-                <a:latin typeface="Arial"/>
-                <a:ea typeface="Arial"/>
+                <a:latin typeface="ＭＳ ゴシック" panose="020B0609070205080204" pitchFamily="49" charset="-128"/>
+                <a:ea typeface="ＭＳ ゴシック" panose="020B0609070205080204" pitchFamily="49" charset="-128"/>
               </a:rPr>
               <a:t>アップロードしたものを整理</a:t>
             </a:r>
@@ -14817,8 +15016,8 @@
                 <a:solidFill>
                   <a:srgbClr val="000000"/>
                 </a:solidFill>
-                <a:latin typeface="Arial"/>
-                <a:ea typeface="Arial"/>
+                <a:latin typeface="ＭＳ ゴシック" panose="020B0609070205080204" pitchFamily="49" charset="-128"/>
+                <a:ea typeface="ＭＳ ゴシック" panose="020B0609070205080204" pitchFamily="49" charset="-128"/>
               </a:rPr>
               <a:t/>
             </a:r>
@@ -14827,8 +15026,8 @@
                 <a:solidFill>
                   <a:srgbClr val="000000"/>
                 </a:solidFill>
-                <a:latin typeface="Arial"/>
-                <a:ea typeface="Arial"/>
+                <a:latin typeface="ＭＳ ゴシック" panose="020B0609070205080204" pitchFamily="49" charset="-128"/>
+                <a:ea typeface="ＭＳ ゴシック" panose="020B0609070205080204" pitchFamily="49" charset="-128"/>
               </a:rPr>
             </a:br>
             <a:r>
@@ -14836,7 +15035,8 @@
                 <a:solidFill>
                   <a:srgbClr val="000000"/>
                 </a:solidFill>
-                <a:ea typeface="Arial"/>
+                <a:latin typeface="ＭＳ ゴシック" panose="020B0609070205080204" pitchFamily="49" charset="-128"/>
+                <a:ea typeface="ＭＳ ゴシック" panose="020B0609070205080204" pitchFamily="49" charset="-128"/>
               </a:rPr>
               <a:t>フォルダ、アップロードしたもの、アクセス権の設定開始</a:t>
             </a:r>
@@ -14845,8 +15045,8 @@
                 <a:solidFill>
                   <a:srgbClr val="000000"/>
                 </a:solidFill>
-                <a:latin typeface="Arial"/>
-                <a:ea typeface="Arial"/>
+                <a:latin typeface="ＭＳ ゴシック" panose="020B0609070205080204" pitchFamily="49" charset="-128"/>
+                <a:ea typeface="ＭＳ ゴシック" panose="020B0609070205080204" pitchFamily="49" charset="-128"/>
               </a:rPr>
               <a:t/>
             </a:r>
@@ -14855,8 +15055,8 @@
                 <a:solidFill>
                   <a:srgbClr val="000000"/>
                 </a:solidFill>
-                <a:latin typeface="Arial"/>
-                <a:ea typeface="Arial"/>
+                <a:latin typeface="ＭＳ ゴシック" panose="020B0609070205080204" pitchFamily="49" charset="-128"/>
+                <a:ea typeface="ＭＳ ゴシック" panose="020B0609070205080204" pitchFamily="49" charset="-128"/>
               </a:rPr>
             </a:br>
             <a:r>
@@ -14864,8 +15064,8 @@
                 <a:solidFill>
                   <a:srgbClr val="000000"/>
                 </a:solidFill>
-                <a:latin typeface="Arial"/>
-                <a:ea typeface="Arial"/>
+                <a:latin typeface="ＭＳ ゴシック" panose="020B0609070205080204" pitchFamily="49" charset="-128"/>
+                <a:ea typeface="ＭＳ ゴシック" panose="020B0609070205080204" pitchFamily="49" charset="-128"/>
               </a:rPr>
               <a:t>ユーザとグループ作成</a:t>
             </a:r>
@@ -14873,8 +15073,8 @@
               <a:solidFill>
                 <a:srgbClr val="000000"/>
               </a:solidFill>
-              <a:latin typeface="Arial"/>
-              <a:ea typeface="Arial"/>
+              <a:latin typeface="ＭＳ ゴシック" panose="020B0609070205080204" pitchFamily="49" charset="-128"/>
+              <a:ea typeface="ＭＳ ゴシック" panose="020B0609070205080204" pitchFamily="49" charset="-128"/>
             </a:endParaRPr>
           </a:p>
           <a:p>
@@ -15034,8 +15234,8 @@
                 <a:solidFill>
                   <a:srgbClr val="000000"/>
                 </a:solidFill>
-                <a:latin typeface="Arial"/>
-                <a:ea typeface="Arial"/>
+                <a:latin typeface="ＭＳ ゴシック" panose="020B0609070205080204" pitchFamily="49" charset="-128"/>
+                <a:ea typeface="ＭＳ ゴシック" panose="020B0609070205080204" pitchFamily="49" charset="-128"/>
               </a:rPr>
               <a:t>ご清聴ありがとうございました</a:t>
             </a:r>
@@ -15792,12 +15992,14 @@
                 <a:solidFill>
                   <a:srgbClr val="005F87"/>
                 </a:solidFill>
-                <a:latin typeface="Arial"/>
+                <a:latin typeface="ＭＳ ゴシック" panose="020B0609070205080204" pitchFamily="49" charset="-128"/>
+                <a:ea typeface="ＭＳ ゴシック" panose="020B0609070205080204" pitchFamily="49" charset="-128"/>
               </a:rPr>
               <a:t>このような例をご存知ですよね</a:t>
             </a:r>
             <a:endParaRPr lang="en-US" sz="2400" b="0" strike="noStrike" spc="-1" dirty="0">
-              <a:latin typeface="Arial"/>
+              <a:latin typeface="ＭＳ ゴシック" panose="020B0609070205080204" pitchFamily="49" charset="-128"/>
+              <a:ea typeface="ＭＳ ゴシック" panose="020B0609070205080204" pitchFamily="49" charset="-128"/>
             </a:endParaRPr>
           </a:p>
         </p:txBody>
@@ -16137,12 +16339,14 @@
                 <a:solidFill>
                   <a:srgbClr val="000000"/>
                 </a:solidFill>
-                <a:latin typeface="Arial"/>
+                <a:latin typeface="ＭＳ ゴシック" panose="020B0609070205080204" pitchFamily="49" charset="-128"/>
+                <a:ea typeface="ＭＳ ゴシック" panose="020B0609070205080204" pitchFamily="49" charset="-128"/>
               </a:rPr>
               <a:t>ライセンステキスト</a:t>
             </a:r>
             <a:endParaRPr lang="en-US" sz="1900" b="0" strike="noStrike" spc="-1" dirty="0">
-              <a:latin typeface="Arial"/>
+              <a:latin typeface="ＭＳ ゴシック" panose="020B0609070205080204" pitchFamily="49" charset="-128"/>
+              <a:ea typeface="ＭＳ ゴシック" panose="020B0609070205080204" pitchFamily="49" charset="-128"/>
             </a:endParaRPr>
           </a:p>
           <a:p>
@@ -16164,7 +16368,8 @@
                 <a:solidFill>
                   <a:srgbClr val="000000"/>
                 </a:solidFill>
-                <a:latin typeface="Arial"/>
+                <a:latin typeface="ＭＳ ゴシック" panose="020B0609070205080204" pitchFamily="49" charset="-128"/>
+                <a:ea typeface="ＭＳ ゴシック" panose="020B0609070205080204" pitchFamily="49" charset="-128"/>
               </a:rPr>
               <a:t>ライセンス参照</a:t>
             </a:r>
@@ -16172,8 +16377,8 @@
               <a:solidFill>
                 <a:srgbClr val="000000"/>
               </a:solidFill>
-              <a:latin typeface="Arial"/>
-              <a:ea typeface="Arial"/>
+              <a:latin typeface="ＭＳ ゴシック" panose="020B0609070205080204" pitchFamily="49" charset="-128"/>
+              <a:ea typeface="ＭＳ ゴシック" panose="020B0609070205080204" pitchFamily="49" charset="-128"/>
             </a:endParaRPr>
           </a:p>
           <a:p>
@@ -16195,12 +16400,14 @@
                 <a:solidFill>
                   <a:srgbClr val="000000"/>
                 </a:solidFill>
-                <a:latin typeface="Arial"/>
+                <a:latin typeface="ＭＳ ゴシック" panose="020B0609070205080204" pitchFamily="49" charset="-128"/>
+                <a:ea typeface="ＭＳ ゴシック" panose="020B0609070205080204" pitchFamily="49" charset="-128"/>
               </a:rPr>
               <a:t>ライセンスの説明が書かれたテキスト</a:t>
             </a:r>
             <a:endParaRPr lang="en-US" sz="1900" b="0" strike="noStrike" spc="-1" dirty="0">
-              <a:latin typeface="Arial"/>
+              <a:latin typeface="ＭＳ ゴシック" panose="020B0609070205080204" pitchFamily="49" charset="-128"/>
+              <a:ea typeface="ＭＳ ゴシック" panose="020B0609070205080204" pitchFamily="49" charset="-128"/>
             </a:endParaRPr>
           </a:p>
           <a:p>
@@ -16225,12 +16432,14 @@
                 <a:solidFill>
                   <a:srgbClr val="000000"/>
                 </a:solidFill>
-                <a:latin typeface="Arial"/>
+                <a:latin typeface="ＭＳ ゴシック" panose="020B0609070205080204" pitchFamily="49" charset="-128"/>
+                <a:ea typeface="ＭＳ ゴシック" panose="020B0609070205080204" pitchFamily="49" charset="-128"/>
               </a:rPr>
               <a:t>ライセンスステートメント関連</a:t>
             </a:r>
             <a:endParaRPr lang="en-US" sz="1900" b="0" strike="noStrike" spc="-1" dirty="0">
-              <a:latin typeface="Arial"/>
+              <a:latin typeface="ＭＳ ゴシック" panose="020B0609070205080204" pitchFamily="49" charset="-128"/>
+              <a:ea typeface="ＭＳ ゴシック" panose="020B0609070205080204" pitchFamily="49" charset="-128"/>
             </a:endParaRPr>
           </a:p>
         </p:txBody>
@@ -16280,12 +16489,14 @@
                 <a:solidFill>
                   <a:srgbClr val="005F87"/>
                 </a:solidFill>
-                <a:latin typeface="Arial"/>
+                <a:latin typeface="ＭＳ ゴシック" panose="020B0609070205080204" pitchFamily="49" charset="-128"/>
+                <a:ea typeface="ＭＳ ゴシック" panose="020B0609070205080204" pitchFamily="49" charset="-128"/>
               </a:rPr>
               <a:t>ライセンス検知</a:t>
             </a:r>
             <a:endParaRPr lang="en-US" sz="2400" b="0" strike="noStrike" spc="-1" dirty="0">
-              <a:latin typeface="Arial"/>
+              <a:latin typeface="ＭＳ ゴシック" panose="020B0609070205080204" pitchFamily="49" charset="-128"/>
+              <a:ea typeface="ＭＳ ゴシック" panose="020B0609070205080204" pitchFamily="49" charset="-128"/>
             </a:endParaRPr>
           </a:p>
         </p:txBody>
@@ -16481,8 +16692,8 @@
                 <a:solidFill>
                   <a:srgbClr val="000000"/>
                 </a:solidFill>
-                <a:latin typeface="Arial"/>
-                <a:ea typeface="Arial"/>
+                <a:latin typeface="ＭＳ Ｐゴシック" panose="020B0600070205080204" pitchFamily="50" charset="-128"/>
+                <a:ea typeface="ＭＳ Ｐゴシック" panose="020B0600070205080204" pitchFamily="50" charset="-128"/>
               </a:rPr>
               <a:t>例</a:t>
             </a:r>
@@ -16491,8 +16702,8 @@
                 <a:solidFill>
                   <a:srgbClr val="000000"/>
                 </a:solidFill>
-                <a:latin typeface="Arial"/>
-                <a:ea typeface="Arial"/>
+                <a:latin typeface="ＭＳ Ｐゴシック" panose="020B0600070205080204" pitchFamily="50" charset="-128"/>
+                <a:ea typeface="ＭＳ Ｐゴシック" panose="020B0600070205080204" pitchFamily="50" charset="-128"/>
               </a:rPr>
               <a:t> </a:t>
             </a:r>
@@ -16501,8 +16712,8 @@
                 <a:solidFill>
                   <a:srgbClr val="000000"/>
                 </a:solidFill>
-                <a:latin typeface="Arial"/>
-                <a:ea typeface="Arial"/>
+                <a:latin typeface="ＭＳ Ｐゴシック" panose="020B0600070205080204" pitchFamily="50" charset="-128"/>
+                <a:ea typeface="ＭＳ Ｐゴシック" panose="020B0600070205080204" pitchFamily="50" charset="-128"/>
               </a:rPr>
               <a:t>– </a:t>
             </a:r>
@@ -16511,8 +16722,8 @@
                 <a:solidFill>
                   <a:srgbClr val="000000"/>
                 </a:solidFill>
-                <a:latin typeface="Arial"/>
-                <a:ea typeface="Arial"/>
+                <a:latin typeface="ＭＳ Ｐゴシック" panose="020B0600070205080204" pitchFamily="50" charset="-128"/>
+                <a:ea typeface="ＭＳ Ｐゴシック" panose="020B0600070205080204" pitchFamily="50" charset="-128"/>
               </a:rPr>
               <a:t>何</a:t>
             </a:r>
@@ -16521,8 +16732,8 @@
                 <a:solidFill>
                   <a:srgbClr val="000000"/>
                 </a:solidFill>
-                <a:latin typeface="Arial"/>
-                <a:ea typeface="Arial"/>
+                <a:latin typeface="ＭＳ Ｐゴシック" panose="020B0600070205080204" pitchFamily="50" charset="-128"/>
+                <a:ea typeface="ＭＳ Ｐゴシック" panose="020B0600070205080204" pitchFamily="50" charset="-128"/>
               </a:rPr>
               <a:t>を見つけてくるのか</a:t>
             </a:r>
@@ -16531,13 +16742,14 @@
                 <a:solidFill>
                   <a:srgbClr val="000000"/>
                 </a:solidFill>
-                <a:latin typeface="Arial"/>
-                <a:ea typeface="Arial"/>
+                <a:latin typeface="ＭＳ Ｐゴシック" panose="020B0600070205080204" pitchFamily="50" charset="-128"/>
+                <a:ea typeface="ＭＳ Ｐゴシック" panose="020B0600070205080204" pitchFamily="50" charset="-128"/>
               </a:rPr>
               <a:t>?</a:t>
             </a:r>
             <a:endParaRPr lang="en-US" sz="3200" b="0" strike="noStrike" spc="-1" dirty="0">
-              <a:latin typeface="Arial"/>
+              <a:latin typeface="ＭＳ Ｐゴシック" panose="020B0600070205080204" pitchFamily="50" charset="-128"/>
+              <a:ea typeface="ＭＳ Ｐゴシック" panose="020B0600070205080204" pitchFamily="50" charset="-128"/>
             </a:endParaRPr>
           </a:p>
         </p:txBody>
@@ -16592,31 +16804,36 @@
             </a:pPr>
             <a:r>
               <a:rPr lang="en-US" sz="1900" b="0" strike="noStrike" spc="-1" dirty="0" smtClean="0">
-                <a:latin typeface="Arial"/>
+                <a:latin typeface="ＭＳ ゴシック" panose="020B0609070205080204" pitchFamily="49" charset="-128"/>
+                <a:ea typeface="ＭＳ ゴシック" panose="020B0609070205080204" pitchFamily="49" charset="-128"/>
               </a:rPr>
               <a:t>(Apache </a:t>
             </a:r>
             <a:r>
               <a:rPr lang="ja-JP" altLang="en-US" sz="1900" b="0" strike="noStrike" spc="-1" dirty="0" smtClean="0">
-                <a:latin typeface="Arial"/>
+                <a:latin typeface="ＭＳ ゴシック" panose="020B0609070205080204" pitchFamily="49" charset="-128"/>
+                <a:ea typeface="ＭＳ ゴシック" panose="020B0609070205080204" pitchFamily="49" charset="-128"/>
               </a:rPr>
               <a:t>プロジェクトは均質型ライセンス</a:t>
             </a:r>
             <a:r>
               <a:rPr lang="en-US" altLang="ja-JP" sz="1900" b="0" strike="noStrike" spc="-1" dirty="0" smtClean="0">
-                <a:latin typeface="Arial"/>
+                <a:latin typeface="ＭＳ ゴシック" panose="020B0609070205080204" pitchFamily="49" charset="-128"/>
+                <a:ea typeface="ＭＳ ゴシック" panose="020B0609070205080204" pitchFamily="49" charset="-128"/>
               </a:rPr>
               <a:t>*</a:t>
             </a:r>
             <a:r>
               <a:rPr lang="ja-JP" altLang="en-US" sz="1900" b="0" strike="noStrike" spc="-1" dirty="0" smtClean="0">
-                <a:latin typeface="Arial"/>
+                <a:latin typeface="ＭＳ ゴシック" panose="020B0609070205080204" pitchFamily="49" charset="-128"/>
+                <a:ea typeface="ＭＳ ゴシック" panose="020B0609070205080204" pitchFamily="49" charset="-128"/>
               </a:rPr>
               <a:t>で有名である</a:t>
             </a:r>
             <a:r>
               <a:rPr lang="en-US" sz="1900" b="0" strike="noStrike" spc="-1" dirty="0" smtClean="0">
-                <a:latin typeface="Arial"/>
+                <a:latin typeface="ＭＳ ゴシック" panose="020B0609070205080204" pitchFamily="49" charset="-128"/>
+                <a:ea typeface="ＭＳ ゴシック" panose="020B0609070205080204" pitchFamily="49" charset="-128"/>
               </a:rPr>
               <a:t>)</a:t>
             </a:r>
@@ -16640,8 +16857,8 @@
                 <a:solidFill>
                   <a:srgbClr val="000000"/>
                 </a:solidFill>
-                <a:latin typeface="Arial"/>
-                <a:ea typeface="Arial"/>
+                <a:latin typeface="ＭＳ ゴシック" panose="020B0609070205080204" pitchFamily="49" charset="-128"/>
+                <a:ea typeface="ＭＳ ゴシック" panose="020B0609070205080204" pitchFamily="49" charset="-128"/>
               </a:rPr>
               <a:t>そのようなプロジェクトは、</a:t>
             </a:r>
@@ -16650,8 +16867,8 @@
                 <a:solidFill>
                   <a:srgbClr val="000000"/>
                 </a:solidFill>
-                <a:latin typeface="Arial"/>
-                <a:ea typeface="Arial"/>
+                <a:latin typeface="ＭＳ ゴシック" panose="020B0609070205080204" pitchFamily="49" charset="-128"/>
+                <a:ea typeface="ＭＳ ゴシック" panose="020B0609070205080204" pitchFamily="49" charset="-128"/>
               </a:rPr>
               <a:t>Web</a:t>
             </a:r>
@@ -16660,8 +16877,8 @@
                 <a:solidFill>
                   <a:srgbClr val="000000"/>
                 </a:solidFill>
-                <a:latin typeface="Arial"/>
-                <a:ea typeface="Arial"/>
+                <a:latin typeface="ＭＳ ゴシック" panose="020B0609070205080204" pitchFamily="49" charset="-128"/>
+                <a:ea typeface="ＭＳ ゴシック" panose="020B0609070205080204" pitchFamily="49" charset="-128"/>
               </a:rPr>
               <a:t>上でライセンスを宣言している</a:t>
             </a:r>
@@ -16669,8 +16886,8 @@
               <a:solidFill>
                 <a:srgbClr val="000000"/>
               </a:solidFill>
-              <a:latin typeface="Arial"/>
-              <a:ea typeface="Arial"/>
+              <a:latin typeface="ＭＳ ゴシック" panose="020B0609070205080204" pitchFamily="49" charset="-128"/>
+              <a:ea typeface="ＭＳ ゴシック" panose="020B0609070205080204" pitchFamily="49" charset="-128"/>
             </a:endParaRPr>
           </a:p>
           <a:p>
@@ -16689,12 +16906,14 @@
             </a:pPr>
             <a:r>
               <a:rPr lang="ja-JP" altLang="en-US" sz="1900" b="0" strike="noStrike" spc="-1" dirty="0" smtClean="0">
-                <a:latin typeface="Arial"/>
+                <a:latin typeface="ＭＳ ゴシック" panose="020B0609070205080204" pitchFamily="49" charset="-128"/>
+                <a:ea typeface="ＭＳ ゴシック" panose="020B0609070205080204" pitchFamily="49" charset="-128"/>
               </a:rPr>
               <a:t>一方で、オープンソースは他のオープンソースの利用を示している</a:t>
             </a:r>
             <a:endParaRPr lang="en-US" sz="1900" b="0" strike="noStrike" spc="-1" dirty="0">
-              <a:latin typeface="Arial"/>
+              <a:latin typeface="ＭＳ ゴシック" panose="020B0609070205080204" pitchFamily="49" charset="-128"/>
+              <a:ea typeface="ＭＳ ゴシック" panose="020B0609070205080204" pitchFamily="49" charset="-128"/>
             </a:endParaRPr>
           </a:p>
           <a:p>
@@ -16716,8 +16935,8 @@
                 <a:solidFill>
                   <a:srgbClr val="000000"/>
                 </a:solidFill>
-                <a:latin typeface="Arial"/>
-                <a:ea typeface="Arial"/>
+                <a:latin typeface="ＭＳ ゴシック" panose="020B0609070205080204" pitchFamily="49" charset="-128"/>
+                <a:ea typeface="ＭＳ ゴシック" panose="020B0609070205080204" pitchFamily="49" charset="-128"/>
               </a:rPr>
               <a:t>このような場合、プロジェクトは、他のオープンソースプロジェクトも、一部として含むことができる。</a:t>
             </a:r>
@@ -16725,8 +16944,8 @@
               <a:solidFill>
                 <a:srgbClr val="000000"/>
               </a:solidFill>
-              <a:latin typeface="Arial"/>
-              <a:ea typeface="Arial"/>
+              <a:latin typeface="ＭＳ ゴシック" panose="020B0609070205080204" pitchFamily="49" charset="-128"/>
+              <a:ea typeface="ＭＳ ゴシック" panose="020B0609070205080204" pitchFamily="49" charset="-128"/>
             </a:endParaRPr>
           </a:p>
         </p:txBody>
@@ -17171,7 +17390,8 @@
                 <a:solidFill>
                   <a:srgbClr val="000000"/>
                 </a:solidFill>
-                <a:latin typeface="Arial"/>
+                <a:latin typeface="ＭＳ ゴシック" panose="020B0609070205080204" pitchFamily="49" charset="-128"/>
+                <a:ea typeface="ＭＳ ゴシック" panose="020B0609070205080204" pitchFamily="49" charset="-128"/>
               </a:rPr>
               <a:t>OSS</a:t>
             </a:r>
@@ -17180,7 +17400,8 @@
                 <a:solidFill>
                   <a:srgbClr val="000000"/>
                 </a:solidFill>
-                <a:latin typeface="Arial"/>
+                <a:latin typeface="ＭＳ ゴシック" panose="020B0609070205080204" pitchFamily="49" charset="-128"/>
+                <a:ea typeface="ＭＳ ゴシック" panose="020B0609070205080204" pitchFamily="49" charset="-128"/>
               </a:rPr>
               <a:t>プロジェクトが再利用可能なものを再利用するのはごく当然のこと。</a:t>
             </a:r>
@@ -17188,7 +17409,8 @@
               <a:solidFill>
                 <a:srgbClr val="000000"/>
               </a:solidFill>
-              <a:latin typeface="Arial"/>
+              <a:latin typeface="ＭＳ ゴシック" panose="020B0609070205080204" pitchFamily="49" charset="-128"/>
+              <a:ea typeface="ＭＳ ゴシック" panose="020B0609070205080204" pitchFamily="49" charset="-128"/>
             </a:endParaRPr>
           </a:p>
           <a:p>
@@ -17244,7 +17466,8 @@
               <a:solidFill>
                 <a:srgbClr val="000000"/>
               </a:solidFill>
-              <a:ea typeface="Arial"/>
+              <a:latin typeface="ＭＳ ゴシック" panose="020B0609070205080204" pitchFamily="49" charset="-128"/>
+              <a:ea typeface="ＭＳ ゴシック" panose="020B0609070205080204" pitchFamily="49" charset="-128"/>
             </a:endParaRPr>
           </a:p>
           <a:p>
@@ -17266,30 +17489,40 @@
                 <a:solidFill>
                   <a:srgbClr val="000000"/>
                 </a:solidFill>
+                <a:latin typeface="ＭＳ ゴシック" panose="020B0609070205080204" pitchFamily="49" charset="-128"/>
+                <a:ea typeface="ＭＳ ゴシック" panose="020B0609070205080204" pitchFamily="49" charset="-128"/>
+              </a:rPr>
+              <a:t>他のプロジェクトの</a:t>
+            </a:r>
+            <a:r>
+              <a:rPr lang="en-US" altLang="ja-JP" sz="1900" b="0" strike="noStrike" spc="-1" dirty="0" smtClean="0">
+                <a:solidFill>
+                  <a:srgbClr val="000000"/>
+                </a:solidFill>
+                <a:latin typeface="ＭＳ ゴシック" panose="020B0609070205080204" pitchFamily="49" charset="-128"/>
+                <a:ea typeface="ＭＳ ゴシック" panose="020B0609070205080204" pitchFamily="49" charset="-128"/>
+              </a:rPr>
+              <a:t>OSS</a:t>
+            </a:r>
+            <a:r>
+              <a:rPr lang="ja-JP" altLang="en-US" sz="1900" b="0" strike="noStrike" spc="-1" dirty="0" smtClean="0">
+                <a:solidFill>
+                  <a:srgbClr val="000000"/>
+                </a:solidFill>
+                <a:latin typeface="ＭＳ ゴシック" panose="020B0609070205080204" pitchFamily="49" charset="-128"/>
+                <a:ea typeface="ＭＳ ゴシック" panose="020B0609070205080204" pitchFamily="49" charset="-128"/>
+              </a:rPr>
+              <a:t>が検知されがち</a:t>
+            </a:r>
+            <a:r>
+              <a:rPr lang="ja-JP" altLang="en-US" sz="1900" b="0" strike="noStrike" spc="-1" dirty="0" smtClean="0">
+                <a:solidFill>
+                  <a:srgbClr val="000000"/>
+                </a:solidFill>
                 <a:latin typeface="Arial"/>
                 <a:ea typeface="Arial"/>
               </a:rPr>
-              <a:t>他のプロジェクトの</a:t>
-            </a:r>
-            <a:r>
-              <a:rPr lang="en-US" altLang="ja-JP" sz="1900" b="0" strike="noStrike" spc="-1" dirty="0" smtClean="0">
-                <a:solidFill>
-                  <a:srgbClr val="000000"/>
-                </a:solidFill>
-                <a:latin typeface="Arial"/>
-                <a:ea typeface="Arial"/>
-              </a:rPr>
-              <a:t>OSS</a:t>
-            </a:r>
-            <a:r>
-              <a:rPr lang="ja-JP" altLang="en-US" sz="1900" b="0" strike="noStrike" spc="-1" dirty="0" smtClean="0">
-                <a:solidFill>
-                  <a:srgbClr val="000000"/>
-                </a:solidFill>
-                <a:latin typeface="Arial"/>
-                <a:ea typeface="Arial"/>
-              </a:rPr>
-              <a:t>が検知されがち。</a:t>
+              <a:t>。</a:t>
             </a:r>
             <a:endParaRPr lang="en-US" altLang="ja-JP" sz="1900" b="0" strike="noStrike" spc="-1" dirty="0" smtClean="0">
               <a:solidFill>
@@ -17317,8 +17550,8 @@
               <a:solidFill>
                 <a:srgbClr val="000000"/>
               </a:solidFill>
-              <a:latin typeface="Arial"/>
-              <a:ea typeface="Arial"/>
+              <a:latin typeface="ＭＳ ゴシック" panose="020B0609070205080204" pitchFamily="49" charset="-128"/>
+              <a:ea typeface="ＭＳ ゴシック" panose="020B0609070205080204" pitchFamily="49" charset="-128"/>
             </a:endParaRPr>
           </a:p>
           <a:p>
@@ -17337,63 +17570,79 @@
             </a:pPr>
             <a:r>
               <a:rPr lang="ja-JP" altLang="en-US" sz="1900" b="0" strike="noStrike" spc="-1" dirty="0" smtClean="0">
-                <a:latin typeface="Arial"/>
+                <a:latin typeface="ＭＳ ゴシック" panose="020B0609070205080204" pitchFamily="49" charset="-128"/>
+                <a:ea typeface="ＭＳ ゴシック" panose="020B0609070205080204" pitchFamily="49" charset="-128"/>
               </a:rPr>
               <a:t>例では、</a:t>
             </a:r>
             <a:r>
               <a:rPr lang="en-US" altLang="ja-JP" sz="1900" b="0" strike="noStrike" spc="-1" dirty="0" smtClean="0">
-                <a:latin typeface="Arial"/>
+                <a:latin typeface="ＭＳ ゴシック" panose="020B0609070205080204" pitchFamily="49" charset="-128"/>
+                <a:ea typeface="ＭＳ ゴシック" panose="020B0609070205080204" pitchFamily="49" charset="-128"/>
               </a:rPr>
               <a:t>Fossology</a:t>
+            </a:r>
+            <a:r>
+              <a:rPr lang="ja-JP" altLang="en-US" sz="1900" b="0" strike="noStrike" spc="-1" dirty="0" smtClean="0">
+                <a:latin typeface="ＭＳ ゴシック" panose="020B0609070205080204" pitchFamily="49" charset="-128"/>
+                <a:ea typeface="ＭＳ ゴシック" panose="020B0609070205080204" pitchFamily="49" charset="-128"/>
+              </a:rPr>
+              <a:t>が</a:t>
+            </a:r>
+            <a:r>
+              <a:rPr lang="en-US" altLang="ja-JP" sz="1900" b="0" strike="noStrike" spc="-1" dirty="0" smtClean="0">
+                <a:latin typeface="ＭＳ ゴシック" panose="020B0609070205080204" pitchFamily="49" charset="-128"/>
+                <a:ea typeface="ＭＳ ゴシック" panose="020B0609070205080204" pitchFamily="49" charset="-128"/>
+              </a:rPr>
+              <a:t>Apache thrift</a:t>
+            </a:r>
+            <a:r>
+              <a:rPr lang="ja-JP" altLang="en-US" sz="1900" spc="-1" dirty="0">
+                <a:latin typeface="ＭＳ ゴシック" panose="020B0609070205080204" pitchFamily="49" charset="-128"/>
+                <a:ea typeface="ＭＳ ゴシック" panose="020B0609070205080204" pitchFamily="49" charset="-128"/>
+              </a:rPr>
+              <a:t> </a:t>
+            </a:r>
+            <a:r>
+              <a:rPr lang="ja-JP" altLang="en-US" sz="1900" b="0" strike="noStrike" spc="-1" dirty="0" smtClean="0">
+                <a:latin typeface="ＭＳ ゴシック" panose="020B0609070205080204" pitchFamily="49" charset="-128"/>
+                <a:ea typeface="ＭＳ ゴシック" panose="020B0609070205080204" pitchFamily="49" charset="-128"/>
+              </a:rPr>
+              <a:t>の中に</a:t>
+            </a:r>
+            <a:r>
+              <a:rPr lang="en-US" altLang="ja-JP" sz="1900" b="0" strike="noStrike" spc="-1" dirty="0" smtClean="0">
+                <a:latin typeface="ＭＳ ゴシック" panose="020B0609070205080204" pitchFamily="49" charset="-128"/>
+                <a:ea typeface="ＭＳ ゴシック" panose="020B0609070205080204" pitchFamily="49" charset="-128"/>
+              </a:rPr>
+              <a:t>25</a:t>
+            </a:r>
+            <a:r>
+              <a:rPr lang="ja-JP" altLang="en-US" sz="1900" b="0" strike="noStrike" spc="-1" dirty="0" smtClean="0">
+                <a:latin typeface="ＭＳ ゴシック" panose="020B0609070205080204" pitchFamily="49" charset="-128"/>
+                <a:ea typeface="ＭＳ ゴシック" panose="020B0609070205080204" pitchFamily="49" charset="-128"/>
+              </a:rPr>
+              <a:t>種の他</a:t>
+            </a:r>
+            <a:r>
+              <a:rPr lang="ja-JP" altLang="en-US" sz="1900" spc="-1" dirty="0">
+                <a:latin typeface="ＭＳ ゴシック" panose="020B0609070205080204" pitchFamily="49" charset="-128"/>
+                <a:ea typeface="ＭＳ ゴシック" panose="020B0609070205080204" pitchFamily="49" charset="-128"/>
+              </a:rPr>
+              <a:t>の</a:t>
+            </a:r>
+            <a:r>
+              <a:rPr lang="ja-JP" altLang="en-US" sz="1900" b="0" strike="noStrike" spc="-1" dirty="0" smtClean="0">
+                <a:latin typeface="ＭＳ ゴシック" panose="020B0609070205080204" pitchFamily="49" charset="-128"/>
+                <a:ea typeface="ＭＳ ゴシック" panose="020B0609070205080204" pitchFamily="49" charset="-128"/>
+              </a:rPr>
+              <a:t>関連ライセンスの存在を検知している</a:t>
             </a:r>
             <a:r>
               <a:rPr lang="ja-JP" altLang="en-US" sz="1900" b="0" strike="noStrike" spc="-1" dirty="0" smtClean="0">
                 <a:latin typeface="Arial"/>
               </a:rPr>
-              <a:t>が</a:t>
-            </a:r>
-            <a:r>
-              <a:rPr lang="en-US" altLang="ja-JP" sz="1900" b="0" strike="noStrike" spc="-1" dirty="0" smtClean="0">
-                <a:latin typeface="Arial"/>
-              </a:rPr>
-              <a:t>Apache thrift</a:t>
-            </a:r>
-            <a:r>
-              <a:rPr lang="ja-JP" altLang="en-US" sz="1900" spc="-1" dirty="0">
-                <a:latin typeface="Arial"/>
-              </a:rPr>
-              <a:t> </a:t>
-            </a:r>
-            <a:r>
-              <a:rPr lang="ja-JP" altLang="en-US" sz="1900" b="0" strike="noStrike" spc="-1" dirty="0" smtClean="0">
-                <a:latin typeface="Arial"/>
-              </a:rPr>
-              <a:t>の中に</a:t>
-            </a:r>
-            <a:r>
-              <a:rPr lang="en-US" altLang="ja-JP" sz="1900" b="0" strike="noStrike" spc="-1" dirty="0" smtClean="0">
-                <a:latin typeface="Arial"/>
-              </a:rPr>
-              <a:t>25</a:t>
-            </a:r>
-            <a:r>
-              <a:rPr lang="ja-JP" altLang="en-US" sz="1900" b="0" strike="noStrike" spc="-1" dirty="0" smtClean="0">
-                <a:latin typeface="Arial"/>
-              </a:rPr>
-              <a:t>種の他</a:t>
-            </a:r>
-            <a:r>
-              <a:rPr lang="ja-JP" altLang="en-US" sz="1900" spc="-1" dirty="0">
-                <a:latin typeface="Arial"/>
-              </a:rPr>
-              <a:t>の</a:t>
-            </a:r>
-            <a:r>
-              <a:rPr lang="ja-JP" altLang="en-US" sz="1900" b="0" strike="noStrike" spc="-1" dirty="0" smtClean="0">
-                <a:latin typeface="Arial"/>
-              </a:rPr>
-              <a:t>関連ライセンスの存在を検知している。</a:t>
+              <a:t>。</a:t>
             </a:r>
             <a:endParaRPr lang="en-US" sz="1900" b="0" strike="noStrike" spc="-1" dirty="0">
               <a:latin typeface="Arial"/>
@@ -17655,8 +17904,8 @@
                 <a:solidFill>
                   <a:srgbClr val="000000"/>
                 </a:solidFill>
-                <a:latin typeface="Arial"/>
-                <a:ea typeface="Arial"/>
+                <a:latin typeface="ＭＳ Ｐゴシック" panose="020B0600070205080204" pitchFamily="50" charset="-128"/>
+                <a:ea typeface="ＭＳ Ｐゴシック" panose="020B0600070205080204" pitchFamily="50" charset="-128"/>
               </a:rPr>
               <a:t>FOSSology </a:t>
             </a:r>
@@ -17665,8 +17914,8 @@
                 <a:solidFill>
                   <a:srgbClr val="000000"/>
                 </a:solidFill>
-                <a:latin typeface="Arial"/>
-                <a:ea typeface="Arial"/>
+                <a:latin typeface="ＭＳ Ｐゴシック" panose="020B0600070205080204" pitchFamily="50" charset="-128"/>
+                <a:ea typeface="ＭＳ Ｐゴシック" panose="020B0600070205080204" pitchFamily="50" charset="-128"/>
               </a:rPr>
               <a:t>使用</a:t>
             </a:r>
@@ -17675,13 +17924,14 @@
                 <a:solidFill>
                   <a:srgbClr val="000000"/>
                 </a:solidFill>
-                <a:latin typeface="Arial"/>
-                <a:ea typeface="Arial"/>
+                <a:latin typeface="ＭＳ Ｐゴシック" panose="020B0600070205080204" pitchFamily="50" charset="-128"/>
+                <a:ea typeface="ＭＳ Ｐゴシック" panose="020B0600070205080204" pitchFamily="50" charset="-128"/>
               </a:rPr>
               <a:t>例</a:t>
             </a:r>
             <a:endParaRPr lang="en-US" sz="3200" b="0" strike="noStrike" spc="-1" dirty="0">
-              <a:latin typeface="Arial"/>
+              <a:latin typeface="ＭＳ Ｐゴシック" panose="020B0600070205080204" pitchFamily="50" charset="-128"/>
+              <a:ea typeface="ＭＳ Ｐゴシック" panose="020B0600070205080204" pitchFamily="50" charset="-128"/>
             </a:endParaRPr>
           </a:p>
         </p:txBody>
@@ -17736,7 +17986,8 @@
                 <a:solidFill>
                   <a:srgbClr val="000000"/>
                 </a:solidFill>
-                <a:latin typeface="Arial"/>
+                <a:latin typeface="ＭＳ ゴシック" panose="020B0609070205080204" pitchFamily="49" charset="-128"/>
+                <a:ea typeface="ＭＳ ゴシック" panose="020B0609070205080204" pitchFamily="49" charset="-128"/>
               </a:rPr>
               <a:t>Linux</a:t>
             </a:r>
@@ -17745,12 +17996,14 @@
                 <a:solidFill>
                   <a:srgbClr val="000000"/>
                 </a:solidFill>
-                <a:latin typeface="Arial"/>
+                <a:latin typeface="ＭＳ ゴシック" panose="020B0609070205080204" pitchFamily="49" charset="-128"/>
+                <a:ea typeface="ＭＳ ゴシック" panose="020B0609070205080204" pitchFamily="49" charset="-128"/>
               </a:rPr>
               <a:t>カーネルの結果を確認すると、数千件のファイルにライセンス関連情報が含まれていることがわかる</a:t>
             </a:r>
             <a:endParaRPr lang="en-US" sz="1900" b="0" strike="noStrike" spc="-1" dirty="0">
-              <a:latin typeface="Arial"/>
+              <a:latin typeface="ＭＳ ゴシック" panose="020B0609070205080204" pitchFamily="49" charset="-128"/>
+              <a:ea typeface="ＭＳ ゴシック" panose="020B0609070205080204" pitchFamily="49" charset="-128"/>
             </a:endParaRPr>
           </a:p>
           <a:p>
@@ -17775,7 +18028,8 @@
                 <a:solidFill>
                   <a:srgbClr val="000000"/>
                 </a:solidFill>
-                <a:latin typeface="Arial"/>
+                <a:latin typeface="ＭＳ ゴシック" panose="020B0609070205080204" pitchFamily="49" charset="-128"/>
+                <a:ea typeface="ＭＳ ゴシック" panose="020B0609070205080204" pitchFamily="49" charset="-128"/>
               </a:rPr>
               <a:t>分析を行うことで、</a:t>
             </a:r>
@@ -17784,7 +18038,8 @@
                 <a:solidFill>
                   <a:srgbClr val="000000"/>
                 </a:solidFill>
-                <a:latin typeface="Arial"/>
+                <a:latin typeface="ＭＳ ゴシック" panose="020B0609070205080204" pitchFamily="49" charset="-128"/>
+                <a:ea typeface="ＭＳ ゴシック" panose="020B0609070205080204" pitchFamily="49" charset="-128"/>
               </a:rPr>
               <a:t>30</a:t>
             </a:r>
@@ -17793,7 +18048,8 @@
                 <a:solidFill>
                   <a:srgbClr val="000000"/>
                 </a:solidFill>
-                <a:latin typeface="Arial"/>
+                <a:latin typeface="ＭＳ ゴシック" panose="020B0609070205080204" pitchFamily="49" charset="-128"/>
+                <a:ea typeface="ＭＳ ゴシック" panose="020B0609070205080204" pitchFamily="49" charset="-128"/>
               </a:rPr>
               <a:t>種</a:t>
             </a:r>
@@ -17802,7 +18058,8 @@
                 <a:solidFill>
                   <a:srgbClr val="000000"/>
                 </a:solidFill>
-                <a:latin typeface="Arial"/>
+                <a:latin typeface="ＭＳ ゴシック" panose="020B0609070205080204" pitchFamily="49" charset="-128"/>
+                <a:ea typeface="ＭＳ ゴシック" panose="020B0609070205080204" pitchFamily="49" charset="-128"/>
               </a:rPr>
               <a:t>の異なるライセンス</a:t>
             </a:r>
@@ -17811,7 +18068,8 @@
                 <a:solidFill>
                   <a:srgbClr val="000000"/>
                 </a:solidFill>
-                <a:latin typeface="Arial"/>
+                <a:latin typeface="ＭＳ ゴシック" panose="020B0609070205080204" pitchFamily="49" charset="-128"/>
+                <a:ea typeface="ＭＳ ゴシック" panose="020B0609070205080204" pitchFamily="49" charset="-128"/>
               </a:rPr>
               <a:t>ステートメント</a:t>
             </a:r>
@@ -17820,7 +18078,8 @@
                 <a:solidFill>
                   <a:srgbClr val="000000"/>
                 </a:solidFill>
-                <a:latin typeface="Arial"/>
+                <a:latin typeface="ＭＳ ゴシック" panose="020B0609070205080204" pitchFamily="49" charset="-128"/>
+                <a:ea typeface="ＭＳ ゴシック" panose="020B0609070205080204" pitchFamily="49" charset="-128"/>
               </a:rPr>
               <a:t>がでてくる</a:t>
             </a:r>
@@ -17828,7 +18087,8 @@
               <a:solidFill>
                 <a:srgbClr val="000000"/>
               </a:solidFill>
-              <a:latin typeface="Arial"/>
+              <a:latin typeface="ＭＳ ゴシック" panose="020B0609070205080204" pitchFamily="49" charset="-128"/>
+              <a:ea typeface="ＭＳ ゴシック" panose="020B0609070205080204" pitchFamily="49" charset="-128"/>
             </a:endParaRPr>
           </a:p>
           <a:p>
@@ -18114,8 +18374,8 @@
                 <a:solidFill>
                   <a:srgbClr val="000000"/>
                 </a:solidFill>
-                <a:latin typeface="Arial"/>
-                <a:ea typeface="Arial"/>
+                <a:latin typeface="ＭＳ Ｐゴシック" panose="020B0600070205080204" pitchFamily="50" charset="-128"/>
+                <a:ea typeface="ＭＳ Ｐゴシック" panose="020B0600070205080204" pitchFamily="50" charset="-128"/>
               </a:rPr>
               <a:t>FOSSology</a:t>
             </a:r>
@@ -18124,8 +18384,8 @@
                 <a:solidFill>
                   <a:srgbClr val="000000"/>
                 </a:solidFill>
-                <a:latin typeface="Arial"/>
-                <a:ea typeface="Arial"/>
+                <a:latin typeface="ＭＳ Ｐゴシック" panose="020B0600070205080204" pitchFamily="50" charset="-128"/>
+                <a:ea typeface="ＭＳ Ｐゴシック" panose="020B0600070205080204" pitchFamily="50" charset="-128"/>
               </a:rPr>
               <a:t>とは何か</a:t>
             </a:r>
@@ -18134,13 +18394,14 @@
                 <a:solidFill>
                   <a:srgbClr val="000000"/>
                 </a:solidFill>
-                <a:latin typeface="Arial"/>
-                <a:ea typeface="Arial"/>
+                <a:latin typeface="ＭＳ Ｐゴシック" panose="020B0600070205080204" pitchFamily="50" charset="-128"/>
+                <a:ea typeface="ＭＳ Ｐゴシック" panose="020B0600070205080204" pitchFamily="50" charset="-128"/>
               </a:rPr>
               <a:t>?</a:t>
             </a:r>
             <a:endParaRPr lang="en-US" sz="3200" b="0" strike="noStrike" spc="-1" dirty="0">
-              <a:latin typeface="Arial"/>
+              <a:latin typeface="ＭＳ Ｐゴシック" panose="020B0600070205080204" pitchFamily="50" charset="-128"/>
+              <a:ea typeface="ＭＳ Ｐゴシック" panose="020B0600070205080204" pitchFamily="50" charset="-128"/>
             </a:endParaRPr>
           </a:p>
         </p:txBody>
@@ -18190,8 +18451,8 @@
                 <a:solidFill>
                   <a:srgbClr val="000000"/>
                 </a:solidFill>
-                <a:latin typeface="Arial"/>
-                <a:ea typeface="Arial"/>
+                <a:latin typeface="ＭＳ Ｐゴシック" panose="020B0600070205080204" pitchFamily="50" charset="-128"/>
+                <a:ea typeface="ＭＳ Ｐゴシック" panose="020B0600070205080204" pitchFamily="50" charset="-128"/>
               </a:rPr>
               <a:t>ソフトウェアコンポーネント</a:t>
             </a:r>
@@ -18200,8 +18461,8 @@
                 <a:solidFill>
                   <a:srgbClr val="000000"/>
                 </a:solidFill>
-                <a:latin typeface="Arial"/>
-                <a:ea typeface="Arial"/>
+                <a:latin typeface="ＭＳ Ｐゴシック" panose="020B0600070205080204" pitchFamily="50" charset="-128"/>
+                <a:ea typeface="ＭＳ Ｐゴシック" panose="020B0600070205080204" pitchFamily="50" charset="-128"/>
               </a:rPr>
               <a:t>の</a:t>
             </a:r>
@@ -18210,8 +18471,8 @@
                 <a:solidFill>
                   <a:srgbClr val="000000"/>
                 </a:solidFill>
-                <a:latin typeface="Arial"/>
-                <a:ea typeface="Arial"/>
+                <a:latin typeface="ＭＳ Ｐゴシック" panose="020B0600070205080204" pitchFamily="50" charset="-128"/>
+                <a:ea typeface="ＭＳ Ｐゴシック" panose="020B0600070205080204" pitchFamily="50" charset="-128"/>
               </a:rPr>
               <a:t>ライセンスとコピーライトを追従する</a:t>
             </a:r>
@@ -18220,8 +18481,8 @@
                 <a:solidFill>
                   <a:srgbClr val="000000"/>
                 </a:solidFill>
-                <a:latin typeface="Arial"/>
-                <a:ea typeface="Arial"/>
+                <a:latin typeface="ＭＳ Ｐゴシック" panose="020B0600070205080204" pitchFamily="50" charset="-128"/>
+                <a:ea typeface="ＭＳ Ｐゴシック" panose="020B0600070205080204" pitchFamily="50" charset="-128"/>
               </a:rPr>
               <a:t/>
             </a:r>
@@ -18230,8 +18491,8 @@
                 <a:solidFill>
                   <a:srgbClr val="000000"/>
                 </a:solidFill>
-                <a:latin typeface="Arial"/>
-                <a:ea typeface="Arial"/>
+                <a:latin typeface="ＭＳ Ｐゴシック" panose="020B0600070205080204" pitchFamily="50" charset="-128"/>
+                <a:ea typeface="ＭＳ Ｐゴシック" panose="020B0600070205080204" pitchFamily="50" charset="-128"/>
               </a:rPr>
             </a:br>
             <a:r>
@@ -18239,8 +18500,8 @@
                 <a:solidFill>
                   <a:srgbClr val="000000"/>
                 </a:solidFill>
-                <a:latin typeface="Arial"/>
-                <a:ea typeface="Arial"/>
+                <a:latin typeface="ＭＳ Ｐゴシック" panose="020B0600070205080204" pitchFamily="50" charset="-128"/>
+                <a:ea typeface="ＭＳ Ｐゴシック" panose="020B0600070205080204" pitchFamily="50" charset="-128"/>
               </a:rPr>
               <a:t>ウェブサーバーアプリケーション</a:t>
             </a:r>
@@ -18248,8 +18509,8 @@
               <a:solidFill>
                 <a:srgbClr val="000000"/>
               </a:solidFill>
-              <a:latin typeface="Arial"/>
-              <a:ea typeface="Arial"/>
+              <a:latin typeface="ＭＳ Ｐゴシック" panose="020B0600070205080204" pitchFamily="50" charset="-128"/>
+              <a:ea typeface="ＭＳ Ｐゴシック" panose="020B0600070205080204" pitchFamily="50" charset="-128"/>
             </a:endParaRPr>
           </a:p>
           <a:p>
@@ -18408,8 +18669,8 @@
                 <a:solidFill>
                   <a:srgbClr val="000000"/>
                 </a:solidFill>
-                <a:latin typeface="Arial"/>
-                <a:ea typeface="Arial"/>
+                <a:latin typeface="ＭＳ ゴシック" panose="020B0609070205080204" pitchFamily="49" charset="-128"/>
+                <a:ea typeface="ＭＳ ゴシック" panose="020B0609070205080204" pitchFamily="49" charset="-128"/>
               </a:rPr>
               <a:t>2008</a:t>
             </a:r>
@@ -18418,8 +18679,8 @@
                 <a:solidFill>
                   <a:srgbClr val="000000"/>
                 </a:solidFill>
-                <a:latin typeface="Arial"/>
-                <a:ea typeface="Arial"/>
+                <a:latin typeface="ＭＳ ゴシック" panose="020B0609070205080204" pitchFamily="49" charset="-128"/>
+                <a:ea typeface="ＭＳ ゴシック" panose="020B0609070205080204" pitchFamily="49" charset="-128"/>
               </a:rPr>
               <a:t>年</a:t>
             </a:r>
@@ -18428,8 +18689,8 @@
                 <a:solidFill>
                   <a:srgbClr val="000000"/>
                 </a:solidFill>
-                <a:latin typeface="Arial"/>
-                <a:ea typeface="Arial"/>
+                <a:latin typeface="ＭＳ ゴシック" panose="020B0609070205080204" pitchFamily="49" charset="-128"/>
+                <a:ea typeface="ＭＳ ゴシック" panose="020B0609070205080204" pitchFamily="49" charset="-128"/>
               </a:rPr>
               <a:t>:</a:t>
             </a:r>
@@ -18438,8 +18699,8 @@
                 <a:solidFill>
                   <a:srgbClr val="000000"/>
                 </a:solidFill>
-                <a:latin typeface="Arial"/>
-                <a:ea typeface="Arial"/>
+                <a:latin typeface="ＭＳ ゴシック" panose="020B0609070205080204" pitchFamily="49" charset="-128"/>
+                <a:ea typeface="ＭＳ ゴシック" panose="020B0609070205080204" pitchFamily="49" charset="-128"/>
               </a:rPr>
               <a:t> GPL-2.0</a:t>
             </a:r>
@@ -18448,13 +18709,14 @@
                 <a:solidFill>
                   <a:srgbClr val="000000"/>
                 </a:solidFill>
-                <a:latin typeface="Arial"/>
-                <a:ea typeface="Arial"/>
+                <a:latin typeface="ＭＳ ゴシック" panose="020B0609070205080204" pitchFamily="49" charset="-128"/>
+                <a:ea typeface="ＭＳ ゴシック" panose="020B0609070205080204" pitchFamily="49" charset="-128"/>
               </a:rPr>
               <a:t>で公開</a:t>
             </a:r>
             <a:endParaRPr lang="en-US" sz="1900" b="0" strike="noStrike" spc="-1" dirty="0">
-              <a:latin typeface="Arial"/>
+              <a:latin typeface="ＭＳ ゴシック" panose="020B0609070205080204" pitchFamily="49" charset="-128"/>
+              <a:ea typeface="ＭＳ ゴシック" panose="020B0609070205080204" pitchFamily="49" charset="-128"/>
             </a:endParaRPr>
           </a:p>
           <a:p>
@@ -18476,8 +18738,8 @@
                 <a:solidFill>
                   <a:srgbClr val="000000"/>
                 </a:solidFill>
-                <a:latin typeface="Arial"/>
-                <a:ea typeface="Arial"/>
+                <a:latin typeface="ＭＳ ゴシック" panose="020B0609070205080204" pitchFamily="49" charset="-128"/>
+                <a:ea typeface="ＭＳ ゴシック" panose="020B0609070205080204" pitchFamily="49" charset="-128"/>
               </a:rPr>
               <a:t>2015</a:t>
             </a:r>
@@ -18486,8 +18748,8 @@
                 <a:solidFill>
                   <a:srgbClr val="000000"/>
                 </a:solidFill>
-                <a:latin typeface="Arial"/>
-                <a:ea typeface="Arial"/>
+                <a:latin typeface="ＭＳ ゴシック" panose="020B0609070205080204" pitchFamily="49" charset="-128"/>
+                <a:ea typeface="ＭＳ ゴシック" panose="020B0609070205080204" pitchFamily="49" charset="-128"/>
               </a:rPr>
               <a:t>年</a:t>
             </a:r>
@@ -18496,8 +18758,8 @@
                 <a:solidFill>
                   <a:srgbClr val="000000"/>
                 </a:solidFill>
-                <a:latin typeface="Arial"/>
-                <a:ea typeface="Arial"/>
+                <a:latin typeface="ＭＳ ゴシック" panose="020B0609070205080204" pitchFamily="49" charset="-128"/>
+                <a:ea typeface="ＭＳ ゴシック" panose="020B0609070205080204" pitchFamily="49" charset="-128"/>
               </a:rPr>
               <a:t>:</a:t>
             </a:r>
@@ -18506,8 +18768,8 @@
                 <a:solidFill>
                   <a:srgbClr val="000000"/>
                 </a:solidFill>
-                <a:latin typeface="Arial"/>
-                <a:ea typeface="Arial"/>
+                <a:latin typeface="ＭＳ ゴシック" panose="020B0609070205080204" pitchFamily="49" charset="-128"/>
+                <a:ea typeface="ＭＳ ゴシック" panose="020B0609070205080204" pitchFamily="49" charset="-128"/>
               </a:rPr>
               <a:t> </a:t>
             </a:r>
@@ -18516,8 +18778,8 @@
                 <a:solidFill>
                   <a:srgbClr val="000000"/>
                 </a:solidFill>
-                <a:latin typeface="Arial"/>
-                <a:ea typeface="Arial"/>
+                <a:latin typeface="ＭＳ ゴシック" panose="020B0609070205080204" pitchFamily="49" charset="-128"/>
+                <a:ea typeface="ＭＳ ゴシック" panose="020B0609070205080204" pitchFamily="49" charset="-128"/>
               </a:rPr>
               <a:t>Linux </a:t>
             </a:r>
@@ -18526,8 +18788,8 @@
                 <a:solidFill>
                   <a:srgbClr val="000000"/>
                 </a:solidFill>
-                <a:latin typeface="Arial"/>
-                <a:ea typeface="Arial"/>
+                <a:latin typeface="ＭＳ ゴシック" panose="020B0609070205080204" pitchFamily="49" charset="-128"/>
+                <a:ea typeface="ＭＳ ゴシック" panose="020B0609070205080204" pitchFamily="49" charset="-128"/>
               </a:rPr>
               <a:t>Foundation</a:t>
             </a:r>
@@ -18536,8 +18798,8 @@
                 <a:solidFill>
                   <a:srgbClr val="000000"/>
                 </a:solidFill>
-                <a:latin typeface="Arial"/>
-                <a:ea typeface="Arial"/>
+                <a:latin typeface="ＭＳ ゴシック" panose="020B0609070205080204" pitchFamily="49" charset="-128"/>
+                <a:ea typeface="ＭＳ ゴシック" panose="020B0609070205080204" pitchFamily="49" charset="-128"/>
               </a:rPr>
               <a:t> </a:t>
             </a:r>
@@ -18546,8 +18808,8 @@
                 <a:solidFill>
                   <a:srgbClr val="000000"/>
                 </a:solidFill>
-                <a:latin typeface="Arial"/>
-                <a:ea typeface="Arial"/>
+                <a:latin typeface="ＭＳ ゴシック" panose="020B0609070205080204" pitchFamily="49" charset="-128"/>
+                <a:ea typeface="ＭＳ ゴシック" panose="020B0609070205080204" pitchFamily="49" charset="-128"/>
               </a:rPr>
               <a:t>のコラボレーションプロジェクトとなる</a:t>
             </a:r>
@@ -18556,8 +18818,8 @@
                 <a:solidFill>
                   <a:srgbClr val="000000"/>
                 </a:solidFill>
-                <a:latin typeface="Arial"/>
-                <a:ea typeface="Arial"/>
+                <a:latin typeface="ＭＳ ゴシック" panose="020B0609070205080204" pitchFamily="49" charset="-128"/>
+                <a:ea typeface="ＭＳ ゴシック" panose="020B0609070205080204" pitchFamily="49" charset="-128"/>
               </a:rPr>
               <a:t> </a:t>
             </a:r>
@@ -18581,12 +18843,14 @@
                 <a:solidFill>
                   <a:srgbClr val="000000"/>
                 </a:solidFill>
-                <a:latin typeface="Arial"/>
+                <a:latin typeface="ＭＳ ゴシック" panose="020B0609070205080204" pitchFamily="49" charset="-128"/>
+                <a:ea typeface="ＭＳ ゴシック" panose="020B0609070205080204" pitchFamily="49" charset="-128"/>
               </a:rPr>
               <a:t>ウェブサーバによるコマンドラインインターフェイス実装</a:t>
             </a:r>
             <a:endParaRPr lang="en-US" sz="1900" b="0" strike="noStrike" spc="-1" dirty="0">
-              <a:latin typeface="Arial"/>
+              <a:latin typeface="ＭＳ ゴシック" panose="020B0609070205080204" pitchFamily="49" charset="-128"/>
+              <a:ea typeface="ＭＳ ゴシック" panose="020B0609070205080204" pitchFamily="49" charset="-128"/>
             </a:endParaRPr>
           </a:p>
           <a:p>
@@ -18611,8 +18875,8 @@
                 <a:solidFill>
                   <a:srgbClr val="000000"/>
                 </a:solidFill>
-                <a:latin typeface="Arial"/>
-                <a:ea typeface="Arial"/>
+                <a:latin typeface="ＭＳ ゴシック" panose="020B0609070205080204" pitchFamily="49" charset="-128"/>
+                <a:ea typeface="ＭＳ ゴシック" panose="020B0609070205080204" pitchFamily="49" charset="-128"/>
               </a:rPr>
               <a:t>ライセンスやコピーライトを検索するスキャニング機能などを搭載</a:t>
             </a:r>
@@ -18620,8 +18884,8 @@
               <a:solidFill>
                 <a:srgbClr val="000000"/>
               </a:solidFill>
-              <a:latin typeface="Arial"/>
-              <a:ea typeface="Arial"/>
+              <a:latin typeface="ＭＳ ゴシック" panose="020B0609070205080204" pitchFamily="49" charset="-128"/>
+              <a:ea typeface="ＭＳ ゴシック" panose="020B0609070205080204" pitchFamily="49" charset="-128"/>
             </a:endParaRPr>
           </a:p>
           <a:p>
@@ -18646,7 +18910,8 @@
                 <a:solidFill>
                   <a:srgbClr val="000000"/>
                 </a:solidFill>
-                <a:latin typeface="Arial"/>
+                <a:latin typeface="ＭＳ ゴシック" panose="020B0609070205080204" pitchFamily="49" charset="-128"/>
+                <a:ea typeface="ＭＳ ゴシック" panose="020B0609070205080204" pitchFamily="49" charset="-128"/>
               </a:rPr>
               <a:t>組織で分析タスクを行うためのマルチユーザ</a:t>
             </a:r>
@@ -18655,7 +18920,8 @@
                 <a:solidFill>
                   <a:srgbClr val="000000"/>
                 </a:solidFill>
-                <a:latin typeface="Arial"/>
+                <a:latin typeface="ＭＳ ゴシック" panose="020B0609070205080204" pitchFamily="49" charset="-128"/>
+                <a:ea typeface="ＭＳ ゴシック" panose="020B0609070205080204" pitchFamily="49" charset="-128"/>
               </a:rPr>
               <a:t>/</a:t>
             </a:r>
@@ -18664,7 +18930,8 @@
                 <a:solidFill>
                   <a:srgbClr val="000000"/>
                 </a:solidFill>
-                <a:latin typeface="Arial"/>
+                <a:latin typeface="ＭＳ ゴシック" panose="020B0609070205080204" pitchFamily="49" charset="-128"/>
+                <a:ea typeface="ＭＳ ゴシック" panose="020B0609070205080204" pitchFamily="49" charset="-128"/>
               </a:rPr>
               <a:t>マルチテナント対応の</a:t>
             </a:r>
@@ -18673,7 +18940,8 @@
                 <a:solidFill>
                   <a:srgbClr val="000000"/>
                 </a:solidFill>
-                <a:latin typeface="Arial"/>
+                <a:latin typeface="ＭＳ ゴシック" panose="020B0609070205080204" pitchFamily="49" charset="-128"/>
+                <a:ea typeface="ＭＳ ゴシック" panose="020B0609070205080204" pitchFamily="49" charset="-128"/>
               </a:rPr>
               <a:t>Web</a:t>
             </a:r>
@@ -18682,7 +18950,8 @@
                 <a:solidFill>
                   <a:srgbClr val="000000"/>
                 </a:solidFill>
-                <a:latin typeface="Arial"/>
+                <a:latin typeface="ＭＳ ゴシック" panose="020B0609070205080204" pitchFamily="49" charset="-128"/>
+                <a:ea typeface="ＭＳ ゴシック" panose="020B0609070205080204" pitchFamily="49" charset="-128"/>
               </a:rPr>
               <a:t>機能搭載</a:t>
             </a:r>
@@ -18690,7 +18959,8 @@
               <a:solidFill>
                 <a:srgbClr val="000000"/>
               </a:solidFill>
-              <a:latin typeface="Arial"/>
+              <a:latin typeface="ＭＳ ゴシック" panose="020B0609070205080204" pitchFamily="49" charset="-128"/>
+              <a:ea typeface="ＭＳ ゴシック" panose="020B0609070205080204" pitchFamily="49" charset="-128"/>
             </a:endParaRPr>
           </a:p>
         </p:txBody>
@@ -18841,8 +19111,8 @@
                 <a:solidFill>
                   <a:srgbClr val="000000"/>
                 </a:solidFill>
-                <a:latin typeface="Arial"/>
-                <a:ea typeface="Arial"/>
+                <a:latin typeface="ＭＳ ゴシック" panose="020B0609070205080204" pitchFamily="49" charset="-128"/>
+                <a:ea typeface="ＭＳ ゴシック" panose="020B0609070205080204" pitchFamily="49" charset="-128"/>
               </a:rPr>
               <a:t>標準のアプリケーション</a:t>
             </a:r>
@@ -18851,8 +19121,8 @@
                 <a:solidFill>
                   <a:srgbClr val="000000"/>
                 </a:solidFill>
-                <a:latin typeface="Arial"/>
-                <a:ea typeface="Arial"/>
+                <a:latin typeface="ＭＳ ゴシック" panose="020B0609070205080204" pitchFamily="49" charset="-128"/>
+                <a:ea typeface="ＭＳ ゴシック" panose="020B0609070205080204" pitchFamily="49" charset="-128"/>
               </a:rPr>
               <a:t>群</a:t>
             </a:r>
@@ -18861,13 +19131,14 @@
                 <a:solidFill>
                   <a:srgbClr val="000000"/>
                 </a:solidFill>
-                <a:latin typeface="Arial"/>
-                <a:ea typeface="Arial"/>
+                <a:latin typeface="ＭＳ ゴシック" panose="020B0609070205080204" pitchFamily="49" charset="-128"/>
+                <a:ea typeface="ＭＳ ゴシック" panose="020B0609070205080204" pitchFamily="49" charset="-128"/>
               </a:rPr>
               <a:t>:</a:t>
             </a:r>
             <a:endParaRPr lang="en-US" sz="1900" b="0" strike="noStrike" spc="-1" dirty="0">
-              <a:latin typeface="Arial"/>
+              <a:latin typeface="ＭＳ ゴシック" panose="020B0609070205080204" pitchFamily="49" charset="-128"/>
+              <a:ea typeface="ＭＳ ゴシック" panose="020B0609070205080204" pitchFamily="49" charset="-128"/>
             </a:endParaRPr>
           </a:p>
           <a:p>
@@ -18886,13 +19157,14 @@
                 <a:solidFill>
                   <a:srgbClr val="000000"/>
                 </a:solidFill>
-                <a:latin typeface="Arial"/>
-                <a:ea typeface="Arial"/>
+                <a:latin typeface="ＭＳ ゴシック" panose="020B0609070205080204" pitchFamily="49" charset="-128"/>
+                <a:ea typeface="ＭＳ ゴシック" panose="020B0609070205080204" pitchFamily="49" charset="-128"/>
               </a:rPr>
               <a:t>Linux, Apache 2, PostgreSQL, PHP, </a:t>
             </a:r>
             <a:endParaRPr lang="en-US" sz="1900" b="0" strike="noStrike" spc="-1" dirty="0">
-              <a:latin typeface="Arial"/>
+              <a:latin typeface="ＭＳ ゴシック" panose="020B0609070205080204" pitchFamily="49" charset="-128"/>
+              <a:ea typeface="ＭＳ ゴシック" panose="020B0609070205080204" pitchFamily="49" charset="-128"/>
             </a:endParaRPr>
           </a:p>
           <a:p>
@@ -18914,7 +19186,8 @@
                 <a:solidFill>
                   <a:srgbClr val="000000"/>
                 </a:solidFill>
-                <a:latin typeface="Arial"/>
+                <a:latin typeface="ＭＳ ゴシック" panose="020B0609070205080204" pitchFamily="49" charset="-128"/>
+                <a:ea typeface="ＭＳ ゴシック" panose="020B0609070205080204" pitchFamily="49" charset="-128"/>
               </a:rPr>
               <a:t>ネット上の</a:t>
             </a:r>
@@ -18923,7 +19196,8 @@
                 <a:solidFill>
                   <a:srgbClr val="000000"/>
                 </a:solidFill>
-                <a:latin typeface="Arial"/>
+                <a:latin typeface="ＭＳ ゴシック" panose="020B0609070205080204" pitchFamily="49" charset="-128"/>
+                <a:ea typeface="ＭＳ ゴシック" panose="020B0609070205080204" pitchFamily="49" charset="-128"/>
               </a:rPr>
               <a:t>UI</a:t>
             </a:r>
@@ -18932,7 +19206,8 @@
                 <a:solidFill>
                   <a:srgbClr val="000000"/>
                 </a:solidFill>
-                <a:latin typeface="Arial"/>
+                <a:latin typeface="ＭＳ ゴシック" panose="020B0609070205080204" pitchFamily="49" charset="-128"/>
+                <a:ea typeface="ＭＳ ゴシック" panose="020B0609070205080204" pitchFamily="49" charset="-128"/>
               </a:rPr>
               <a:t>は</a:t>
             </a:r>
@@ -18941,7 +19216,8 @@
                 <a:solidFill>
                   <a:srgbClr val="000000"/>
                 </a:solidFill>
-                <a:latin typeface="Arial"/>
+                <a:latin typeface="ＭＳ ゴシック" panose="020B0609070205080204" pitchFamily="49" charset="-128"/>
+                <a:ea typeface="ＭＳ ゴシック" panose="020B0609070205080204" pitchFamily="49" charset="-128"/>
               </a:rPr>
               <a:t>PHP</a:t>
             </a:r>
@@ -18950,7 +19226,8 @@
                 <a:solidFill>
                   <a:srgbClr val="000000"/>
                 </a:solidFill>
-                <a:latin typeface="Arial"/>
+                <a:latin typeface="ＭＳ ゴシック" panose="020B0609070205080204" pitchFamily="49" charset="-128"/>
+                <a:ea typeface="ＭＳ ゴシック" panose="020B0609070205080204" pitchFamily="49" charset="-128"/>
               </a:rPr>
               <a:t>で、スキャナー機能は</a:t>
             </a:r>
@@ -18959,7 +19236,8 @@
                 <a:solidFill>
                   <a:srgbClr val="000000"/>
                 </a:solidFill>
-                <a:latin typeface="Arial"/>
+                <a:latin typeface="ＭＳ ゴシック" panose="020B0609070205080204" pitchFamily="49" charset="-128"/>
+                <a:ea typeface="ＭＳ ゴシック" panose="020B0609070205080204" pitchFamily="49" charset="-128"/>
               </a:rPr>
               <a:t>C/C++</a:t>
             </a:r>
@@ -18968,12 +19246,14 @@
                 <a:solidFill>
                   <a:srgbClr val="000000"/>
                 </a:solidFill>
-                <a:latin typeface="Arial"/>
+                <a:latin typeface="ＭＳ ゴシック" panose="020B0609070205080204" pitchFamily="49" charset="-128"/>
+                <a:ea typeface="ＭＳ ゴシック" panose="020B0609070205080204" pitchFamily="49" charset="-128"/>
               </a:rPr>
               <a:t>で実装</a:t>
             </a:r>
             <a:endParaRPr lang="en-US" sz="1900" b="0" strike="noStrike" spc="-1" dirty="0">
-              <a:latin typeface="Arial"/>
+              <a:latin typeface="ＭＳ ゴシック" panose="020B0609070205080204" pitchFamily="49" charset="-128"/>
+              <a:ea typeface="ＭＳ ゴシック" panose="020B0609070205080204" pitchFamily="49" charset="-128"/>
             </a:endParaRPr>
           </a:p>
           <a:p>
@@ -18995,8 +19275,8 @@
                 <a:solidFill>
                   <a:srgbClr val="000000"/>
                 </a:solidFill>
-                <a:latin typeface="Arial"/>
-                <a:ea typeface="Arial"/>
+                <a:latin typeface="ＭＳ ゴシック" panose="020B0609070205080204" pitchFamily="49" charset="-128"/>
+                <a:ea typeface="ＭＳ ゴシック" panose="020B0609070205080204" pitchFamily="49" charset="-128"/>
               </a:rPr>
               <a:t>2</a:t>
             </a:r>
@@ -19005,8 +19285,8 @@
                 <a:solidFill>
                   <a:srgbClr val="000000"/>
                 </a:solidFill>
-                <a:latin typeface="Arial"/>
-                <a:ea typeface="Arial"/>
+                <a:latin typeface="ＭＳ ゴシック" panose="020B0609070205080204" pitchFamily="49" charset="-128"/>
+                <a:ea typeface="ＭＳ ゴシック" panose="020B0609070205080204" pitchFamily="49" charset="-128"/>
               </a:rPr>
               <a:t>種</a:t>
             </a:r>
@@ -19015,8 +19295,8 @@
                 <a:solidFill>
                   <a:srgbClr val="000000"/>
                 </a:solidFill>
-                <a:latin typeface="Arial"/>
-                <a:ea typeface="Arial"/>
+                <a:latin typeface="ＭＳ ゴシック" panose="020B0609070205080204" pitchFamily="49" charset="-128"/>
+                <a:ea typeface="ＭＳ ゴシック" panose="020B0609070205080204" pitchFamily="49" charset="-128"/>
               </a:rPr>
               <a:t>の操作方法</a:t>
             </a:r>
@@ -19025,13 +19305,14 @@
                 <a:solidFill>
                   <a:srgbClr val="000000"/>
                 </a:solidFill>
-                <a:latin typeface="Arial"/>
-                <a:ea typeface="Arial"/>
+                <a:latin typeface="ＭＳ ゴシック" panose="020B0609070205080204" pitchFamily="49" charset="-128"/>
+                <a:ea typeface="ＭＳ ゴシック" panose="020B0609070205080204" pitchFamily="49" charset="-128"/>
               </a:rPr>
               <a:t>: </a:t>
             </a:r>
             <a:endParaRPr lang="en-US" sz="1900" b="0" strike="noStrike" spc="-1" dirty="0">
-              <a:latin typeface="Arial"/>
+              <a:latin typeface="ＭＳ ゴシック" panose="020B0609070205080204" pitchFamily="49" charset="-128"/>
+              <a:ea typeface="ＭＳ ゴシック" panose="020B0609070205080204" pitchFamily="49" charset="-128"/>
             </a:endParaRPr>
           </a:p>
           <a:p>
@@ -19050,12 +19331,14 @@
                 <a:solidFill>
                   <a:srgbClr val="000000"/>
                 </a:solidFill>
-                <a:latin typeface="Arial"/>
+                <a:latin typeface="ＭＳ ゴシック" panose="020B0609070205080204" pitchFamily="49" charset="-128"/>
+                <a:ea typeface="ＭＳ ゴシック" panose="020B0609070205080204" pitchFamily="49" charset="-128"/>
               </a:rPr>
               <a:t>ウェブユーザーインタフェース利用</a:t>
             </a:r>
             <a:endParaRPr lang="en-US" sz="1900" b="0" strike="noStrike" spc="-1" dirty="0">
-              <a:latin typeface="Arial"/>
+              <a:latin typeface="ＭＳ ゴシック" panose="020B0609070205080204" pitchFamily="49" charset="-128"/>
+              <a:ea typeface="ＭＳ ゴシック" panose="020B0609070205080204" pitchFamily="49" charset="-128"/>
             </a:endParaRPr>
           </a:p>
           <a:p>
@@ -19074,8 +19357,8 @@
                 <a:solidFill>
                   <a:srgbClr val="000000"/>
                 </a:solidFill>
-                <a:latin typeface="Arial"/>
-                <a:ea typeface="Arial"/>
+                <a:latin typeface="ＭＳ ゴシック" panose="020B0609070205080204" pitchFamily="49" charset="-128"/>
+                <a:ea typeface="ＭＳ ゴシック" panose="020B0609070205080204" pitchFamily="49" charset="-128"/>
               </a:rPr>
               <a:t>コマンドライン</a:t>
             </a:r>
@@ -19084,13 +19367,14 @@
                 <a:solidFill>
                   <a:srgbClr val="000000"/>
                 </a:solidFill>
-                <a:latin typeface="Arial"/>
-                <a:ea typeface="Arial"/>
+                <a:latin typeface="ＭＳ ゴシック" panose="020B0609070205080204" pitchFamily="49" charset="-128"/>
+                <a:ea typeface="ＭＳ ゴシック" panose="020B0609070205080204" pitchFamily="49" charset="-128"/>
               </a:rPr>
               <a:t>利用</a:t>
             </a:r>
             <a:endParaRPr lang="en-US" sz="1900" b="0" strike="noStrike" spc="-1" dirty="0">
-              <a:latin typeface="Arial"/>
+              <a:latin typeface="ＭＳ ゴシック" panose="020B0609070205080204" pitchFamily="49" charset="-128"/>
+              <a:ea typeface="ＭＳ ゴシック" panose="020B0609070205080204" pitchFamily="49" charset="-128"/>
             </a:endParaRPr>
           </a:p>
         </p:txBody>
@@ -19508,12 +19792,14 @@
                 <a:solidFill>
                   <a:srgbClr val="000000"/>
                 </a:solidFill>
-                <a:latin typeface="Arial"/>
+                <a:latin typeface="ＭＳ ゴシック" panose="020B0609070205080204" pitchFamily="49" charset="-128"/>
+                <a:ea typeface="ＭＳ ゴシック" panose="020B0609070205080204" pitchFamily="49" charset="-128"/>
               </a:rPr>
               <a:t>サーバにオープンソースパッケージをアップロード</a:t>
             </a:r>
             <a:endParaRPr lang="en-US" sz="1800" b="0" strike="noStrike" spc="-1" dirty="0">
-              <a:latin typeface="Arial"/>
+              <a:latin typeface="ＭＳ ゴシック" panose="020B0609070205080204" pitchFamily="49" charset="-128"/>
+              <a:ea typeface="ＭＳ ゴシック" panose="020B0609070205080204" pitchFamily="49" charset="-128"/>
             </a:endParaRPr>
           </a:p>
           <a:p>
@@ -19532,12 +19818,14 @@
                 <a:solidFill>
                   <a:srgbClr val="000000"/>
                 </a:solidFill>
-                <a:latin typeface="Arial"/>
+                <a:latin typeface="ＭＳ ゴシック" panose="020B0609070205080204" pitchFamily="49" charset="-128"/>
+                <a:ea typeface="ＭＳ ゴシック" panose="020B0609070205080204" pitchFamily="49" charset="-128"/>
               </a:rPr>
               <a:t>ソフトウェア分析のスキャン手段を選ぶ</a:t>
             </a:r>
             <a:endParaRPr lang="en-US" sz="1800" b="0" strike="noStrike" spc="-1" dirty="0">
-              <a:latin typeface="Arial"/>
+              <a:latin typeface="ＭＳ ゴシック" panose="020B0609070205080204" pitchFamily="49" charset="-128"/>
+              <a:ea typeface="ＭＳ ゴシック" panose="020B0609070205080204" pitchFamily="49" charset="-128"/>
             </a:endParaRPr>
           </a:p>
         </p:txBody>
@@ -19592,7 +19880,8 @@
                 <a:solidFill>
                   <a:srgbClr val="000000"/>
                 </a:solidFill>
-                <a:latin typeface="Arial"/>
+                <a:latin typeface="ＭＳ ゴシック" panose="020B0609070205080204" pitchFamily="49" charset="-128"/>
+                <a:ea typeface="ＭＳ ゴシック" panose="020B0609070205080204" pitchFamily="49" charset="-128"/>
               </a:rPr>
               <a:t>スキャナーが検知したものをレビュー</a:t>
             </a:r>
@@ -19600,8 +19889,8 @@
               <a:solidFill>
                 <a:srgbClr val="000000"/>
               </a:solidFill>
-              <a:latin typeface="Arial"/>
-              <a:ea typeface="Arial"/>
+              <a:latin typeface="ＭＳ ゴシック" panose="020B0609070205080204" pitchFamily="49" charset="-128"/>
+              <a:ea typeface="ＭＳ ゴシック" panose="020B0609070205080204" pitchFamily="49" charset="-128"/>
             </a:endParaRPr>
           </a:p>
           <a:p>
@@ -19620,7 +19909,8 @@
                 <a:solidFill>
                   <a:srgbClr val="000000"/>
                 </a:solidFill>
-                <a:latin typeface="Arial"/>
+                <a:latin typeface="ＭＳ ゴシック" panose="020B0609070205080204" pitchFamily="49" charset="-128"/>
+                <a:ea typeface="ＭＳ ゴシック" panose="020B0609070205080204" pitchFamily="49" charset="-128"/>
               </a:rPr>
               <a:t>ライセンス</a:t>
             </a:r>
@@ -19629,12 +19919,14 @@
                 <a:solidFill>
                   <a:srgbClr val="000000"/>
                 </a:solidFill>
-                <a:latin typeface="Arial"/>
+                <a:latin typeface="ＭＳ ゴシック" panose="020B0609070205080204" pitchFamily="49" charset="-128"/>
+                <a:ea typeface="ＭＳ ゴシック" panose="020B0609070205080204" pitchFamily="49" charset="-128"/>
               </a:rPr>
               <a:t>の出現箇所のレビュー、必要に応じて検知したものを訂正</a:t>
             </a:r>
             <a:endParaRPr lang="en-US" sz="1800" b="0" strike="noStrike" spc="-1" dirty="0">
-              <a:latin typeface="Arial"/>
+              <a:latin typeface="ＭＳ ゴシック" panose="020B0609070205080204" pitchFamily="49" charset="-128"/>
+              <a:ea typeface="ＭＳ ゴシック" panose="020B0609070205080204" pitchFamily="49" charset="-128"/>
             </a:endParaRPr>
           </a:p>
         </p:txBody>
@@ -19689,8 +19981,8 @@
                 <a:solidFill>
                   <a:srgbClr val="000000"/>
                 </a:solidFill>
-                <a:latin typeface="Arial"/>
-                <a:ea typeface="Arial"/>
+                <a:latin typeface="ＭＳ ゴシック" panose="020B0609070205080204" pitchFamily="49" charset="-128"/>
+                <a:ea typeface="ＭＳ ゴシック" panose="020B0609070205080204" pitchFamily="49" charset="-128"/>
               </a:rPr>
               <a:t>結果レポートの作成</a:t>
             </a:r>
@@ -19698,8 +19990,8 @@
               <a:solidFill>
                 <a:srgbClr val="000000"/>
               </a:solidFill>
-              <a:latin typeface="Arial"/>
-              <a:ea typeface="Arial"/>
+              <a:latin typeface="ＭＳ ゴシック" panose="020B0609070205080204" pitchFamily="49" charset="-128"/>
+              <a:ea typeface="ＭＳ ゴシック" panose="020B0609070205080204" pitchFamily="49" charset="-128"/>
             </a:endParaRPr>
           </a:p>
           <a:p>
@@ -19715,30 +20007,35 @@
             </a:pPr>
             <a:r>
               <a:rPr lang="ja-JP" altLang="en-US" sz="1800" b="0" strike="noStrike" spc="-1" dirty="0" smtClean="0">
-                <a:latin typeface="Arial"/>
+                <a:latin typeface="ＭＳ ゴシック" panose="020B0609070205080204" pitchFamily="49" charset="-128"/>
+                <a:ea typeface="ＭＳ ゴシック" panose="020B0609070205080204" pitchFamily="49" charset="-128"/>
               </a:rPr>
               <a:t>例</a:t>
             </a:r>
             <a:r>
               <a:rPr lang="en-US" altLang="ja-JP" sz="1800" b="0" strike="noStrike" spc="-1" dirty="0" smtClean="0">
-                <a:latin typeface="Arial"/>
+                <a:latin typeface="ＭＳ ゴシック" panose="020B0609070205080204" pitchFamily="49" charset="-128"/>
+                <a:ea typeface="ＭＳ ゴシック" panose="020B0609070205080204" pitchFamily="49" charset="-128"/>
               </a:rPr>
               <a:t>:</a:t>
             </a:r>
             <a:r>
               <a:rPr lang="ja-JP" altLang="en-US" sz="1800" b="0" strike="noStrike" spc="-1" dirty="0" smtClean="0">
-                <a:latin typeface="Arial"/>
+                <a:latin typeface="ＭＳ ゴシック" panose="020B0609070205080204" pitchFamily="49" charset="-128"/>
+                <a:ea typeface="ＭＳ ゴシック" panose="020B0609070205080204" pitchFamily="49" charset="-128"/>
               </a:rPr>
               <a:t>ライセンス一覧表、</a:t>
             </a:r>
             <a:r>
               <a:rPr lang="en-US" altLang="ja-JP" sz="1800" b="0" strike="noStrike" spc="-1" dirty="0" smtClean="0">
-                <a:latin typeface="Arial"/>
+                <a:latin typeface="ＭＳ ゴシック" panose="020B0609070205080204" pitchFamily="49" charset="-128"/>
+                <a:ea typeface="ＭＳ ゴシック" panose="020B0609070205080204" pitchFamily="49" charset="-128"/>
               </a:rPr>
               <a:t>SPDX</a:t>
             </a:r>
             <a:endParaRPr lang="en-US" sz="1800" b="0" strike="noStrike" spc="-1" dirty="0">
-              <a:latin typeface="Arial"/>
+              <a:latin typeface="ＭＳ ゴシック" panose="020B0609070205080204" pitchFamily="49" charset="-128"/>
+              <a:ea typeface="ＭＳ ゴシック" panose="020B0609070205080204" pitchFamily="49" charset="-128"/>
             </a:endParaRPr>
           </a:p>
         </p:txBody>
@@ -20182,8 +20479,8 @@
                 <a:solidFill>
                   <a:srgbClr val="000000"/>
                 </a:solidFill>
-                <a:latin typeface="Arial"/>
-                <a:ea typeface="Arial"/>
+                <a:latin typeface="ＭＳ ゴシック" panose="020B0609070205080204" pitchFamily="49" charset="-128"/>
+                <a:ea typeface="ＭＳ ゴシック" panose="020B0609070205080204" pitchFamily="49" charset="-128"/>
               </a:rPr>
               <a:t>ionicons-3.0.0</a:t>
             </a:r>
@@ -20192,13 +20489,14 @@
                 <a:solidFill>
                   <a:srgbClr val="000000"/>
                 </a:solidFill>
-                <a:latin typeface="Arial"/>
-                <a:ea typeface="Arial"/>
+                <a:latin typeface="ＭＳ ゴシック" panose="020B0609070205080204" pitchFamily="49" charset="-128"/>
+                <a:ea typeface="ＭＳ ゴシック" panose="020B0609070205080204" pitchFamily="49" charset="-128"/>
               </a:rPr>
               <a:t>をアップロード</a:t>
             </a:r>
             <a:endParaRPr lang="en-US" sz="1800" b="0" strike="noStrike" spc="-1" dirty="0">
-              <a:latin typeface="Arial"/>
+              <a:latin typeface="ＭＳ ゴシック" panose="020B0609070205080204" pitchFamily="49" charset="-128"/>
+              <a:ea typeface="ＭＳ ゴシック" panose="020B0609070205080204" pitchFamily="49" charset="-128"/>
             </a:endParaRPr>
           </a:p>
           <a:p>
@@ -20214,48 +20512,56 @@
             </a:pPr>
             <a:r>
               <a:rPr lang="ja-JP" altLang="en-US" sz="1600" b="0" strike="noStrike" spc="-1" dirty="0" smtClean="0">
-                <a:latin typeface="Arial"/>
+                <a:latin typeface="ＭＳ ゴシック" panose="020B0609070205080204" pitchFamily="49" charset="-128"/>
+                <a:ea typeface="ＭＳ ゴシック" panose="020B0609070205080204" pitchFamily="49" charset="-128"/>
               </a:rPr>
               <a:t>クリックで</a:t>
             </a:r>
             <a:r>
               <a:rPr lang="ja-JP" altLang="en-US" sz="1600" spc="-1" dirty="0" smtClean="0">
-                <a:latin typeface="Arial"/>
+                <a:latin typeface="ＭＳ ゴシック" panose="020B0609070205080204" pitchFamily="49" charset="-128"/>
+                <a:ea typeface="ＭＳ ゴシック" panose="020B0609070205080204" pitchFamily="49" charset="-128"/>
               </a:rPr>
               <a:t>アップロードを行うか、</a:t>
             </a:r>
             <a:r>
               <a:rPr lang="en-US" altLang="ja-JP" sz="1600" spc="-1" dirty="0" smtClean="0">
-                <a:latin typeface="Arial"/>
+                <a:latin typeface="ＭＳ ゴシック" panose="020B0609070205080204" pitchFamily="49" charset="-128"/>
+                <a:ea typeface="ＭＳ ゴシック" panose="020B0609070205080204" pitchFamily="49" charset="-128"/>
               </a:rPr>
               <a:t>”clearing”</a:t>
             </a:r>
             <a:r>
               <a:rPr lang="ja-JP" altLang="en-US" sz="1600" spc="-1" dirty="0" smtClean="0">
-                <a:latin typeface="Arial"/>
+                <a:latin typeface="ＭＳ ゴシック" panose="020B0609070205080204" pitchFamily="49" charset="-128"/>
+                <a:ea typeface="ＭＳ ゴシック" panose="020B0609070205080204" pitchFamily="49" charset="-128"/>
               </a:rPr>
               <a:t>をアクションメニューから選択して</a:t>
             </a:r>
             <a:r>
               <a:rPr lang="ja-JP" altLang="en-US" sz="1600" b="0" strike="noStrike" spc="-1" dirty="0" smtClean="0">
-                <a:latin typeface="Arial"/>
+                <a:latin typeface="ＭＳ ゴシック" panose="020B0609070205080204" pitchFamily="49" charset="-128"/>
+                <a:ea typeface="ＭＳ ゴシック" panose="020B0609070205080204" pitchFamily="49" charset="-128"/>
               </a:rPr>
               <a:t>ライセンスブラウザに</a:t>
             </a:r>
             <a:r>
               <a:rPr lang="ja-JP" altLang="en-US" sz="1600" spc="-1" dirty="0" smtClean="0">
-                <a:latin typeface="Arial"/>
+                <a:latin typeface="ＭＳ ゴシック" panose="020B0609070205080204" pitchFamily="49" charset="-128"/>
+                <a:ea typeface="ＭＳ ゴシック" panose="020B0609070205080204" pitchFamily="49" charset="-128"/>
               </a:rPr>
               <a:t>い</a:t>
             </a:r>
             <a:r>
               <a:rPr lang="ja-JP" altLang="en-US" sz="1600" spc="-1" dirty="0">
-                <a:latin typeface="Arial"/>
+                <a:latin typeface="ＭＳ ゴシック" panose="020B0609070205080204" pitchFamily="49" charset="-128"/>
+                <a:ea typeface="ＭＳ ゴシック" panose="020B0609070205080204" pitchFamily="49" charset="-128"/>
               </a:rPr>
               <a:t>く</a:t>
             </a:r>
             <a:endParaRPr lang="en-US" sz="1600" b="0" strike="noStrike" spc="-1" dirty="0">
-              <a:latin typeface="Arial"/>
+              <a:latin typeface="ＭＳ ゴシック" panose="020B0609070205080204" pitchFamily="49" charset="-128"/>
+              <a:ea typeface="ＭＳ ゴシック" panose="020B0609070205080204" pitchFamily="49" charset="-128"/>
             </a:endParaRPr>
           </a:p>
           <a:p>
@@ -20274,8 +20580,8 @@
                 <a:solidFill>
                   <a:srgbClr val="000000"/>
                 </a:solidFill>
-                <a:latin typeface="Arial"/>
-                <a:ea typeface="Arial"/>
+                <a:latin typeface="ＭＳ ゴシック" panose="020B0609070205080204" pitchFamily="49" charset="-128"/>
+                <a:ea typeface="ＭＳ ゴシック" panose="020B0609070205080204" pitchFamily="49" charset="-128"/>
               </a:rPr>
               <a:t>“go </a:t>
             </a:r>
@@ -20284,8 +20590,8 @@
                 <a:solidFill>
                   <a:srgbClr val="000000"/>
                 </a:solidFill>
-                <a:latin typeface="Arial"/>
-                <a:ea typeface="Arial"/>
+                <a:latin typeface="ＭＳ ゴシック" panose="020B0609070205080204" pitchFamily="49" charset="-128"/>
+                <a:ea typeface="ＭＳ ゴシック" panose="020B0609070205080204" pitchFamily="49" charset="-128"/>
               </a:rPr>
               <a:t>to all …. with licenses</a:t>
             </a:r>
@@ -20294,8 +20600,8 @@
                 <a:solidFill>
                   <a:srgbClr val="000000"/>
                 </a:solidFill>
-                <a:latin typeface="Arial"/>
-                <a:ea typeface="Arial"/>
+                <a:latin typeface="ＭＳ ゴシック" panose="020B0609070205080204" pitchFamily="49" charset="-128"/>
+                <a:ea typeface="ＭＳ ゴシック" panose="020B0609070205080204" pitchFamily="49" charset="-128"/>
               </a:rPr>
               <a:t>”</a:t>
             </a:r>
@@ -20304,13 +20610,14 @@
                 <a:solidFill>
                   <a:srgbClr val="000000"/>
                 </a:solidFill>
-                <a:latin typeface="Arial"/>
-                <a:ea typeface="Arial"/>
+                <a:latin typeface="ＭＳ ゴシック" panose="020B0609070205080204" pitchFamily="49" charset="-128"/>
+                <a:ea typeface="ＭＳ ゴシック" panose="020B0609070205080204" pitchFamily="49" charset="-128"/>
               </a:rPr>
               <a:t>を選択</a:t>
             </a:r>
             <a:endParaRPr lang="en-US" sz="1600" b="0" strike="noStrike" spc="-1" dirty="0">
-              <a:latin typeface="Arial"/>
+              <a:latin typeface="ＭＳ ゴシック" panose="020B0609070205080204" pitchFamily="49" charset="-128"/>
+              <a:ea typeface="ＭＳ ゴシック" panose="020B0609070205080204" pitchFamily="49" charset="-128"/>
             </a:endParaRPr>
           </a:p>
           <a:p>
@@ -20329,8 +20636,8 @@
                 <a:solidFill>
                   <a:srgbClr val="000000"/>
                 </a:solidFill>
-                <a:latin typeface="Arial"/>
-                <a:ea typeface="Arial"/>
+                <a:latin typeface="ＭＳ ゴシック" panose="020B0609070205080204" pitchFamily="49" charset="-128"/>
+                <a:ea typeface="ＭＳ ゴシック" panose="020B0609070205080204" pitchFamily="49" charset="-128"/>
               </a:rPr>
               <a:t>ライセンスレビューと</a:t>
             </a:r>
@@ -20339,8 +20646,8 @@
                 <a:solidFill>
                   <a:srgbClr val="000000"/>
                 </a:solidFill>
-                <a:latin typeface="Arial"/>
-                <a:ea typeface="Arial"/>
+                <a:latin typeface="ＭＳ ゴシック" panose="020B0609070205080204" pitchFamily="49" charset="-128"/>
+                <a:ea typeface="ＭＳ ゴシック" panose="020B0609070205080204" pitchFamily="49" charset="-128"/>
               </a:rPr>
               <a:t>決定</a:t>
             </a:r>
@@ -20349,8 +20656,8 @@
                 <a:solidFill>
                   <a:srgbClr val="000000"/>
                 </a:solidFill>
-                <a:latin typeface="Arial"/>
-                <a:ea typeface="Arial"/>
+                <a:latin typeface="ＭＳ ゴシック" panose="020B0609070205080204" pitchFamily="49" charset="-128"/>
+                <a:ea typeface="ＭＳ ゴシック" panose="020B0609070205080204" pitchFamily="49" charset="-128"/>
               </a:rPr>
               <a:t>を</a:t>
             </a:r>
@@ -20359,13 +20666,14 @@
                 <a:solidFill>
                   <a:srgbClr val="000000"/>
                 </a:solidFill>
-                <a:latin typeface="Arial"/>
-                <a:ea typeface="Arial"/>
+                <a:latin typeface="ＭＳ ゴシック" panose="020B0609070205080204" pitchFamily="49" charset="-128"/>
+                <a:ea typeface="ＭＳ ゴシック" panose="020B0609070205080204" pitchFamily="49" charset="-128"/>
               </a:rPr>
               <a:t>適用</a:t>
             </a:r>
             <a:endParaRPr lang="en-US" sz="1600" b="0" strike="noStrike" spc="-1" dirty="0">
-              <a:latin typeface="Arial"/>
+              <a:latin typeface="ＭＳ ゴシック" panose="020B0609070205080204" pitchFamily="49" charset="-128"/>
+              <a:ea typeface="ＭＳ ゴシック" panose="020B0609070205080204" pitchFamily="49" charset="-128"/>
             </a:endParaRPr>
           </a:p>
           <a:p>
@@ -20382,8 +20690,8 @@
                 <a:solidFill>
                   <a:srgbClr val="000000"/>
                 </a:solidFill>
-                <a:latin typeface="Arial"/>
-                <a:ea typeface="Arial"/>
+                <a:latin typeface="ＭＳ ゴシック" panose="020B0609070205080204" pitchFamily="49" charset="-128"/>
+                <a:ea typeface="ＭＳ ゴシック" panose="020B0609070205080204" pitchFamily="49" charset="-128"/>
               </a:rPr>
               <a:t>黄色のメニュー</a:t>
             </a:r>
@@ -20392,8 +20700,8 @@
                 <a:solidFill>
                   <a:srgbClr val="000000"/>
                 </a:solidFill>
-                <a:latin typeface="Arial"/>
-                <a:ea typeface="Arial"/>
+                <a:latin typeface="ＭＳ ゴシック" panose="020B0609070205080204" pitchFamily="49" charset="-128"/>
+                <a:ea typeface="ＭＳ ゴシック" panose="020B0609070205080204" pitchFamily="49" charset="-128"/>
               </a:rPr>
               <a:t>バーエリアから</a:t>
             </a:r>
@@ -20402,8 +20710,8 @@
                 <a:solidFill>
                   <a:srgbClr val="000000"/>
                 </a:solidFill>
-                <a:latin typeface="Arial"/>
-                <a:ea typeface="Arial"/>
+                <a:latin typeface="ＭＳ ゴシック" panose="020B0609070205080204" pitchFamily="49" charset="-128"/>
+                <a:ea typeface="ＭＳ ゴシック" panose="020B0609070205080204" pitchFamily="49" charset="-128"/>
               </a:rPr>
               <a:t>the </a:t>
             </a:r>
@@ -20412,8 +20720,8 @@
                 <a:solidFill>
                   <a:srgbClr val="000000"/>
                 </a:solidFill>
-                <a:latin typeface="Arial"/>
-                <a:ea typeface="Arial"/>
+                <a:latin typeface="ＭＳ ゴシック" panose="020B0609070205080204" pitchFamily="49" charset="-128"/>
+                <a:ea typeface="ＭＳ ゴシック" panose="020B0609070205080204" pitchFamily="49" charset="-128"/>
               </a:rPr>
               <a:t>copyright, e-mail, </a:t>
             </a:r>
@@ -20422,8 +20730,8 @@
                 <a:solidFill>
                   <a:srgbClr val="000000"/>
                 </a:solidFill>
-                <a:latin typeface="Arial"/>
-                <a:ea typeface="Arial"/>
+                <a:latin typeface="ＭＳ ゴシック" panose="020B0609070205080204" pitchFamily="49" charset="-128"/>
+                <a:ea typeface="ＭＳ ゴシック" panose="020B0609070205080204" pitchFamily="49" charset="-128"/>
               </a:rPr>
               <a:t>url</a:t>
             </a:r>
@@ -20432,8 +20740,8 @@
                 <a:solidFill>
                   <a:srgbClr val="000000"/>
                 </a:solidFill>
-                <a:latin typeface="Arial"/>
-                <a:ea typeface="Arial"/>
+                <a:latin typeface="ＭＳ ゴシック" panose="020B0609070205080204" pitchFamily="49" charset="-128"/>
+                <a:ea typeface="ＭＳ ゴシック" panose="020B0609070205080204" pitchFamily="49" charset="-128"/>
               </a:rPr>
               <a:t> section </a:t>
             </a:r>
@@ -20442,8 +20750,8 @@
                 <a:solidFill>
                   <a:srgbClr val="000000"/>
                 </a:solidFill>
-                <a:latin typeface="Arial"/>
-                <a:ea typeface="Arial"/>
+                <a:latin typeface="ＭＳ ゴシック" panose="020B0609070205080204" pitchFamily="49" charset="-128"/>
+                <a:ea typeface="ＭＳ ゴシック" panose="020B0609070205080204" pitchFamily="49" charset="-128"/>
               </a:rPr>
               <a:t>選択</a:t>
             </a:r>
@@ -20451,8 +20759,8 @@
               <a:solidFill>
                 <a:srgbClr val="000000"/>
               </a:solidFill>
-              <a:latin typeface="Arial"/>
-              <a:ea typeface="Arial"/>
+              <a:latin typeface="ＭＳ ゴシック" panose="020B0609070205080204" pitchFamily="49" charset="-128"/>
+              <a:ea typeface="ＭＳ ゴシック" panose="020B0609070205080204" pitchFamily="49" charset="-128"/>
             </a:endParaRPr>
           </a:p>
           <a:p>
@@ -20471,7 +20779,8 @@
                 <a:solidFill>
                   <a:srgbClr val="000000"/>
                 </a:solidFill>
-                <a:latin typeface="Arial"/>
+                <a:latin typeface="ＭＳ ゴシック" panose="020B0609070205080204" pitchFamily="49" charset="-128"/>
+                <a:ea typeface="ＭＳ ゴシック" panose="020B0609070205080204" pitchFamily="49" charset="-128"/>
               </a:rPr>
               <a:t>場合</a:t>
             </a:r>
@@ -20480,7 +20789,8 @@
                 <a:solidFill>
                   <a:srgbClr val="000000"/>
                 </a:solidFill>
-                <a:latin typeface="Arial"/>
+                <a:latin typeface="ＭＳ ゴシック" panose="020B0609070205080204" pitchFamily="49" charset="-128"/>
+                <a:ea typeface="ＭＳ ゴシック" panose="020B0609070205080204" pitchFamily="49" charset="-128"/>
               </a:rPr>
               <a:t>により、コピーライト</a:t>
             </a:r>
@@ -20489,7 +20799,8 @@
                 <a:solidFill>
                   <a:srgbClr val="000000"/>
                 </a:solidFill>
-                <a:latin typeface="Arial"/>
+                <a:latin typeface="ＭＳ ゴシック" panose="020B0609070205080204" pitchFamily="49" charset="-128"/>
+                <a:ea typeface="ＭＳ ゴシック" panose="020B0609070205080204" pitchFamily="49" charset="-128"/>
               </a:rPr>
               <a:t>ステートメント</a:t>
             </a:r>
@@ -20498,7 +20809,8 @@
                 <a:solidFill>
                   <a:srgbClr val="000000"/>
                 </a:solidFill>
-                <a:latin typeface="Arial"/>
+                <a:latin typeface="ＭＳ ゴシック" panose="020B0609070205080204" pitchFamily="49" charset="-128"/>
+                <a:ea typeface="ＭＳ ゴシック" panose="020B0609070205080204" pitchFamily="49" charset="-128"/>
               </a:rPr>
               <a:t>レビューや修正を行う</a:t>
             </a:r>
@@ -20507,8 +20819,8 @@
                 <a:solidFill>
                   <a:srgbClr val="000000"/>
                 </a:solidFill>
-                <a:latin typeface="Arial"/>
-                <a:ea typeface="Arial"/>
+                <a:latin typeface="ＭＳ ゴシック" panose="020B0609070205080204" pitchFamily="49" charset="-128"/>
+                <a:ea typeface="ＭＳ ゴシック" panose="020B0609070205080204" pitchFamily="49" charset="-128"/>
               </a:rPr>
               <a:t> </a:t>
             </a:r>
@@ -20524,13 +20836,15 @@
             </a:pPr>
             <a:r>
               <a:rPr lang="en-US" altLang="ja-JP" sz="1800" b="0" strike="noStrike" spc="-1" dirty="0" smtClean="0">
-                <a:latin typeface="Arial"/>
+                <a:latin typeface="ＭＳ ゴシック" panose="020B0609070205080204" pitchFamily="49" charset="-128"/>
+                <a:ea typeface="ＭＳ ゴシック" panose="020B0609070205080204" pitchFamily="49" charset="-128"/>
               </a:rPr>
               <a:t>ECC</a:t>
             </a:r>
             <a:r>
               <a:rPr lang="ja-JP" altLang="en-US" sz="1800" b="0" strike="noStrike" spc="-1" dirty="0" smtClean="0">
-                <a:latin typeface="Arial"/>
+                <a:latin typeface="ＭＳ ゴシック" panose="020B0609070205080204" pitchFamily="49" charset="-128"/>
+                <a:ea typeface="ＭＳ ゴシック" panose="020B0609070205080204" pitchFamily="49" charset="-128"/>
               </a:rPr>
               <a:t>を黄色の部分から選択し、レビュー</a:t>
             </a:r>
@@ -20538,8 +20852,8 @@
               <a:solidFill>
                 <a:srgbClr val="000000"/>
               </a:solidFill>
-              <a:latin typeface="Arial"/>
-              <a:ea typeface="Arial"/>
+              <a:latin typeface="ＭＳ ゴシック" panose="020B0609070205080204" pitchFamily="49" charset="-128"/>
+              <a:ea typeface="ＭＳ ゴシック" panose="020B0609070205080204" pitchFamily="49" charset="-128"/>
             </a:endParaRPr>
           </a:p>
           <a:p>
@@ -20556,7 +20870,8 @@
                 <a:solidFill>
                   <a:srgbClr val="000000"/>
                 </a:solidFill>
-                <a:latin typeface="Arial"/>
+                <a:latin typeface="ＭＳ ゴシック" panose="020B0609070205080204" pitchFamily="49" charset="-128"/>
+                <a:ea typeface="ＭＳ ゴシック" panose="020B0609070205080204" pitchFamily="49" charset="-128"/>
               </a:rPr>
               <a:t>ブラウザ</a:t>
             </a:r>
@@ -20565,7 +20880,8 @@
                 <a:solidFill>
                   <a:srgbClr val="000000"/>
                 </a:solidFill>
-                <a:latin typeface="Arial"/>
+                <a:latin typeface="ＭＳ ゴシック" panose="020B0609070205080204" pitchFamily="49" charset="-128"/>
+                <a:ea typeface="ＭＳ ゴシック" panose="020B0609070205080204" pitchFamily="49" charset="-128"/>
               </a:rPr>
               <a:t>のメインビューへ移動</a:t>
             </a:r>
@@ -20573,8 +20889,8 @@
               <a:solidFill>
                 <a:srgbClr val="000000"/>
               </a:solidFill>
-              <a:latin typeface="Arial"/>
-              <a:ea typeface="Arial"/>
+              <a:latin typeface="ＭＳ ゴシック" panose="020B0609070205080204" pitchFamily="49" charset="-128"/>
+              <a:ea typeface="ＭＳ ゴシック" panose="020B0609070205080204" pitchFamily="49" charset="-128"/>
             </a:endParaRPr>
           </a:p>
           <a:p>
@@ -20593,7 +20909,8 @@
                 <a:solidFill>
                   <a:srgbClr val="000000"/>
                 </a:solidFill>
-                <a:latin typeface="Arial"/>
+                <a:latin typeface="ＭＳ ゴシック" panose="020B0609070205080204" pitchFamily="49" charset="-128"/>
+                <a:ea typeface="ＭＳ ゴシック" panose="020B0609070205080204" pitchFamily="49" charset="-128"/>
               </a:rPr>
               <a:t>ポップアップ</a:t>
             </a:r>
@@ -20602,7 +20919,8 @@
                 <a:solidFill>
                   <a:srgbClr val="000000"/>
                 </a:solidFill>
-                <a:latin typeface="Arial"/>
+                <a:latin typeface="ＭＳ ゴシック" panose="020B0609070205080204" pitchFamily="49" charset="-128"/>
+                <a:ea typeface="ＭＳ ゴシック" panose="020B0609070205080204" pitchFamily="49" charset="-128"/>
               </a:rPr>
               <a:t>メニュ</a:t>
             </a:r>
@@ -20611,7 +20929,8 @@
                 <a:solidFill>
                   <a:srgbClr val="000000"/>
                 </a:solidFill>
-                <a:latin typeface="Arial"/>
+                <a:latin typeface="ＭＳ ゴシック" panose="020B0609070205080204" pitchFamily="49" charset="-128"/>
+                <a:ea typeface="ＭＳ ゴシック" panose="020B0609070205080204" pitchFamily="49" charset="-128"/>
               </a:rPr>
               <a:t>ーを選択、</a:t>
             </a:r>
@@ -20620,7 +20939,8 @@
                 <a:solidFill>
                   <a:srgbClr val="000000"/>
                 </a:solidFill>
-                <a:ea typeface="Arial"/>
+                <a:latin typeface="ＭＳ ゴシック" panose="020B0609070205080204" pitchFamily="49" charset="-128"/>
+                <a:ea typeface="ＭＳ ゴシック" panose="020B0609070205080204" pitchFamily="49" charset="-128"/>
               </a:rPr>
               <a:t>ionicons</a:t>
             </a:r>
@@ -20629,12 +20949,14 @@
                 <a:solidFill>
                   <a:srgbClr val="000000"/>
                 </a:solidFill>
-                <a:ea typeface="Arial"/>
+                <a:latin typeface="ＭＳ ゴシック" panose="020B0609070205080204" pitchFamily="49" charset="-128"/>
+                <a:ea typeface="ＭＳ ゴシック" panose="020B0609070205080204" pitchFamily="49" charset="-128"/>
               </a:rPr>
               <a:t>アップロード</a:t>
             </a:r>
             <a:endParaRPr lang="en-US" sz="1600" b="0" strike="noStrike" spc="-1" dirty="0">
-              <a:latin typeface="Arial"/>
+              <a:latin typeface="ＭＳ ゴシック" panose="020B0609070205080204" pitchFamily="49" charset="-128"/>
+              <a:ea typeface="ＭＳ ゴシック" panose="020B0609070205080204" pitchFamily="49" charset="-128"/>
             </a:endParaRPr>
           </a:p>
         </p:txBody>
@@ -20692,8 +21014,8 @@
                 <a:solidFill>
                   <a:srgbClr val="000000"/>
                 </a:solidFill>
-                <a:latin typeface="Arial"/>
-                <a:ea typeface="Arial"/>
+                <a:latin typeface="ＭＳ ゴシック" panose="020B0609070205080204" pitchFamily="49" charset="-128"/>
+                <a:ea typeface="ＭＳ ゴシック" panose="020B0609070205080204" pitchFamily="49" charset="-128"/>
               </a:rPr>
               <a:t>FOSSology</a:t>
             </a:r>
@@ -20702,13 +21024,14 @@
                 <a:solidFill>
                   <a:srgbClr val="000000"/>
                 </a:solidFill>
-                <a:latin typeface="Arial"/>
-                <a:ea typeface="Arial"/>
+                <a:latin typeface="ＭＳ ゴシック" panose="020B0609070205080204" pitchFamily="49" charset="-128"/>
+                <a:ea typeface="ＭＳ ゴシック" panose="020B0609070205080204" pitchFamily="49" charset="-128"/>
               </a:rPr>
               <a:t> 一連作業</a:t>
             </a:r>
             <a:endParaRPr lang="en-US" sz="1900" b="0" strike="noStrike" spc="-1" dirty="0">
-              <a:latin typeface="Arial"/>
+              <a:latin typeface="ＭＳ ゴシック" panose="020B0609070205080204" pitchFamily="49" charset="-128"/>
+              <a:ea typeface="ＭＳ ゴシック" panose="020B0609070205080204" pitchFamily="49" charset="-128"/>
             </a:endParaRPr>
           </a:p>
           <a:p>
@@ -20727,8 +21050,8 @@
                 <a:solidFill>
                   <a:srgbClr val="000000"/>
                 </a:solidFill>
-                <a:latin typeface="Arial"/>
-                <a:ea typeface="Arial"/>
+                <a:latin typeface="ＭＳ ゴシック" panose="020B0609070205080204" pitchFamily="49" charset="-128"/>
+                <a:ea typeface="ＭＳ ゴシック" panose="020B0609070205080204" pitchFamily="49" charset="-128"/>
               </a:rPr>
               <a:t>アップロード</a:t>
             </a:r>
@@ -20737,8 +21060,8 @@
                 <a:solidFill>
                   <a:srgbClr val="000000"/>
                 </a:solidFill>
-                <a:latin typeface="Arial"/>
-                <a:ea typeface="Arial"/>
+                <a:latin typeface="ＭＳ ゴシック" panose="020B0609070205080204" pitchFamily="49" charset="-128"/>
+                <a:ea typeface="ＭＳ ゴシック" panose="020B0609070205080204" pitchFamily="49" charset="-128"/>
               </a:rPr>
               <a:t>…</a:t>
             </a:r>
@@ -20759,8 +21082,8 @@
                 <a:solidFill>
                   <a:srgbClr val="000000"/>
                 </a:solidFill>
-                <a:latin typeface="Arial"/>
-                <a:ea typeface="Arial"/>
+                <a:latin typeface="ＭＳ ゴシック" panose="020B0609070205080204" pitchFamily="49" charset="-128"/>
+                <a:ea typeface="ＭＳ ゴシック" panose="020B0609070205080204" pitchFamily="49" charset="-128"/>
               </a:rPr>
               <a:t>… </a:t>
             </a:r>
@@ -20769,8 +21092,8 @@
                 <a:solidFill>
                   <a:srgbClr val="000000"/>
                 </a:solidFill>
-                <a:latin typeface="Arial"/>
-                <a:ea typeface="Arial"/>
+                <a:latin typeface="ＭＳ ゴシック" panose="020B0609070205080204" pitchFamily="49" charset="-128"/>
+                <a:ea typeface="ＭＳ ゴシック" panose="020B0609070205080204" pitchFamily="49" charset="-128"/>
               </a:rPr>
               <a:t>レポート作成</a:t>
             </a:r>
@@ -20779,8 +21102,8 @@
                 <a:solidFill>
                   <a:srgbClr val="000000"/>
                 </a:solidFill>
-                <a:latin typeface="Arial"/>
-                <a:ea typeface="Arial"/>
+                <a:latin typeface="ＭＳ ゴシック" panose="020B0609070205080204" pitchFamily="49" charset="-128"/>
+                <a:ea typeface="ＭＳ ゴシック" panose="020B0609070205080204" pitchFamily="49" charset="-128"/>
               </a:rPr>
               <a:t>: </a:t>
             </a:r>
@@ -20789,13 +21112,14 @@
                 <a:solidFill>
                   <a:srgbClr val="000000"/>
                 </a:solidFill>
-                <a:latin typeface="Arial"/>
-                <a:ea typeface="Arial"/>
+                <a:latin typeface="ＭＳ ゴシック" panose="020B0609070205080204" pitchFamily="49" charset="-128"/>
+                <a:ea typeface="ＭＳ ゴシック" panose="020B0609070205080204" pitchFamily="49" charset="-128"/>
               </a:rPr>
               <a:t>SPDX</a:t>
             </a:r>
             <a:endParaRPr lang="en-US" sz="1900" b="0" strike="noStrike" spc="-1" dirty="0">
-              <a:latin typeface="Arial"/>
+              <a:latin typeface="ＭＳ ゴシック" panose="020B0609070205080204" pitchFamily="49" charset="-128"/>
+              <a:ea typeface="ＭＳ ゴシック" panose="020B0609070205080204" pitchFamily="49" charset="-128"/>
             </a:endParaRPr>
           </a:p>
           <a:p>
@@ -20817,8 +21141,8 @@
                 <a:solidFill>
                   <a:srgbClr val="000000"/>
                 </a:solidFill>
-                <a:latin typeface="Arial"/>
-                <a:ea typeface="Arial"/>
+                <a:latin typeface="ＭＳ ゴシック" panose="020B0609070205080204" pitchFamily="49" charset="-128"/>
+                <a:ea typeface="ＭＳ ゴシック" panose="020B0609070205080204" pitchFamily="49" charset="-128"/>
               </a:rPr>
               <a:t>アップロード</a:t>
             </a:r>
@@ -20827,8 +21151,8 @@
                 <a:solidFill>
                   <a:srgbClr val="000000"/>
                 </a:solidFill>
-                <a:latin typeface="Arial"/>
-                <a:ea typeface="Arial"/>
+                <a:latin typeface="ＭＳ ゴシック" panose="020B0609070205080204" pitchFamily="49" charset="-128"/>
+                <a:ea typeface="ＭＳ ゴシック" panose="020B0609070205080204" pitchFamily="49" charset="-128"/>
               </a:rPr>
               <a:t> – </a:t>
             </a:r>
@@ -20837,8 +21161,8 @@
                 <a:solidFill>
                   <a:srgbClr val="000000"/>
                 </a:solidFill>
-                <a:latin typeface="Arial"/>
-                <a:ea typeface="Arial"/>
+                <a:latin typeface="ＭＳ ゴシック" panose="020B0609070205080204" pitchFamily="49" charset="-128"/>
+                <a:ea typeface="ＭＳ ゴシック" panose="020B0609070205080204" pitchFamily="49" charset="-128"/>
               </a:rPr>
               <a:t>様々な方法を提供</a:t>
             </a:r>
@@ -20846,8 +21170,8 @@
               <a:solidFill>
                 <a:srgbClr val="000000"/>
               </a:solidFill>
-              <a:latin typeface="Arial"/>
-              <a:ea typeface="Arial"/>
+              <a:latin typeface="ＭＳ ゴシック" panose="020B0609070205080204" pitchFamily="49" charset="-128"/>
+              <a:ea typeface="ＭＳ ゴシック" panose="020B0609070205080204" pitchFamily="49" charset="-128"/>
             </a:endParaRPr>
           </a:p>
           <a:p>
@@ -20869,8 +21193,8 @@
                 <a:solidFill>
                   <a:srgbClr val="000000"/>
                 </a:solidFill>
-                <a:latin typeface="Arial"/>
-                <a:ea typeface="Arial"/>
+                <a:latin typeface="ＭＳ ゴシック" panose="020B0609070205080204" pitchFamily="49" charset="-128"/>
+                <a:ea typeface="ＭＳ ゴシック" panose="020B0609070205080204" pitchFamily="49" charset="-128"/>
               </a:rPr>
               <a:t>ブラウザでアップロー</a:t>
             </a:r>
@@ -20879,8 +21203,8 @@
                 <a:solidFill>
                   <a:srgbClr val="000000"/>
                 </a:solidFill>
-                <a:latin typeface="Arial"/>
-                <a:ea typeface="Arial"/>
+                <a:latin typeface="ＭＳ ゴシック" panose="020B0609070205080204" pitchFamily="49" charset="-128"/>
+                <a:ea typeface="ＭＳ ゴシック" panose="020B0609070205080204" pitchFamily="49" charset="-128"/>
               </a:rPr>
               <a:t>ドファイルのレビュー</a:t>
             </a:r>
@@ -20888,8 +21212,8 @@
               <a:solidFill>
                 <a:srgbClr val="000000"/>
               </a:solidFill>
-              <a:latin typeface="Arial"/>
-              <a:ea typeface="Arial"/>
+              <a:latin typeface="ＭＳ ゴシック" panose="020B0609070205080204" pitchFamily="49" charset="-128"/>
+              <a:ea typeface="ＭＳ ゴシック" panose="020B0609070205080204" pitchFamily="49" charset="-128"/>
             </a:endParaRPr>
           </a:p>
           <a:p>
@@ -20911,13 +21235,14 @@
                 <a:solidFill>
                   <a:srgbClr val="000000"/>
                 </a:solidFill>
-                <a:latin typeface="Arial"/>
-                <a:ea typeface="Arial"/>
+                <a:latin typeface="ＭＳ ゴシック" panose="020B0609070205080204" pitchFamily="49" charset="-128"/>
+                <a:ea typeface="ＭＳ ゴシック" panose="020B0609070205080204" pitchFamily="49" charset="-128"/>
               </a:rPr>
               <a:t>検知されたライセンスの全体レビュー</a:t>
             </a:r>
             <a:endParaRPr lang="en-US" sz="1900" b="0" strike="noStrike" spc="-1" dirty="0" smtClean="0">
-              <a:latin typeface="Arial"/>
+              <a:latin typeface="ＭＳ ゴシック" panose="020B0609070205080204" pitchFamily="49" charset="-128"/>
+              <a:ea typeface="ＭＳ ゴシック" panose="020B0609070205080204" pitchFamily="49" charset="-128"/>
             </a:endParaRPr>
           </a:p>
           <a:p>
@@ -20939,8 +21264,8 @@
                 <a:solidFill>
                   <a:srgbClr val="000000"/>
                 </a:solidFill>
-                <a:latin typeface="Arial"/>
-                <a:ea typeface="Arial"/>
+                <a:latin typeface="ＭＳ ゴシック" panose="020B0609070205080204" pitchFamily="49" charset="-128"/>
+                <a:ea typeface="ＭＳ ゴシック" panose="020B0609070205080204" pitchFamily="49" charset="-128"/>
               </a:rPr>
               <a:t>“Clearing” </a:t>
             </a:r>
@@ -20949,13 +21274,14 @@
                 <a:solidFill>
                   <a:srgbClr val="000000"/>
                 </a:solidFill>
-                <a:latin typeface="Arial"/>
-                <a:ea typeface="Arial"/>
+                <a:latin typeface="ＭＳ ゴシック" panose="020B0609070205080204" pitchFamily="49" charset="-128"/>
+                <a:ea typeface="ＭＳ ゴシック" panose="020B0609070205080204" pitchFamily="49" charset="-128"/>
               </a:rPr>
               <a:t>作業</a:t>
             </a:r>
             <a:endParaRPr lang="en-US" sz="1900" b="0" strike="noStrike" spc="-1" dirty="0" smtClean="0">
-              <a:latin typeface="Arial"/>
+              <a:latin typeface="ＭＳ ゴシック" panose="020B0609070205080204" pitchFamily="49" charset="-128"/>
+              <a:ea typeface="ＭＳ ゴシック" panose="020B0609070205080204" pitchFamily="49" charset="-128"/>
             </a:endParaRPr>
           </a:p>
           <a:p>
@@ -20977,12 +21303,14 @@
                 <a:solidFill>
                   <a:srgbClr val="000000"/>
                 </a:solidFill>
-                <a:latin typeface="Arial"/>
+                <a:latin typeface="ＭＳ ゴシック" panose="020B0609070205080204" pitchFamily="49" charset="-128"/>
+                <a:ea typeface="ＭＳ ゴシック" panose="020B0609070205080204" pitchFamily="49" charset="-128"/>
               </a:rPr>
               <a:t>コピーライトのレビュー</a:t>
             </a:r>
             <a:endParaRPr lang="en-US" sz="1900" b="0" strike="noStrike" spc="-1" dirty="0">
-              <a:latin typeface="Arial"/>
+              <a:latin typeface="ＭＳ ゴシック" panose="020B0609070205080204" pitchFamily="49" charset="-128"/>
+              <a:ea typeface="ＭＳ ゴシック" panose="020B0609070205080204" pitchFamily="49" charset="-128"/>
             </a:endParaRPr>
           </a:p>
           <a:p>
@@ -21004,8 +21332,8 @@
                 <a:solidFill>
                   <a:srgbClr val="000000"/>
                 </a:solidFill>
-                <a:latin typeface="Arial"/>
-                <a:ea typeface="Arial"/>
+                <a:latin typeface="ＭＳ ゴシック" panose="020B0609070205080204" pitchFamily="49" charset="-128"/>
+                <a:ea typeface="ＭＳ ゴシック" panose="020B0609070205080204" pitchFamily="49" charset="-128"/>
               </a:rPr>
               <a:t>輸出管理情報</a:t>
             </a:r>
@@ -21014,8 +21342,8 @@
                 <a:solidFill>
                   <a:srgbClr val="000000"/>
                 </a:solidFill>
-                <a:latin typeface="Arial"/>
-                <a:ea typeface="Arial"/>
+                <a:latin typeface="ＭＳ ゴシック" panose="020B0609070205080204" pitchFamily="49" charset="-128"/>
+                <a:ea typeface="ＭＳ ゴシック" panose="020B0609070205080204" pitchFamily="49" charset="-128"/>
               </a:rPr>
               <a:t>(</a:t>
             </a:r>
@@ -21024,8 +21352,8 @@
                 <a:solidFill>
                   <a:srgbClr val="000000"/>
                 </a:solidFill>
-                <a:latin typeface="Arial"/>
-                <a:ea typeface="Arial"/>
+                <a:latin typeface="ＭＳ ゴシック" panose="020B0609070205080204" pitchFamily="49" charset="-128"/>
+                <a:ea typeface="ＭＳ ゴシック" panose="020B0609070205080204" pitchFamily="49" charset="-128"/>
               </a:rPr>
               <a:t>ECC</a:t>
             </a:r>
@@ -21034,8 +21362,8 @@
                 <a:solidFill>
                   <a:srgbClr val="000000"/>
                 </a:solidFill>
-                <a:latin typeface="Arial"/>
-                <a:ea typeface="Arial"/>
+                <a:latin typeface="ＭＳ ゴシック" panose="020B0609070205080204" pitchFamily="49" charset="-128"/>
+                <a:ea typeface="ＭＳ ゴシック" panose="020B0609070205080204" pitchFamily="49" charset="-128"/>
               </a:rPr>
               <a:t>)</a:t>
             </a:r>
@@ -21044,13 +21372,14 @@
                 <a:solidFill>
                   <a:srgbClr val="000000"/>
                 </a:solidFill>
-                <a:latin typeface="Arial"/>
-                <a:ea typeface="Arial"/>
+                <a:latin typeface="ＭＳ ゴシック" panose="020B0609070205080204" pitchFamily="49" charset="-128"/>
+                <a:ea typeface="ＭＳ ゴシック" panose="020B0609070205080204" pitchFamily="49" charset="-128"/>
               </a:rPr>
               <a:t>レビュー</a:t>
             </a:r>
             <a:endParaRPr lang="en-US" sz="1900" b="0" strike="noStrike" spc="-1" dirty="0">
-              <a:latin typeface="Arial"/>
+              <a:latin typeface="ＭＳ ゴシック" panose="020B0609070205080204" pitchFamily="49" charset="-128"/>
+              <a:ea typeface="ＭＳ ゴシック" panose="020B0609070205080204" pitchFamily="49" charset="-128"/>
             </a:endParaRPr>
           </a:p>
           <a:p>
@@ -21072,13 +21401,14 @@
                 <a:solidFill>
                   <a:srgbClr val="000000"/>
                 </a:solidFill>
-                <a:latin typeface="Arial"/>
-                <a:ea typeface="Arial"/>
+                <a:latin typeface="ＭＳ ゴシック" panose="020B0609070205080204" pitchFamily="49" charset="-128"/>
+                <a:ea typeface="ＭＳ ゴシック" panose="020B0609070205080204" pitchFamily="49" charset="-128"/>
               </a:rPr>
               <a:t>要求されたレポート出力作成</a:t>
             </a:r>
             <a:endParaRPr lang="en-US" sz="1900" b="0" strike="noStrike" spc="-1" dirty="0">
-              <a:latin typeface="Arial"/>
+              <a:latin typeface="ＭＳ ゴシック" panose="020B0609070205080204" pitchFamily="49" charset="-128"/>
+              <a:ea typeface="ＭＳ ゴシック" panose="020B0609070205080204" pitchFamily="49" charset="-128"/>
             </a:endParaRPr>
           </a:p>
           <a:p>

--- a/Module-B-JPN-Basic-Workflow.pptx
+++ b/Module-B-JPN-Basic-Workflow.pptx
@@ -8310,61 +8310,25 @@
               </a:lnSpc>
             </a:pPr>
             <a:r>
+              <a:rPr lang="en-US" altLang="ja-JP" sz="3200" b="1" spc="-1" dirty="0">
+                <a:solidFill>
+                  <a:srgbClr val="000000"/>
+                </a:solidFill>
+                <a:ea typeface="Arial"/>
+              </a:rPr>
+              <a:t>FOSSology</a:t>
+            </a:r>
+            <a:r>
+              <a:rPr lang="ja-JP" altLang="en-US" sz="3200" b="1" spc="-1" dirty="0">
+                <a:solidFill>
+                  <a:srgbClr val="000000"/>
+                </a:solidFill>
+                <a:ea typeface="Arial"/>
+              </a:rPr>
+              <a:t>を使った作業の流れ</a:t>
+            </a:r>
+            <a:r>
               <a:rPr lang="en-US" altLang="ja-JP" sz="3200" b="1" spc="-1" dirty="0" smtClean="0">
-                <a:solidFill>
-                  <a:srgbClr val="000000"/>
-                </a:solidFill>
-                <a:ea typeface="Arial"/>
-              </a:rPr>
-              <a:t>Fossology</a:t>
-            </a:r>
-            <a:r>
-              <a:rPr lang="ja-JP" altLang="en-US" sz="3200" b="1" spc="-1" dirty="0" smtClean="0">
-                <a:solidFill>
-                  <a:srgbClr val="000000"/>
-                </a:solidFill>
-                <a:ea typeface="Arial"/>
-              </a:rPr>
-              <a:t>どう</a:t>
-            </a:r>
-            <a:r>
-              <a:rPr lang="ja-JP" altLang="en-US" sz="3200" b="1" spc="-1" dirty="0">
-                <a:solidFill>
-                  <a:srgbClr val="000000"/>
-                </a:solidFill>
-                <a:ea typeface="Arial"/>
-              </a:rPr>
-              <a:t>動</a:t>
-            </a:r>
-            <a:r>
-              <a:rPr lang="ja-JP" altLang="en-US" sz="3200" b="1" spc="-1" dirty="0" smtClean="0">
-                <a:solidFill>
-                  <a:srgbClr val="000000"/>
-                </a:solidFill>
-                <a:ea typeface="Arial"/>
-              </a:rPr>
-              <a:t>かす</a:t>
-            </a:r>
-            <a:r>
-              <a:rPr lang="ja-JP" altLang="en-US" sz="3200" b="1" spc="-1" dirty="0">
-                <a:solidFill>
-                  <a:srgbClr val="000000"/>
-                </a:solidFill>
-                <a:ea typeface="Arial"/>
-              </a:rPr>
-              <a:t>か</a:t>
-            </a:r>
-            <a:r>
-              <a:rPr lang="en-US" altLang="ja-JP" sz="3200" b="1" spc="-1" dirty="0" smtClean="0">
-                <a:solidFill>
-                  <a:srgbClr val="000000"/>
-                </a:solidFill>
-                <a:ea typeface="Arial"/>
-              </a:rPr>
-              <a:t>? </a:t>
-            </a:r>
-            <a:r>
-              <a:rPr lang="en-US" altLang="ja-JP" sz="3200" b="1" spc="-1" dirty="0">
                 <a:solidFill>
                   <a:srgbClr val="000000"/>
                 </a:solidFill>
@@ -8691,7 +8655,7 @@
         <p:spPr>
           <a:xfrm>
             <a:off x="2798280" y="3133080"/>
-            <a:ext cx="8638560" cy="648000"/>
+            <a:ext cx="8638560" cy="914264"/>
           </a:xfrm>
           <a:prstGeom prst="rect">
             <a:avLst/>
@@ -8786,17 +8750,27 @@
                 <a:latin typeface="Arial"/>
                 <a:ea typeface="Arial"/>
               </a:rPr>
-              <a:t> (</a:t>
-            </a:r>
-            <a:r>
-              <a:rPr lang="ja-JP" altLang="en-US" sz="2000" spc="-1" dirty="0">
+              <a:t> </a:t>
+            </a:r>
+            <a:r>
+              <a:rPr lang="en-US" sz="2000" b="0" strike="noStrike" spc="-1" dirty="0" smtClean="0">
                 <a:solidFill>
                   <a:srgbClr val="000000"/>
                 </a:solidFill>
                 <a:latin typeface="Arial"/>
                 <a:ea typeface="Arial"/>
               </a:rPr>
-              <a:t>コピーライト</a:t>
+              <a:t>(</a:t>
+            </a:r>
+            <a:r>
+              <a:rPr lang="ja-JP" altLang="en-US" sz="2000" spc="-1" dirty="0">
+                <a:solidFill>
+                  <a:srgbClr val="000000"/>
+                </a:solidFill>
+                <a:latin typeface="Arial"/>
+                <a:ea typeface="Arial"/>
+              </a:rPr>
+              <a:t>著作権</a:t>
             </a:r>
             <a:r>
               <a:rPr lang="en-US" sz="2000" b="0" strike="noStrike" spc="-1" dirty="0" smtClean="0">
@@ -9754,8 +9728,8 @@
         </p:nvSpPr>
         <p:spPr>
           <a:xfrm>
-            <a:off x="626400" y="1095840"/>
-            <a:ext cx="11081880" cy="306720"/>
+            <a:off x="626400" y="1095839"/>
+            <a:ext cx="9327069" cy="628029"/>
           </a:xfrm>
           <a:prstGeom prst="rect">
             <a:avLst/>
@@ -9787,6 +9761,16 @@
               </a:lnSpc>
             </a:pPr>
             <a:r>
+              <a:rPr lang="ja-JP" altLang="en-US" sz="2000" i="1" spc="-1" smtClean="0">
+                <a:solidFill>
+                  <a:srgbClr val="000000"/>
+                </a:solidFill>
+                <a:latin typeface="ＭＳ ゴシック" panose="020B0609070205080204" pitchFamily="49" charset="-128"/>
+                <a:ea typeface="ＭＳ ゴシック" panose="020B0609070205080204" pitchFamily="49" charset="-128"/>
+              </a:rPr>
+              <a:t>ソフトウェアコンポーネント</a:t>
+            </a:r>
+            <a:r>
               <a:rPr lang="ja-JP" altLang="en-US" sz="2000" i="1" spc="-1" dirty="0">
                 <a:solidFill>
                   <a:srgbClr val="000000"/>
@@ -9794,29 +9778,20 @@
                 <a:latin typeface="ＭＳ ゴシック" panose="020B0609070205080204" pitchFamily="49" charset="-128"/>
                 <a:ea typeface="ＭＳ ゴシック" panose="020B0609070205080204" pitchFamily="49" charset="-128"/>
               </a:rPr>
-              <a:t>ソフトウェアコンポーネントのライセンスとコピーライトを追従する</a:t>
-            </a:r>
-            <a:r>
-              <a:rPr lang="en-US" altLang="ja-JP" sz="2000" i="1" spc="-1" dirty="0">
-                <a:solidFill>
-                  <a:srgbClr val="000000"/>
-                </a:solidFill>
-                <a:latin typeface="ＭＳ ゴシック" panose="020B0609070205080204" pitchFamily="49" charset="-128"/>
-                <a:ea typeface="ＭＳ ゴシック" panose="020B0609070205080204" pitchFamily="49" charset="-128"/>
-              </a:rPr>
-              <a:t/>
-            </a:r>
-            <a:br>
-              <a:rPr lang="en-US" altLang="ja-JP" sz="2000" i="1" spc="-1" dirty="0">
-                <a:solidFill>
-                  <a:srgbClr val="000000"/>
-                </a:solidFill>
-                <a:latin typeface="ＭＳ ゴシック" panose="020B0609070205080204" pitchFamily="49" charset="-128"/>
-                <a:ea typeface="ＭＳ ゴシック" panose="020B0609070205080204" pitchFamily="49" charset="-128"/>
-              </a:rPr>
-            </a:br>
-            <a:r>
-              <a:rPr lang="ja-JP" altLang="en-US" sz="2000" i="1" spc="-1" dirty="0">
+              <a:t>のライセンスと著作権のコンプライアンスのため</a:t>
+            </a:r>
+            <a:r>
+              <a:rPr lang="ja-JP" altLang="en-US" sz="2000" i="1" spc="-1">
+                <a:solidFill>
+                  <a:srgbClr val="000000"/>
+                </a:solidFill>
+                <a:latin typeface="ＭＳ ゴシック" panose="020B0609070205080204" pitchFamily="49" charset="-128"/>
+                <a:ea typeface="ＭＳ ゴシック" panose="020B0609070205080204" pitchFamily="49" charset="-128"/>
+              </a:rPr>
+              <a:t>の</a:t>
+            </a:r>
+            <a:r>
+              <a:rPr lang="ja-JP" altLang="en-US" sz="2000" i="1" spc="-1" smtClean="0">
                 <a:solidFill>
                   <a:srgbClr val="000000"/>
                 </a:solidFill>
@@ -10367,14 +10342,21 @@
                 <a:latin typeface="ＭＳ ゴシック" panose="020B0609070205080204" pitchFamily="49" charset="-128"/>
                 <a:ea typeface="ＭＳ ゴシック" panose="020B0609070205080204" pitchFamily="49" charset="-128"/>
               </a:rPr>
-              <a:t>コピーライト</a:t>
+              <a:t>著作権</a:t>
             </a:r>
             <a:r>
               <a:rPr lang="ja-JP" altLang="en-US" sz="1900" b="0" strike="noStrike" spc="-1" dirty="0" smtClean="0">
                 <a:latin typeface="ＭＳ ゴシック" panose="020B0609070205080204" pitchFamily="49" charset="-128"/>
                 <a:ea typeface="ＭＳ ゴシック" panose="020B0609070205080204" pitchFamily="49" charset="-128"/>
               </a:rPr>
-              <a:t>、著作者声明 検索</a:t>
+              <a:t>、</a:t>
+            </a:r>
+            <a:r>
+              <a:rPr lang="ja-JP" altLang="en-US" sz="1900" b="0" strike="noStrike" spc="-1" dirty="0" smtClean="0">
+                <a:latin typeface="ＭＳ ゴシック" panose="020B0609070205080204" pitchFamily="49" charset="-128"/>
+                <a:ea typeface="ＭＳ ゴシック" panose="020B0609070205080204" pitchFamily="49" charset="-128"/>
+              </a:rPr>
+              <a:t>著作者声明 検索</a:t>
             </a:r>
             <a:endParaRPr lang="en-US" sz="1900" b="0" strike="noStrike" spc="-1" dirty="0">
               <a:latin typeface="ＭＳ ゴシック" panose="020B0609070205080204" pitchFamily="49" charset="-128"/>
@@ -15867,7 +15849,28 @@
                 <a:latin typeface="ＭＳ ゴシック" panose="020B0609070205080204" pitchFamily="49" charset="-128"/>
                 <a:ea typeface="ＭＳ ゴシック" panose="020B0609070205080204" pitchFamily="49" charset="-128"/>
               </a:rPr>
-              <a:t>著作者を含むコピーライト表記</a:t>
+              <a:t>著作者を</a:t>
+            </a:r>
+            <a:r>
+              <a:rPr lang="ja-JP" altLang="en-US" sz="1900" b="0" strike="noStrike" spc="-1" dirty="0" smtClean="0">
+                <a:latin typeface="ＭＳ ゴシック" panose="020B0609070205080204" pitchFamily="49" charset="-128"/>
+                <a:ea typeface="ＭＳ ゴシック" panose="020B0609070205080204" pitchFamily="49" charset="-128"/>
+              </a:rPr>
+              <a:t>含む</a:t>
+            </a:r>
+            <a:r>
+              <a:rPr lang="ja-JP" altLang="en-US" sz="1900" spc="-1" dirty="0">
+                <a:latin typeface="ＭＳ ゴシック" panose="020B0609070205080204" pitchFamily="49" charset="-128"/>
+                <a:ea typeface="ＭＳ ゴシック" panose="020B0609070205080204" pitchFamily="49" charset="-128"/>
+              </a:rPr>
+              <a:t>著作権</a:t>
+            </a:r>
+            <a:r>
+              <a:rPr lang="ja-JP" altLang="en-US" sz="1900" b="0" strike="noStrike" spc="-1" dirty="0" smtClean="0">
+                <a:latin typeface="ＭＳ ゴシック" panose="020B0609070205080204" pitchFamily="49" charset="-128"/>
+                <a:ea typeface="ＭＳ ゴシック" panose="020B0609070205080204" pitchFamily="49" charset="-128"/>
+              </a:rPr>
+              <a:t>表記</a:t>
             </a:r>
             <a:endParaRPr lang="en-US" sz="1900" b="0" strike="noStrike" spc="-1" dirty="0">
               <a:latin typeface="ＭＳ ゴシック" panose="020B0609070205080204" pitchFamily="49" charset="-128"/>
@@ -16762,7 +16765,7 @@
         </p:nvSpPr>
         <p:spPr>
           <a:xfrm>
-            <a:off x="1096560" y="2190960"/>
+            <a:off x="1001918" y="1853100"/>
             <a:ext cx="4649722" cy="2061000"/>
           </a:xfrm>
           <a:prstGeom prst="rect">
@@ -16803,40 +16806,58 @@
               <a:buChar char="∙"/>
             </a:pPr>
             <a:r>
-              <a:rPr lang="en-US" sz="1900" b="0" strike="noStrike" spc="-1" dirty="0" smtClean="0">
-                <a:latin typeface="ＭＳ ゴシック" panose="020B0609070205080204" pitchFamily="49" charset="-128"/>
-                <a:ea typeface="ＭＳ ゴシック" panose="020B0609070205080204" pitchFamily="49" charset="-128"/>
-              </a:rPr>
-              <a:t>(Apache </a:t>
-            </a:r>
-            <a:r>
-              <a:rPr lang="ja-JP" altLang="en-US" sz="1900" b="0" strike="noStrike" spc="-1" dirty="0" smtClean="0">
-                <a:latin typeface="ＭＳ ゴシック" panose="020B0609070205080204" pitchFamily="49" charset="-128"/>
-                <a:ea typeface="ＭＳ ゴシック" panose="020B0609070205080204" pitchFamily="49" charset="-128"/>
-              </a:rPr>
-              <a:t>プロジェクトは均質型ライセンス</a:t>
-            </a:r>
-            <a:r>
-              <a:rPr lang="en-US" altLang="ja-JP" sz="1900" b="0" strike="noStrike" spc="-1" dirty="0" smtClean="0">
-                <a:latin typeface="ＭＳ ゴシック" panose="020B0609070205080204" pitchFamily="49" charset="-128"/>
-                <a:ea typeface="ＭＳ ゴシック" panose="020B0609070205080204" pitchFamily="49" charset="-128"/>
-              </a:rPr>
-              <a:t>*</a:t>
-            </a:r>
-            <a:r>
-              <a:rPr lang="ja-JP" altLang="en-US" sz="1900" b="0" strike="noStrike" spc="-1" dirty="0" smtClean="0">
-                <a:latin typeface="ＭＳ ゴシック" panose="020B0609070205080204" pitchFamily="49" charset="-128"/>
-                <a:ea typeface="ＭＳ ゴシック" panose="020B0609070205080204" pitchFamily="49" charset="-128"/>
-              </a:rPr>
-              <a:t>で有名である</a:t>
-            </a:r>
-            <a:r>
-              <a:rPr lang="en-US" sz="1900" b="0" strike="noStrike" spc="-1" dirty="0" smtClean="0">
-                <a:latin typeface="ＭＳ ゴシック" panose="020B0609070205080204" pitchFamily="49" charset="-128"/>
-                <a:ea typeface="ＭＳ ゴシック" panose="020B0609070205080204" pitchFamily="49" charset="-128"/>
-              </a:rPr>
-              <a:t>)</a:t>
-            </a:r>
+              <a:rPr lang="en-US" altLang="ja-JP" sz="1900" spc="-1" dirty="0">
+                <a:latin typeface="ＭＳ ゴシック" panose="020B0609070205080204" pitchFamily="49" charset="-128"/>
+                <a:ea typeface="ＭＳ ゴシック" panose="020B0609070205080204" pitchFamily="49" charset="-128"/>
+              </a:rPr>
+              <a:t>Apache </a:t>
+            </a:r>
+            <a:r>
+              <a:rPr lang="ja-JP" altLang="en-US" sz="1900" spc="-1" dirty="0">
+                <a:latin typeface="ＭＳ ゴシック" panose="020B0609070205080204" pitchFamily="49" charset="-128"/>
+                <a:ea typeface="ＭＳ ゴシック" panose="020B0609070205080204" pitchFamily="49" charset="-128"/>
+              </a:rPr>
+              <a:t>プロジェクトは、</a:t>
+            </a:r>
+            <a:r>
+              <a:rPr lang="en-US" altLang="ja-JP" sz="1900" spc="-1" dirty="0">
+                <a:latin typeface="ＭＳ ゴシック" panose="020B0609070205080204" pitchFamily="49" charset="-128"/>
+                <a:ea typeface="ＭＳ ゴシック" panose="020B0609070205080204" pitchFamily="49" charset="-128"/>
+              </a:rPr>
+              <a:t>Apache </a:t>
+            </a:r>
+            <a:r>
+              <a:rPr lang="ja-JP" altLang="en-US" sz="1900" spc="-1" dirty="0">
+                <a:latin typeface="ＭＳ ゴシック" panose="020B0609070205080204" pitchFamily="49" charset="-128"/>
+                <a:ea typeface="ＭＳ ゴシック" panose="020B0609070205080204" pitchFamily="49" charset="-128"/>
+              </a:rPr>
+              <a:t>ライセンスと両立可能なライセンスのコードのみを受け入れることによって、プロジェクト全体を </a:t>
+            </a:r>
+            <a:r>
+              <a:rPr lang="en-US" altLang="ja-JP" sz="1900" spc="-1" dirty="0">
+                <a:latin typeface="ＭＳ ゴシック" panose="020B0609070205080204" pitchFamily="49" charset="-128"/>
+                <a:ea typeface="ＭＳ ゴシック" panose="020B0609070205080204" pitchFamily="49" charset="-128"/>
+              </a:rPr>
+              <a:t>Apache </a:t>
+            </a:r>
+            <a:r>
+              <a:rPr lang="ja-JP" altLang="en-US" sz="1900" spc="-1" dirty="0">
+                <a:latin typeface="ＭＳ ゴシック" panose="020B0609070205080204" pitchFamily="49" charset="-128"/>
+                <a:ea typeface="ＭＳ ゴシック" panose="020B0609070205080204" pitchFamily="49" charset="-128"/>
+              </a:rPr>
+              <a:t>ライセンスで一様にライセンス許諾していることで</a:t>
+            </a:r>
+            <a:r>
+              <a:rPr lang="ja-JP" altLang="en-US" sz="1900" spc="-1" dirty="0" smtClean="0">
+                <a:latin typeface="ＭＳ ゴシック" panose="020B0609070205080204" pitchFamily="49" charset="-128"/>
+                <a:ea typeface="ＭＳ ゴシック" panose="020B0609070205080204" pitchFamily="49" charset="-128"/>
+              </a:rPr>
+              <a:t>有名。</a:t>
+            </a:r>
+            <a:endParaRPr lang="en-US" altLang="ja-JP" sz="1900" spc="-1" dirty="0" smtClean="0">
+              <a:latin typeface="ＭＳ ゴシック" panose="020B0609070205080204" pitchFamily="49" charset="-128"/>
+              <a:ea typeface="ＭＳ ゴシック" panose="020B0609070205080204" pitchFamily="49" charset="-128"/>
+            </a:endParaRPr>
           </a:p>
           <a:p>
             <a:pPr marL="216000" lvl="1" indent="-234360">
@@ -16860,7 +16881,17 @@
                 <a:latin typeface="ＭＳ ゴシック" panose="020B0609070205080204" pitchFamily="49" charset="-128"/>
                 <a:ea typeface="ＭＳ ゴシック" panose="020B0609070205080204" pitchFamily="49" charset="-128"/>
               </a:rPr>
-              <a:t>そのようなプロジェクトは、</a:t>
+              <a:t>その</a:t>
+            </a:r>
+            <a:r>
+              <a:rPr lang="ja-JP" altLang="en-US" sz="1900" b="0" strike="noStrike" spc="-1" dirty="0" smtClean="0">
+                <a:solidFill>
+                  <a:srgbClr val="000000"/>
+                </a:solidFill>
+                <a:latin typeface="ＭＳ ゴシック" panose="020B0609070205080204" pitchFamily="49" charset="-128"/>
+                <a:ea typeface="ＭＳ ゴシック" panose="020B0609070205080204" pitchFamily="49" charset="-128"/>
+              </a:rPr>
+              <a:t>ようなプロジェクトは、</a:t>
             </a:r>
             <a:r>
               <a:rPr lang="en-US" altLang="ja-JP" sz="1900" b="0" strike="noStrike" spc="-1" dirty="0" smtClean="0">
@@ -16958,7 +16989,7 @@
         </p:nvSpPr>
         <p:spPr>
           <a:xfrm>
-            <a:off x="1132200" y="1700640"/>
+            <a:off x="902520" y="1432260"/>
             <a:ext cx="4519440" cy="304920"/>
           </a:xfrm>
           <a:prstGeom prst="rect">
@@ -17137,8 +17168,8 @@
         </p:nvSpPr>
         <p:spPr>
           <a:xfrm>
-            <a:off x="1819175" y="5717406"/>
-            <a:ext cx="3176337" cy="369332"/>
+            <a:off x="1152446" y="5939654"/>
+            <a:ext cx="8539028" cy="369332"/>
           </a:xfrm>
           <a:prstGeom prst="rect">
             <a:avLst/>
@@ -17170,7 +17201,11 @@
                 </a:solidFill>
                 <a:ea typeface="Arial"/>
               </a:rPr>
-              <a:t> homogenous licensing</a:t>
+              <a:t> </a:t>
+            </a:r>
+            <a:r>
+              <a:rPr lang="en-US" altLang="ja-JP" dirty="0"/>
+              <a:t>Apache projects are known for homogeneous licensing</a:t>
             </a:r>
             <a:endParaRPr kumimoji="1" lang="ja-JP" altLang="en-US" dirty="0"/>
           </a:p>
@@ -18415,7 +18450,7 @@
         <p:spPr>
           <a:xfrm>
             <a:off x="626760" y="1104214"/>
-            <a:ext cx="11081520" cy="663025"/>
+            <a:ext cx="8292388" cy="663025"/>
           </a:xfrm>
           <a:prstGeom prst="rect">
             <a:avLst/>
@@ -18447,78 +18482,15 @@
               </a:lnSpc>
             </a:pPr>
             <a:r>
-              <a:rPr lang="ja-JP" altLang="en-US" sz="2000" i="1" spc="-1" dirty="0" smtClean="0">
+              <a:rPr lang="ja-JP" altLang="en-US" sz="2000" i="1" spc="-1" dirty="0">
                 <a:solidFill>
                   <a:srgbClr val="000000"/>
                 </a:solidFill>
                 <a:latin typeface="ＭＳ Ｐゴシック" panose="020B0600070205080204" pitchFamily="50" charset="-128"/>
                 <a:ea typeface="ＭＳ Ｐゴシック" panose="020B0600070205080204" pitchFamily="50" charset="-128"/>
               </a:rPr>
-              <a:t>ソフトウェアコンポーネント</a:t>
-            </a:r>
-            <a:r>
-              <a:rPr lang="ja-JP" altLang="en-US" sz="2000" i="1" spc="-1" dirty="0">
-                <a:solidFill>
-                  <a:srgbClr val="000000"/>
-                </a:solidFill>
-                <a:latin typeface="ＭＳ Ｐゴシック" panose="020B0600070205080204" pitchFamily="50" charset="-128"/>
-                <a:ea typeface="ＭＳ Ｐゴシック" panose="020B0600070205080204" pitchFamily="50" charset="-128"/>
-              </a:rPr>
-              <a:t>の</a:t>
-            </a:r>
-            <a:r>
-              <a:rPr lang="ja-JP" altLang="en-US" sz="2000" i="1" spc="-1" dirty="0" smtClean="0">
-                <a:solidFill>
-                  <a:srgbClr val="000000"/>
-                </a:solidFill>
-                <a:latin typeface="ＭＳ Ｐゴシック" panose="020B0600070205080204" pitchFamily="50" charset="-128"/>
-                <a:ea typeface="ＭＳ Ｐゴシック" panose="020B0600070205080204" pitchFamily="50" charset="-128"/>
-              </a:rPr>
-              <a:t>ライセンスとコピーライトを追従する</a:t>
-            </a:r>
-            <a:r>
-              <a:rPr lang="en-US" altLang="ja-JP" sz="2000" i="1" spc="-1" dirty="0" smtClean="0">
-                <a:solidFill>
-                  <a:srgbClr val="000000"/>
-                </a:solidFill>
-                <a:latin typeface="ＭＳ Ｐゴシック" panose="020B0600070205080204" pitchFamily="50" charset="-128"/>
-                <a:ea typeface="ＭＳ Ｐゴシック" panose="020B0600070205080204" pitchFamily="50" charset="-128"/>
-              </a:rPr>
-              <a:t/>
-            </a:r>
-            <a:br>
-              <a:rPr lang="en-US" altLang="ja-JP" sz="2000" i="1" spc="-1" dirty="0" smtClean="0">
-                <a:solidFill>
-                  <a:srgbClr val="000000"/>
-                </a:solidFill>
-                <a:latin typeface="ＭＳ Ｐゴシック" panose="020B0600070205080204" pitchFamily="50" charset="-128"/>
-                <a:ea typeface="ＭＳ Ｐゴシック" panose="020B0600070205080204" pitchFamily="50" charset="-128"/>
-              </a:rPr>
-            </a:br>
-            <a:r>
-              <a:rPr lang="ja-JP" altLang="en-US" sz="2000" i="1" spc="-1" dirty="0" smtClean="0">
-                <a:solidFill>
-                  <a:srgbClr val="000000"/>
-                </a:solidFill>
-                <a:latin typeface="ＭＳ Ｐゴシック" panose="020B0600070205080204" pitchFamily="50" charset="-128"/>
-                <a:ea typeface="ＭＳ Ｐゴシック" panose="020B0600070205080204" pitchFamily="50" charset="-128"/>
-              </a:rPr>
-              <a:t>ウェブサーバーアプリケーション</a:t>
-            </a:r>
-            <a:endParaRPr lang="en-US" sz="2000" b="0" i="1" strike="noStrike" spc="-1" dirty="0" smtClean="0">
-              <a:solidFill>
-                <a:srgbClr val="000000"/>
-              </a:solidFill>
-              <a:latin typeface="ＭＳ Ｐゴシック" panose="020B0600070205080204" pitchFamily="50" charset="-128"/>
-              <a:ea typeface="ＭＳ Ｐゴシック" panose="020B0600070205080204" pitchFamily="50" charset="-128"/>
-            </a:endParaRPr>
-          </a:p>
-          <a:p>
-            <a:pPr>
-              <a:lnSpc>
-                <a:spcPct val="100000"/>
-              </a:lnSpc>
-            </a:pPr>
+              <a:t>ソフトウェアコンポーネントのライセンスと著作権のコンプライアンスのためのウェブサーバーアプリケーション</a:t>
+            </a:r>
             <a:endParaRPr lang="en-US" sz="2000" b="0" strike="noStrike" spc="-1" dirty="0">
               <a:latin typeface="Arial"/>
             </a:endParaRPr>
@@ -18839,6 +18811,26 @@
               <a:buChar char="∙"/>
             </a:pPr>
             <a:r>
+              <a:rPr lang="en-US" altLang="ja-JP" sz="1900" spc="-1" dirty="0">
+                <a:solidFill>
+                  <a:srgbClr val="000000"/>
+                </a:solidFill>
+                <a:latin typeface="ＭＳ ゴシック" panose="020B0609070205080204" pitchFamily="49" charset="-128"/>
+                <a:ea typeface="ＭＳ ゴシック" panose="020B0609070205080204" pitchFamily="49" charset="-128"/>
+              </a:rPr>
+              <a:t>Web</a:t>
+            </a:r>
+            <a:r>
+              <a:rPr lang="ja-JP" altLang="en-US" sz="1900" spc="-1" dirty="0">
+                <a:solidFill>
+                  <a:srgbClr val="000000"/>
+                </a:solidFill>
+                <a:latin typeface="ＭＳ ゴシック" panose="020B0609070205080204" pitchFamily="49" charset="-128"/>
+                <a:ea typeface="ＭＳ ゴシック" panose="020B0609070205080204" pitchFamily="49" charset="-128"/>
+              </a:rPr>
+              <a:t>ベースおよびコマンドラインベースのインターフェイスを</a:t>
+            </a:r>
+            <a:r>
               <a:rPr lang="ja-JP" altLang="en-US" sz="1900" spc="-1" dirty="0" smtClean="0">
                 <a:solidFill>
                   <a:srgbClr val="000000"/>
@@ -18846,9 +18838,12 @@
                 <a:latin typeface="ＭＳ ゴシック" panose="020B0609070205080204" pitchFamily="49" charset="-128"/>
                 <a:ea typeface="ＭＳ ゴシック" panose="020B0609070205080204" pitchFamily="49" charset="-128"/>
               </a:rPr>
-              <a:t>ウェブサーバによるコマンドラインインターフェイス実装</a:t>
-            </a:r>
-            <a:endParaRPr lang="en-US" sz="1900" b="0" strike="noStrike" spc="-1" dirty="0">
+              <a:t>実装</a:t>
+            </a:r>
+            <a:endParaRPr lang="en-US" altLang="ja-JP" sz="1900" spc="-1" dirty="0" smtClean="0">
+              <a:solidFill>
+                <a:srgbClr val="000000"/>
+              </a:solidFill>
               <a:latin typeface="ＭＳ ゴシック" panose="020B0609070205080204" pitchFamily="49" charset="-128"/>
               <a:ea typeface="ＭＳ ゴシック" panose="020B0609070205080204" pitchFamily="49" charset="-128"/>
             </a:endParaRPr>
@@ -18861,9 +18856,6 @@
               <a:spcBef>
                 <a:spcPts val="1301"/>
               </a:spcBef>
-              <a:spcAft>
-                <a:spcPts val="1301"/>
-              </a:spcAft>
               <a:buClr>
                 <a:srgbClr val="879BAA"/>
               </a:buClr>
@@ -18871,41 +18863,6 @@
               <a:buChar char="∙"/>
             </a:pPr>
             <a:r>
-              <a:rPr lang="ja-JP" altLang="en-US" sz="1900" b="0" strike="noStrike" spc="-1" dirty="0" smtClean="0">
-                <a:solidFill>
-                  <a:srgbClr val="000000"/>
-                </a:solidFill>
-                <a:latin typeface="ＭＳ ゴシック" panose="020B0609070205080204" pitchFamily="49" charset="-128"/>
-                <a:ea typeface="ＭＳ ゴシック" panose="020B0609070205080204" pitchFamily="49" charset="-128"/>
-              </a:rPr>
-              <a:t>ライセンスやコピーライトを検索するスキャニング機能などを搭載</a:t>
-            </a:r>
-            <a:endParaRPr lang="en-US" sz="1900" b="0" strike="noStrike" spc="-1" dirty="0" smtClean="0">
-              <a:solidFill>
-                <a:srgbClr val="000000"/>
-              </a:solidFill>
-              <a:latin typeface="ＭＳ ゴシック" panose="020B0609070205080204" pitchFamily="49" charset="-128"/>
-              <a:ea typeface="ＭＳ ゴシック" panose="020B0609070205080204" pitchFamily="49" charset="-128"/>
-            </a:endParaRPr>
-          </a:p>
-          <a:p>
-            <a:pPr marL="190440" lvl="1" indent="-196200">
-              <a:lnSpc>
-                <a:spcPct val="100000"/>
-              </a:lnSpc>
-              <a:spcBef>
-                <a:spcPts val="1301"/>
-              </a:spcBef>
-              <a:spcAft>
-                <a:spcPts val="1301"/>
-              </a:spcAft>
-              <a:buClr>
-                <a:srgbClr val="879BAA"/>
-              </a:buClr>
-              <a:buFont typeface="Noto Sans Symbols"/>
-              <a:buChar char="∙"/>
-            </a:pPr>
-            <a:r>
               <a:rPr lang="ja-JP" altLang="en-US" sz="1900" spc="-1" dirty="0" smtClean="0">
                 <a:solidFill>
                   <a:srgbClr val="000000"/>
@@ -18913,7 +18870,17 @@
                 <a:latin typeface="ＭＳ ゴシック" panose="020B0609070205080204" pitchFamily="49" charset="-128"/>
                 <a:ea typeface="ＭＳ ゴシック" panose="020B0609070205080204" pitchFamily="49" charset="-128"/>
               </a:rPr>
-              <a:t>組織で分析タスクを行うためのマルチユーザ</a:t>
+              <a:t>組織</a:t>
+            </a:r>
+            <a:r>
+              <a:rPr lang="ja-JP" altLang="en-US" sz="1900" spc="-1" dirty="0" smtClean="0">
+                <a:solidFill>
+                  <a:srgbClr val="000000"/>
+                </a:solidFill>
+                <a:latin typeface="ＭＳ ゴシック" panose="020B0609070205080204" pitchFamily="49" charset="-128"/>
+                <a:ea typeface="ＭＳ ゴシック" panose="020B0609070205080204" pitchFamily="49" charset="-128"/>
+              </a:rPr>
+              <a:t>で分析タスクを行うためのマルチユーザ</a:t>
             </a:r>
             <a:r>
               <a:rPr lang="en-US" altLang="ja-JP" sz="1900" spc="-1" dirty="0" smtClean="0">
@@ -19472,47 +19439,25 @@
               </a:lnSpc>
             </a:pPr>
             <a:r>
-              <a:rPr lang="en-US" altLang="ja-JP" sz="3200" b="1" strike="noStrike" spc="-1" smtClean="0">
-                <a:solidFill>
-                  <a:srgbClr val="000000"/>
-                </a:solidFill>
-                <a:latin typeface="Arial"/>
+              <a:rPr lang="en-US" altLang="ja-JP" sz="3200" b="1" spc="-1" dirty="0">
+                <a:solidFill>
+                  <a:srgbClr val="000000"/>
+                </a:solidFill>
                 <a:ea typeface="Arial"/>
               </a:rPr>
-              <a:t>Fossology</a:t>
-            </a:r>
-            <a:r>
-              <a:rPr lang="ja-JP" altLang="en-US" sz="3200" b="1" spc="-1" smtClean="0">
-                <a:solidFill>
-                  <a:srgbClr val="000000"/>
-                </a:solidFill>
-                <a:latin typeface="Arial"/>
+              <a:t>FOSSology</a:t>
+            </a:r>
+            <a:r>
+              <a:rPr lang="ja-JP" altLang="en-US" sz="3200" b="1" spc="-1" dirty="0">
+                <a:solidFill>
+                  <a:srgbClr val="000000"/>
+                </a:solidFill>
                 <a:ea typeface="Arial"/>
               </a:rPr>
-              <a:t>どう</a:t>
-            </a:r>
-            <a:r>
-              <a:rPr lang="ja-JP" altLang="en-US" sz="3200" b="1" spc="-1" dirty="0" smtClean="0">
-                <a:solidFill>
-                  <a:srgbClr val="000000"/>
-                </a:solidFill>
-                <a:latin typeface="Arial"/>
-                <a:ea typeface="Arial"/>
-              </a:rPr>
-              <a:t>動かすか？</a:t>
+              <a:t>を使った作業の流れ</a:t>
             </a:r>
             <a:r>
               <a:rPr lang="en-US" sz="3200" b="1" strike="noStrike" spc="-1" dirty="0" smtClean="0">
-                <a:solidFill>
-                  <a:srgbClr val="000000"/>
-                </a:solidFill>
-                <a:latin typeface="Arial"/>
-                <a:ea typeface="Arial"/>
-              </a:rPr>
-              <a:t> </a:t>
-            </a:r>
-            <a:r>
-              <a:rPr lang="en-US" sz="3200" b="1" strike="noStrike" spc="-1" dirty="0">
                 <a:solidFill>
                   <a:srgbClr val="000000"/>
                 </a:solidFill>
@@ -20437,8 +20382,8 @@
         </p:nvSpPr>
         <p:spPr>
           <a:xfrm>
-            <a:off x="6277510" y="1634040"/>
-            <a:ext cx="5630238" cy="4609440"/>
+            <a:off x="5766216" y="1616760"/>
+            <a:ext cx="6270885" cy="4609440"/>
           </a:xfrm>
           <a:prstGeom prst="rect">
             <a:avLst/>
@@ -20511,55 +20456,20 @@
               <a:buChar char="●"/>
             </a:pPr>
             <a:r>
-              <a:rPr lang="ja-JP" altLang="en-US" sz="1600" b="0" strike="noStrike" spc="-1" dirty="0" smtClean="0">
-                <a:latin typeface="ＭＳ ゴシック" panose="020B0609070205080204" pitchFamily="49" charset="-128"/>
-                <a:ea typeface="ＭＳ ゴシック" panose="020B0609070205080204" pitchFamily="49" charset="-128"/>
-              </a:rPr>
-              <a:t>クリックで</a:t>
+              <a:rPr lang="ja-JP" altLang="en-US" sz="1600" spc="-1" dirty="0">
+                <a:latin typeface="ＭＳ ゴシック" panose="020B0609070205080204" pitchFamily="49" charset="-128"/>
+                <a:ea typeface="ＭＳ ゴシック" panose="020B0609070205080204" pitchFamily="49" charset="-128"/>
+              </a:rPr>
+              <a:t>ブラウズ画面上で、アップロードされたパッケージ名をクリックすることにより、ライセンスブラウザを</a:t>
             </a:r>
             <a:r>
               <a:rPr lang="ja-JP" altLang="en-US" sz="1600" spc="-1" dirty="0" smtClean="0">
                 <a:latin typeface="ＭＳ ゴシック" panose="020B0609070205080204" pitchFamily="49" charset="-128"/>
                 <a:ea typeface="ＭＳ ゴシック" panose="020B0609070205080204" pitchFamily="49" charset="-128"/>
               </a:rPr>
-              <a:t>アップロードを行うか、</a:t>
-            </a:r>
-            <a:r>
-              <a:rPr lang="en-US" altLang="ja-JP" sz="1600" spc="-1" dirty="0" smtClean="0">
-                <a:latin typeface="ＭＳ ゴシック" panose="020B0609070205080204" pitchFamily="49" charset="-128"/>
-                <a:ea typeface="ＭＳ ゴシック" panose="020B0609070205080204" pitchFamily="49" charset="-128"/>
-              </a:rPr>
-              <a:t>”clearing”</a:t>
-            </a:r>
-            <a:r>
-              <a:rPr lang="ja-JP" altLang="en-US" sz="1600" spc="-1" dirty="0" smtClean="0">
-                <a:latin typeface="ＭＳ ゴシック" panose="020B0609070205080204" pitchFamily="49" charset="-128"/>
-                <a:ea typeface="ＭＳ ゴシック" panose="020B0609070205080204" pitchFamily="49" charset="-128"/>
-              </a:rPr>
-              <a:t>をアクションメニューから選択して</a:t>
-            </a:r>
-            <a:r>
-              <a:rPr lang="ja-JP" altLang="en-US" sz="1600" b="0" strike="noStrike" spc="-1" dirty="0" smtClean="0">
-                <a:latin typeface="ＭＳ ゴシック" panose="020B0609070205080204" pitchFamily="49" charset="-128"/>
-                <a:ea typeface="ＭＳ ゴシック" panose="020B0609070205080204" pitchFamily="49" charset="-128"/>
-              </a:rPr>
-              <a:t>ライセンスブラウザに</a:t>
-            </a:r>
-            <a:r>
-              <a:rPr lang="ja-JP" altLang="en-US" sz="1600" spc="-1" dirty="0" smtClean="0">
-                <a:latin typeface="ＭＳ ゴシック" panose="020B0609070205080204" pitchFamily="49" charset="-128"/>
-                <a:ea typeface="ＭＳ ゴシック" panose="020B0609070205080204" pitchFamily="49" charset="-128"/>
-              </a:rPr>
-              <a:t>い</a:t>
-            </a:r>
-            <a:r>
-              <a:rPr lang="ja-JP" altLang="en-US" sz="1600" spc="-1" dirty="0">
-                <a:latin typeface="ＭＳ ゴシック" panose="020B0609070205080204" pitchFamily="49" charset="-128"/>
-                <a:ea typeface="ＭＳ ゴシック" panose="020B0609070205080204" pitchFamily="49" charset="-128"/>
-              </a:rPr>
-              <a:t>く</a:t>
-            </a:r>
-            <a:endParaRPr lang="en-US" sz="1600" b="0" strike="noStrike" spc="-1" dirty="0">
+              <a:t>開く</a:t>
+            </a:r>
+            <a:endParaRPr lang="en-US" altLang="ja-JP" sz="1600" spc="-1" dirty="0" smtClean="0">
               <a:latin typeface="ＭＳ ゴシック" panose="020B0609070205080204" pitchFamily="49" charset="-128"/>
               <a:ea typeface="ＭＳ ゴシック" panose="020B0609070205080204" pitchFamily="49" charset="-128"/>
             </a:endParaRPr>
@@ -20576,46 +20486,27 @@
               <a:buChar char="●"/>
             </a:pPr>
             <a:r>
-              <a:rPr lang="en-US" sz="1600" b="0" strike="noStrike" spc="-1" dirty="0" smtClean="0">
-                <a:solidFill>
-                  <a:srgbClr val="000000"/>
-                </a:solidFill>
-                <a:latin typeface="ＭＳ ゴシック" panose="020B0609070205080204" pitchFamily="49" charset="-128"/>
-                <a:ea typeface="ＭＳ ゴシック" panose="020B0609070205080204" pitchFamily="49" charset="-128"/>
-              </a:rPr>
-              <a:t>“go </a:t>
-            </a:r>
-            <a:r>
-              <a:rPr lang="en-US" sz="1600" b="0" strike="noStrike" spc="-1" dirty="0">
-                <a:solidFill>
-                  <a:srgbClr val="000000"/>
-                </a:solidFill>
-                <a:latin typeface="ＭＳ ゴシック" panose="020B0609070205080204" pitchFamily="49" charset="-128"/>
-                <a:ea typeface="ＭＳ ゴシック" panose="020B0609070205080204" pitchFamily="49" charset="-128"/>
-              </a:rPr>
-              <a:t>to all …. with licenses</a:t>
-            </a:r>
-            <a:r>
-              <a:rPr lang="en-US" sz="1600" b="0" strike="noStrike" spc="-1" dirty="0" smtClean="0">
-                <a:solidFill>
-                  <a:srgbClr val="000000"/>
-                </a:solidFill>
-                <a:latin typeface="ＭＳ ゴシック" panose="020B0609070205080204" pitchFamily="49" charset="-128"/>
-                <a:ea typeface="ＭＳ ゴシック" panose="020B0609070205080204" pitchFamily="49" charset="-128"/>
-              </a:rPr>
-              <a:t>”</a:t>
-            </a:r>
-            <a:r>
-              <a:rPr lang="ja-JP" altLang="en-US" sz="1600" b="0" strike="noStrike" spc="-1" dirty="0" smtClean="0">
-                <a:solidFill>
-                  <a:srgbClr val="000000"/>
-                </a:solidFill>
-                <a:latin typeface="ＭＳ ゴシック" panose="020B0609070205080204" pitchFamily="49" charset="-128"/>
-                <a:ea typeface="ＭＳ ゴシック" panose="020B0609070205080204" pitchFamily="49" charset="-128"/>
-              </a:rPr>
-              <a:t>を選択</a:t>
-            </a:r>
-            <a:endParaRPr lang="en-US" sz="1600" b="0" strike="noStrike" spc="-1" dirty="0">
+              <a:rPr lang="en-US" altLang="ja-JP" dirty="0">
+                <a:latin typeface="ＭＳ ゴシック" panose="020B0609070205080204" pitchFamily="49" charset="-128"/>
+                <a:ea typeface="ＭＳ ゴシック" panose="020B0609070205080204" pitchFamily="49" charset="-128"/>
+              </a:rPr>
+              <a:t>"Go through all files with licenses" </a:t>
+            </a:r>
+            <a:r>
+              <a:rPr lang="ja-JP" altLang="en-US" dirty="0">
+                <a:latin typeface="ＭＳ ゴシック" panose="020B0609070205080204" pitchFamily="49" charset="-128"/>
+                <a:ea typeface="ＭＳ ゴシック" panose="020B0609070205080204" pitchFamily="49" charset="-128"/>
+              </a:rPr>
+              <a:t>を</a:t>
+            </a:r>
+            <a:r>
+              <a:rPr lang="ja-JP" altLang="en-US" dirty="0" smtClean="0">
+                <a:latin typeface="ＭＳ ゴシック" panose="020B0609070205080204" pitchFamily="49" charset="-128"/>
+                <a:ea typeface="ＭＳ ゴシック" panose="020B0609070205080204" pitchFamily="49" charset="-128"/>
+              </a:rPr>
+              <a:t>選択</a:t>
+            </a:r>
+            <a:endParaRPr lang="en-US" altLang="ja-JP" dirty="0" smtClean="0">
               <a:latin typeface="ＭＳ ゴシック" panose="020B0609070205080204" pitchFamily="49" charset="-128"/>
               <a:ea typeface="ＭＳ ゴシック" panose="020B0609070205080204" pitchFamily="49" charset="-128"/>
             </a:endParaRPr>
@@ -20632,46 +20523,48 @@
               <a:buChar char="●"/>
             </a:pPr>
             <a:r>
-              <a:rPr lang="ja-JP" altLang="en-US" sz="1600" spc="-1" dirty="0" smtClean="0">
-                <a:solidFill>
-                  <a:srgbClr val="000000"/>
-                </a:solidFill>
-                <a:latin typeface="ＭＳ ゴシック" panose="020B0609070205080204" pitchFamily="49" charset="-128"/>
-                <a:ea typeface="ＭＳ ゴシック" panose="020B0609070205080204" pitchFamily="49" charset="-128"/>
-              </a:rPr>
-              <a:t>ライセンスレビューと</a:t>
-            </a:r>
-            <a:r>
-              <a:rPr lang="ja-JP" altLang="en-US" sz="1600" spc="-1" dirty="0">
-                <a:solidFill>
-                  <a:srgbClr val="000000"/>
-                </a:solidFill>
-                <a:latin typeface="ＭＳ ゴシック" panose="020B0609070205080204" pitchFamily="49" charset="-128"/>
-                <a:ea typeface="ＭＳ ゴシック" panose="020B0609070205080204" pitchFamily="49" charset="-128"/>
-              </a:rPr>
-              <a:t>決定</a:t>
-            </a:r>
-            <a:r>
-              <a:rPr lang="ja-JP" altLang="en-US" sz="1600" spc="-1" dirty="0" smtClean="0">
-                <a:solidFill>
-                  <a:srgbClr val="000000"/>
-                </a:solidFill>
-                <a:latin typeface="ＭＳ ゴシック" panose="020B0609070205080204" pitchFamily="49" charset="-128"/>
-                <a:ea typeface="ＭＳ ゴシック" panose="020B0609070205080204" pitchFamily="49" charset="-128"/>
-              </a:rPr>
-              <a:t>を</a:t>
-            </a:r>
-            <a:r>
-              <a:rPr lang="ja-JP" altLang="en-US" sz="1600" spc="-1" dirty="0">
-                <a:solidFill>
-                  <a:srgbClr val="000000"/>
-                </a:solidFill>
+              <a:rPr lang="ja-JP" altLang="en-US" dirty="0">
+                <a:latin typeface="ＭＳ ゴシック" panose="020B0609070205080204" pitchFamily="49" charset="-128"/>
+                <a:ea typeface="ＭＳ ゴシック" panose="020B0609070205080204" pitchFamily="49" charset="-128"/>
+              </a:rPr>
+              <a:t>ライセンスをレビューし、</a:t>
+            </a:r>
+            <a:r>
+              <a:rPr lang="en-US" altLang="ja-JP" dirty="0">
+                <a:latin typeface="ＭＳ ゴシック" panose="020B0609070205080204" pitchFamily="49" charset="-128"/>
+                <a:ea typeface="ＭＳ ゴシック" panose="020B0609070205080204" pitchFamily="49" charset="-128"/>
+              </a:rPr>
+              <a:t>"Clearing decision type" </a:t>
+            </a:r>
+            <a:r>
+              <a:rPr lang="ja-JP" altLang="en-US" dirty="0">
+                <a:latin typeface="ＭＳ ゴシック" panose="020B0609070205080204" pitchFamily="49" charset="-128"/>
+                <a:ea typeface="ＭＳ ゴシック" panose="020B0609070205080204" pitchFamily="49" charset="-128"/>
+              </a:rPr>
+              <a:t>のいずれかを選択してから </a:t>
+            </a:r>
+            <a:r>
+              <a:rPr lang="en-US" altLang="ja-JP" dirty="0">
+                <a:latin typeface="ＭＳ ゴシック" panose="020B0609070205080204" pitchFamily="49" charset="-128"/>
+                <a:ea typeface="ＭＳ ゴシック" panose="020B0609070205080204" pitchFamily="49" charset="-128"/>
+              </a:rPr>
+              <a:t>"Submit" </a:t>
+            </a:r>
+            <a:r>
+              <a:rPr lang="ja-JP" altLang="en-US" dirty="0">
+                <a:latin typeface="ＭＳ ゴシック" panose="020B0609070205080204" pitchFamily="49" charset="-128"/>
+                <a:ea typeface="ＭＳ ゴシック" panose="020B0609070205080204" pitchFamily="49" charset="-128"/>
+              </a:rPr>
+              <a:t>ボタンを押して判定結果を</a:t>
+            </a:r>
+            <a:r>
+              <a:rPr lang="ja-JP" altLang="en-US" dirty="0" smtClean="0">
                 <a:latin typeface="ＭＳ ゴシック" panose="020B0609070205080204" pitchFamily="49" charset="-128"/>
                 <a:ea typeface="ＭＳ ゴシック" panose="020B0609070205080204" pitchFamily="49" charset="-128"/>
               </a:rPr>
               <a:t>適用</a:t>
             </a:r>
-            <a:endParaRPr lang="en-US" sz="1600" b="0" strike="noStrike" spc="-1" dirty="0">
+            <a:endParaRPr lang="en-US" sz="1600" b="0" strike="noStrike" spc="-1" dirty="0" smtClean="0">
               <a:latin typeface="ＭＳ ゴシック" panose="020B0609070205080204" pitchFamily="49" charset="-128"/>
               <a:ea typeface="ＭＳ ゴシック" panose="020B0609070205080204" pitchFamily="49" charset="-128"/>
             </a:endParaRPr>
@@ -20686,16 +20579,6 @@
               </a:spcBef>
             </a:pPr>
             <a:r>
-              <a:rPr lang="ja-JP" altLang="en-US" sz="1800" b="0" strike="noStrike" spc="-1" dirty="0" smtClean="0">
-                <a:solidFill>
-                  <a:srgbClr val="000000"/>
-                </a:solidFill>
-                <a:latin typeface="ＭＳ ゴシック" panose="020B0609070205080204" pitchFamily="49" charset="-128"/>
-                <a:ea typeface="ＭＳ ゴシック" panose="020B0609070205080204" pitchFamily="49" charset="-128"/>
-              </a:rPr>
-              <a:t>黄色のメニュー</a:t>
-            </a:r>
-            <a:r>
               <a:rPr lang="ja-JP" altLang="en-US" spc="-1" dirty="0" smtClean="0">
                 <a:solidFill>
                   <a:srgbClr val="000000"/>
@@ -20703,57 +20586,67 @@
                 <a:latin typeface="ＭＳ ゴシック" panose="020B0609070205080204" pitchFamily="49" charset="-128"/>
                 <a:ea typeface="ＭＳ ゴシック" panose="020B0609070205080204" pitchFamily="49" charset="-128"/>
               </a:rPr>
-              <a:t>バーエリアから</a:t>
-            </a:r>
-            <a:r>
-              <a:rPr lang="en-US" sz="1800" b="0" strike="noStrike" spc="-1" dirty="0" smtClean="0">
-                <a:solidFill>
-                  <a:srgbClr val="000000"/>
-                </a:solidFill>
-                <a:latin typeface="ＭＳ ゴシック" panose="020B0609070205080204" pitchFamily="49" charset="-128"/>
-                <a:ea typeface="ＭＳ ゴシック" panose="020B0609070205080204" pitchFamily="49" charset="-128"/>
-              </a:rPr>
-              <a:t>the </a:t>
-            </a:r>
-            <a:r>
-              <a:rPr lang="en-US" sz="1800" b="0" strike="noStrike" spc="-1" dirty="0">
-                <a:solidFill>
-                  <a:srgbClr val="000000"/>
-                </a:solidFill>
-                <a:latin typeface="ＭＳ ゴシック" panose="020B0609070205080204" pitchFamily="49" charset="-128"/>
-                <a:ea typeface="ＭＳ ゴシック" panose="020B0609070205080204" pitchFamily="49" charset="-128"/>
-              </a:rPr>
-              <a:t>copyright, e-mail, </a:t>
-            </a:r>
-            <a:r>
-              <a:rPr lang="en-US" sz="1800" b="0" strike="noStrike" spc="-1" dirty="0" err="1">
-                <a:solidFill>
-                  <a:srgbClr val="000000"/>
-                </a:solidFill>
-                <a:latin typeface="ＭＳ ゴシック" panose="020B0609070205080204" pitchFamily="49" charset="-128"/>
-                <a:ea typeface="ＭＳ ゴシック" panose="020B0609070205080204" pitchFamily="49" charset="-128"/>
-              </a:rPr>
-              <a:t>url</a:t>
-            </a:r>
-            <a:r>
-              <a:rPr lang="en-US" sz="1800" b="0" strike="noStrike" spc="-1" dirty="0">
-                <a:solidFill>
-                  <a:srgbClr val="000000"/>
-                </a:solidFill>
-                <a:latin typeface="ＭＳ ゴシック" panose="020B0609070205080204" pitchFamily="49" charset="-128"/>
-                <a:ea typeface="ＭＳ ゴシック" panose="020B0609070205080204" pitchFamily="49" charset="-128"/>
-              </a:rPr>
-              <a:t> section </a:t>
-            </a:r>
-            <a:r>
-              <a:rPr lang="ja-JP" altLang="en-US" sz="1800" b="0" strike="noStrike" spc="-1" dirty="0" smtClean="0">
-                <a:solidFill>
-                  <a:srgbClr val="000000"/>
-                </a:solidFill>
-                <a:latin typeface="ＭＳ ゴシック" panose="020B0609070205080204" pitchFamily="49" charset="-128"/>
-                <a:ea typeface="ＭＳ ゴシック" panose="020B0609070205080204" pitchFamily="49" charset="-128"/>
-              </a:rPr>
-              <a:t>選択</a:t>
+              <a:t>黄色</a:t>
+            </a:r>
+            <a:r>
+              <a:rPr lang="ja-JP" altLang="en-US" spc="-1" dirty="0">
+                <a:solidFill>
+                  <a:srgbClr val="000000"/>
+                </a:solidFill>
+                <a:latin typeface="ＭＳ ゴシック" panose="020B0609070205080204" pitchFamily="49" charset="-128"/>
+                <a:ea typeface="ＭＳ ゴシック" panose="020B0609070205080204" pitchFamily="49" charset="-128"/>
+              </a:rPr>
+              <a:t>のメニューバーエリア</a:t>
+            </a:r>
+            <a:r>
+              <a:rPr lang="ja-JP" altLang="en-US" spc="-1" dirty="0" smtClean="0">
+                <a:solidFill>
+                  <a:srgbClr val="000000"/>
+                </a:solidFill>
+                <a:latin typeface="ＭＳ ゴシック" panose="020B0609070205080204" pitchFamily="49" charset="-128"/>
+                <a:ea typeface="ＭＳ ゴシック" panose="020B0609070205080204" pitchFamily="49" charset="-128"/>
+              </a:rPr>
+              <a:t>から </a:t>
+            </a:r>
+            <a:r>
+              <a:rPr lang="en-US" altLang="ja-JP" spc="-1" dirty="0" smtClean="0">
+                <a:solidFill>
+                  <a:srgbClr val="000000"/>
+                </a:solidFill>
+                <a:latin typeface="ＭＳ ゴシック" panose="020B0609070205080204" pitchFamily="49" charset="-128"/>
+                <a:ea typeface="ＭＳ ゴシック" panose="020B0609070205080204" pitchFamily="49" charset="-128"/>
+              </a:rPr>
+              <a:t>Copyright/Email/</a:t>
+            </a:r>
+            <a:r>
+              <a:rPr lang="en-US" altLang="ja-JP" spc="-1" dirty="0" err="1" smtClean="0">
+                <a:solidFill>
+                  <a:srgbClr val="000000"/>
+                </a:solidFill>
+                <a:latin typeface="ＭＳ ゴシック" panose="020B0609070205080204" pitchFamily="49" charset="-128"/>
+                <a:ea typeface="ＭＳ ゴシック" panose="020B0609070205080204" pitchFamily="49" charset="-128"/>
+              </a:rPr>
+              <a:t>Url</a:t>
+            </a:r>
+            <a:r>
+              <a:rPr lang="en-US" altLang="ja-JP" spc="-1" dirty="0" smtClean="0">
+                <a:solidFill>
+                  <a:srgbClr val="000000"/>
+                </a:solidFill>
+                <a:latin typeface="ＭＳ ゴシック" panose="020B0609070205080204" pitchFamily="49" charset="-128"/>
+                <a:ea typeface="ＭＳ ゴシック" panose="020B0609070205080204" pitchFamily="49" charset="-128"/>
+              </a:rPr>
+              <a:t>/Author </a:t>
+            </a:r>
+            <a:r>
+              <a:rPr lang="ja-JP" altLang="en-US" spc="-1" dirty="0">
+                <a:solidFill>
+                  <a:srgbClr val="000000"/>
+                </a:solidFill>
+                <a:latin typeface="ＭＳ ゴシック" panose="020B0609070205080204" pitchFamily="49" charset="-128"/>
+                <a:ea typeface="ＭＳ ゴシック" panose="020B0609070205080204" pitchFamily="49" charset="-128"/>
+              </a:rPr>
+              <a:t>をクリック</a:t>
             </a:r>
             <a:endParaRPr lang="en-US" sz="1600" b="0" strike="noStrike" spc="-1" dirty="0" smtClean="0">
               <a:solidFill>
@@ -20775,16 +20668,6 @@
               <a:buChar char="●"/>
             </a:pPr>
             <a:r>
-              <a:rPr lang="ja-JP" altLang="en-US" sz="1600" spc="-1" dirty="0">
-                <a:solidFill>
-                  <a:srgbClr val="000000"/>
-                </a:solidFill>
-                <a:latin typeface="ＭＳ ゴシック" panose="020B0609070205080204" pitchFamily="49" charset="-128"/>
-                <a:ea typeface="ＭＳ ゴシック" panose="020B0609070205080204" pitchFamily="49" charset="-128"/>
-              </a:rPr>
-              <a:t>場合</a:t>
-            </a:r>
-            <a:r>
               <a:rPr lang="ja-JP" altLang="en-US" sz="1600" spc="-1" dirty="0" smtClean="0">
                 <a:solidFill>
                   <a:srgbClr val="000000"/>
@@ -20792,17 +20675,7 @@
                 <a:latin typeface="ＭＳ ゴシック" panose="020B0609070205080204" pitchFamily="49" charset="-128"/>
                 <a:ea typeface="ＭＳ ゴシック" panose="020B0609070205080204" pitchFamily="49" charset="-128"/>
               </a:rPr>
-              <a:t>により、コピーライト</a:t>
-            </a:r>
-            <a:r>
-              <a:rPr lang="ja-JP" altLang="en-US" sz="1600" spc="-1" dirty="0">
-                <a:solidFill>
-                  <a:srgbClr val="000000"/>
-                </a:solidFill>
-                <a:latin typeface="ＭＳ ゴシック" panose="020B0609070205080204" pitchFamily="49" charset="-128"/>
-                <a:ea typeface="ＭＳ ゴシック" panose="020B0609070205080204" pitchFamily="49" charset="-128"/>
-              </a:rPr>
-              <a:t>ステートメント</a:t>
+              <a:t>著作権のステートメントをレビューし、必要なら修正を行</a:t>
             </a:r>
             <a:r>
               <a:rPr lang="ja-JP" altLang="en-US" sz="1600" spc="-1" dirty="0" smtClean="0">
@@ -20812,7 +20685,7 @@
                 <a:latin typeface="ＭＳ ゴシック" panose="020B0609070205080204" pitchFamily="49" charset="-128"/>
                 <a:ea typeface="ＭＳ ゴシック" panose="020B0609070205080204" pitchFamily="49" charset="-128"/>
               </a:rPr>
-              <a:t>レビューや修正を行う</a:t>
+              <a:t>う</a:t>
             </a:r>
             <a:r>
               <a:rPr lang="en-US" sz="1800" b="0" strike="noStrike" spc="-1" dirty="0" smtClean="0">
@@ -20866,7 +20739,7 @@
               </a:spcBef>
             </a:pPr>
             <a:r>
-              <a:rPr lang="ja-JP" altLang="en-US" spc="-1" dirty="0">
+              <a:rPr lang="ja-JP" altLang="en-US" spc="-1" dirty="0" smtClean="0">
                 <a:solidFill>
                   <a:srgbClr val="000000"/>
                 </a:solidFill>
@@ -20905,14 +20778,14 @@
               <a:buChar char="●"/>
             </a:pPr>
             <a:r>
-              <a:rPr lang="ja-JP" altLang="en-US" sz="1600" spc="-1" dirty="0" smtClean="0">
-                <a:solidFill>
-                  <a:srgbClr val="000000"/>
-                </a:solidFill>
-                <a:latin typeface="ＭＳ ゴシック" panose="020B0609070205080204" pitchFamily="49" charset="-128"/>
-                <a:ea typeface="ＭＳ ゴシック" panose="020B0609070205080204" pitchFamily="49" charset="-128"/>
-              </a:rPr>
-              <a:t>ポップアップ</a:t>
+              <a:rPr lang="en-US" altLang="ja-JP" sz="1600" spc="-1" dirty="0">
+                <a:solidFill>
+                  <a:srgbClr val="000000"/>
+                </a:solidFill>
+                <a:latin typeface="ＭＳ ゴシック" panose="020B0609070205080204" pitchFamily="49" charset="-128"/>
+                <a:ea typeface="ＭＳ ゴシック" panose="020B0609070205080204" pitchFamily="49" charset="-128"/>
+              </a:rPr>
+              <a:t>ionicons-3.0.0 </a:t>
             </a:r>
             <a:r>
               <a:rPr lang="ja-JP" altLang="en-US" sz="1600" spc="-1" dirty="0">
@@ -20922,37 +20795,67 @@
                 <a:latin typeface="ＭＳ ゴシック" panose="020B0609070205080204" pitchFamily="49" charset="-128"/>
                 <a:ea typeface="ＭＳ ゴシック" panose="020B0609070205080204" pitchFamily="49" charset="-128"/>
               </a:rPr>
-              <a:t>メニュ</a:t>
-            </a:r>
-            <a:r>
-              <a:rPr lang="ja-JP" altLang="en-US" sz="1600" spc="-1" dirty="0" smtClean="0">
-                <a:solidFill>
-                  <a:srgbClr val="000000"/>
-                </a:solidFill>
-                <a:latin typeface="ＭＳ ゴシック" panose="020B0609070205080204" pitchFamily="49" charset="-128"/>
-                <a:ea typeface="ＭＳ ゴシック" panose="020B0609070205080204" pitchFamily="49" charset="-128"/>
-              </a:rPr>
-              <a:t>ーを選択、</a:t>
-            </a:r>
-            <a:r>
-              <a:rPr lang="en-US" altLang="ja-JP" sz="1600" spc="-1" dirty="0" err="1" smtClean="0">
-                <a:solidFill>
-                  <a:srgbClr val="000000"/>
-                </a:solidFill>
-                <a:latin typeface="ＭＳ ゴシック" panose="020B0609070205080204" pitchFamily="49" charset="-128"/>
-                <a:ea typeface="ＭＳ ゴシック" panose="020B0609070205080204" pitchFamily="49" charset="-128"/>
-              </a:rPr>
-              <a:t>ionicons</a:t>
-            </a:r>
-            <a:r>
-              <a:rPr lang="ja-JP" altLang="en-US" sz="1600" spc="-1" dirty="0" smtClean="0">
-                <a:solidFill>
-                  <a:srgbClr val="000000"/>
-                </a:solidFill>
-                <a:latin typeface="ＭＳ ゴシック" panose="020B0609070205080204" pitchFamily="49" charset="-128"/>
-                <a:ea typeface="ＭＳ ゴシック" panose="020B0609070205080204" pitchFamily="49" charset="-128"/>
-              </a:rPr>
-              <a:t>アップロード</a:t>
+              <a:t>アップロードの </a:t>
+            </a:r>
+            <a:r>
+              <a:rPr lang="en-US" altLang="ja-JP" sz="1600" spc="-1" dirty="0">
+                <a:solidFill>
+                  <a:srgbClr val="000000"/>
+                </a:solidFill>
+                <a:latin typeface="ＭＳ ゴシック" panose="020B0609070205080204" pitchFamily="49" charset="-128"/>
+                <a:ea typeface="ＭＳ ゴシック" panose="020B0609070205080204" pitchFamily="49" charset="-128"/>
+              </a:rPr>
+              <a:t>-- select action -- </a:t>
+            </a:r>
+            <a:r>
+              <a:rPr lang="ja-JP" altLang="en-US" sz="1600" spc="-1" dirty="0">
+                <a:solidFill>
+                  <a:srgbClr val="000000"/>
+                </a:solidFill>
+                <a:latin typeface="ＭＳ ゴシック" panose="020B0609070205080204" pitchFamily="49" charset="-128"/>
+                <a:ea typeface="ＭＳ ゴシック" panose="020B0609070205080204" pitchFamily="49" charset="-128"/>
+              </a:rPr>
+              <a:t>メニューから </a:t>
+            </a:r>
+            <a:r>
+              <a:rPr lang="en-US" altLang="ja-JP" sz="1600" spc="-1" dirty="0">
+                <a:solidFill>
+                  <a:srgbClr val="000000"/>
+                </a:solidFill>
+                <a:latin typeface="ＭＳ ゴシック" panose="020B0609070205080204" pitchFamily="49" charset="-128"/>
+                <a:ea typeface="ＭＳ ゴシック" panose="020B0609070205080204" pitchFamily="49" charset="-128"/>
+              </a:rPr>
+              <a:t>"Export </a:t>
+            </a:r>
+            <a:r>
+              <a:rPr lang="ja-JP" altLang="en-US" sz="1600" spc="-1" dirty="0">
+                <a:solidFill>
+                  <a:srgbClr val="000000"/>
+                </a:solidFill>
+                <a:latin typeface="ＭＳ ゴシック" panose="020B0609070205080204" pitchFamily="49" charset="-128"/>
+                <a:ea typeface="ＭＳ ゴシック" panose="020B0609070205080204" pitchFamily="49" charset="-128"/>
+              </a:rPr>
+              <a:t>～</a:t>
+            </a:r>
+            <a:r>
+              <a:rPr lang="en-US" altLang="ja-JP" sz="1600" spc="-1" dirty="0">
+                <a:solidFill>
+                  <a:srgbClr val="000000"/>
+                </a:solidFill>
+                <a:latin typeface="ＭＳ ゴシック" panose="020B0609070205080204" pitchFamily="49" charset="-128"/>
+                <a:ea typeface="ＭＳ ゴシック" panose="020B0609070205080204" pitchFamily="49" charset="-128"/>
+              </a:rPr>
+              <a:t>" </a:t>
+            </a:r>
+            <a:r>
+              <a:rPr lang="ja-JP" altLang="en-US" sz="1600" spc="-1" dirty="0">
+                <a:solidFill>
+                  <a:srgbClr val="000000"/>
+                </a:solidFill>
+                <a:latin typeface="ＭＳ ゴシック" panose="020B0609070205080204" pitchFamily="49" charset="-128"/>
+                <a:ea typeface="ＭＳ ゴシック" panose="020B0609070205080204" pitchFamily="49" charset="-128"/>
+              </a:rPr>
+              <a:t>のいずれかを選択してレポートを生成</a:t>
             </a:r>
             <a:endParaRPr lang="en-US" sz="1600" b="0" strike="noStrike" spc="-1" dirty="0">
               <a:latin typeface="ＭＳ ゴシック" panose="020B0609070205080204" pitchFamily="49" charset="-128"/>
@@ -20969,7 +20872,7 @@
         </p:nvSpPr>
         <p:spPr>
           <a:xfrm>
-            <a:off x="618120" y="1634040"/>
+            <a:off x="288337" y="1634040"/>
             <a:ext cx="5477880" cy="4609440"/>
           </a:xfrm>
           <a:prstGeom prst="rect">
@@ -21299,6 +21202,16 @@
               <a:buAutoNum type="arabicPeriod"/>
             </a:pPr>
             <a:r>
+              <a:rPr lang="ja-JP" altLang="en-US" sz="1900" b="1" spc="-1" dirty="0">
+                <a:solidFill>
+                  <a:srgbClr val="000000"/>
+                </a:solidFill>
+                <a:latin typeface="ＭＳ ゴシック" panose="020B0609070205080204" pitchFamily="49" charset="-128"/>
+                <a:ea typeface="ＭＳ ゴシック" panose="020B0609070205080204" pitchFamily="49" charset="-128"/>
+              </a:rPr>
+              <a:t>著作権</a:t>
+            </a:r>
+            <a:r>
               <a:rPr lang="ja-JP" altLang="en-US" sz="1900" b="1" spc="-1" dirty="0" smtClean="0">
                 <a:solidFill>
                   <a:srgbClr val="000000"/>
@@ -21306,7 +21219,17 @@
                 <a:latin typeface="ＭＳ ゴシック" panose="020B0609070205080204" pitchFamily="49" charset="-128"/>
                 <a:ea typeface="ＭＳ ゴシック" panose="020B0609070205080204" pitchFamily="49" charset="-128"/>
               </a:rPr>
-              <a:t>コピーライトのレビュー</a:t>
+              <a:t>の</a:t>
+            </a:r>
+            <a:r>
+              <a:rPr lang="ja-JP" altLang="en-US" sz="1900" b="1" spc="-1" dirty="0" smtClean="0">
+                <a:solidFill>
+                  <a:srgbClr val="000000"/>
+                </a:solidFill>
+                <a:latin typeface="ＭＳ ゴシック" panose="020B0609070205080204" pitchFamily="49" charset="-128"/>
+                <a:ea typeface="ＭＳ ゴシック" panose="020B0609070205080204" pitchFamily="49" charset="-128"/>
+              </a:rPr>
+              <a:t>レビュー</a:t>
             </a:r>
             <a:endParaRPr lang="en-US" sz="1900" b="0" strike="noStrike" spc="-1" dirty="0">
               <a:latin typeface="ＭＳ ゴシック" panose="020B0609070205080204" pitchFamily="49" charset="-128"/>
@@ -21434,8 +21357,8 @@
         </p:nvSpPr>
         <p:spPr>
           <a:xfrm>
-            <a:off x="6277510" y="1295640"/>
-            <a:ext cx="5506948" cy="331920"/>
+            <a:off x="5766217" y="1284840"/>
+            <a:ext cx="6270884" cy="331920"/>
           </a:xfrm>
           <a:prstGeom prst="rect">
             <a:avLst/>
@@ -21501,7 +21424,7 @@
         </p:nvSpPr>
         <p:spPr>
           <a:xfrm>
-            <a:off x="618120" y="1295640"/>
+            <a:off x="288337" y="1284840"/>
             <a:ext cx="5477880" cy="331920"/>
           </a:xfrm>
           <a:prstGeom prst="rect">

--- a/Module-B-JPN-Basic-Workflow.pptx
+++ b/Module-B-JPN-Basic-Workflow.pptx
@@ -8750,17 +8750,7 @@
                 <a:latin typeface="Arial"/>
                 <a:ea typeface="Arial"/>
               </a:rPr>
-              <a:t> </a:t>
-            </a:r>
-            <a:r>
-              <a:rPr lang="en-US" sz="2000" b="0" strike="noStrike" spc="-1" dirty="0" smtClean="0">
-                <a:solidFill>
-                  <a:srgbClr val="000000"/>
-                </a:solidFill>
-                <a:latin typeface="Arial"/>
-                <a:ea typeface="Arial"/>
-              </a:rPr>
-              <a:t>(</a:t>
+              <a:t> (</a:t>
             </a:r>
             <a:r>
               <a:rPr lang="ja-JP" altLang="en-US" sz="2000" spc="-1" dirty="0">
@@ -10349,14 +10339,7 @@
                 <a:latin typeface="ＭＳ ゴシック" panose="020B0609070205080204" pitchFamily="49" charset="-128"/>
                 <a:ea typeface="ＭＳ ゴシック" panose="020B0609070205080204" pitchFamily="49" charset="-128"/>
               </a:rPr>
-              <a:t>、</a:t>
-            </a:r>
-            <a:r>
-              <a:rPr lang="ja-JP" altLang="en-US" sz="1900" b="0" strike="noStrike" spc="-1" dirty="0" smtClean="0">
-                <a:latin typeface="ＭＳ ゴシック" panose="020B0609070205080204" pitchFamily="49" charset="-128"/>
-                <a:ea typeface="ＭＳ ゴシック" panose="020B0609070205080204" pitchFamily="49" charset="-128"/>
-              </a:rPr>
-              <a:t>著作者声明 検索</a:t>
+              <a:t>、著作者声明 検索</a:t>
             </a:r>
             <a:endParaRPr lang="en-US" sz="1900" b="0" strike="noStrike" spc="-1" dirty="0">
               <a:latin typeface="ＭＳ ゴシック" panose="020B0609070205080204" pitchFamily="49" charset="-128"/>
@@ -15849,14 +15832,7 @@
                 <a:latin typeface="ＭＳ ゴシック" panose="020B0609070205080204" pitchFamily="49" charset="-128"/>
                 <a:ea typeface="ＭＳ ゴシック" panose="020B0609070205080204" pitchFamily="49" charset="-128"/>
               </a:rPr>
-              <a:t>著作者を</a:t>
-            </a:r>
-            <a:r>
-              <a:rPr lang="ja-JP" altLang="en-US" sz="1900" b="0" strike="noStrike" spc="-1" dirty="0" smtClean="0">
-                <a:latin typeface="ＭＳ ゴシック" panose="020B0609070205080204" pitchFamily="49" charset="-128"/>
-                <a:ea typeface="ＭＳ ゴシック" panose="020B0609070205080204" pitchFamily="49" charset="-128"/>
-              </a:rPr>
-              <a:t>含む</a:t>
+              <a:t>著作者を含む</a:t>
             </a:r>
             <a:r>
               <a:rPr lang="ja-JP" altLang="en-US" sz="1900" spc="-1" dirty="0">
@@ -16881,17 +16857,7 @@
                 <a:latin typeface="ＭＳ ゴシック" panose="020B0609070205080204" pitchFamily="49" charset="-128"/>
                 <a:ea typeface="ＭＳ ゴシック" panose="020B0609070205080204" pitchFamily="49" charset="-128"/>
               </a:rPr>
-              <a:t>その</a:t>
-            </a:r>
-            <a:r>
-              <a:rPr lang="ja-JP" altLang="en-US" sz="1900" b="0" strike="noStrike" spc="-1" dirty="0" smtClean="0">
-                <a:solidFill>
-                  <a:srgbClr val="000000"/>
-                </a:solidFill>
-                <a:latin typeface="ＭＳ ゴシック" panose="020B0609070205080204" pitchFamily="49" charset="-128"/>
-                <a:ea typeface="ＭＳ ゴシック" panose="020B0609070205080204" pitchFamily="49" charset="-128"/>
-              </a:rPr>
-              <a:t>ようなプロジェクトは、</a:t>
+              <a:t>そのようなプロジェクトは、</a:t>
             </a:r>
             <a:r>
               <a:rPr lang="en-US" altLang="ja-JP" sz="1900" b="0" strike="noStrike" spc="-1" dirty="0" smtClean="0">
@@ -18870,17 +18836,7 @@
                 <a:latin typeface="ＭＳ ゴシック" panose="020B0609070205080204" pitchFamily="49" charset="-128"/>
                 <a:ea typeface="ＭＳ ゴシック" panose="020B0609070205080204" pitchFamily="49" charset="-128"/>
               </a:rPr>
-              <a:t>組織</a:t>
-            </a:r>
-            <a:r>
-              <a:rPr lang="ja-JP" altLang="en-US" sz="1900" spc="-1" dirty="0" smtClean="0">
-                <a:solidFill>
-                  <a:srgbClr val="000000"/>
-                </a:solidFill>
-                <a:latin typeface="ＭＳ ゴシック" panose="020B0609070205080204" pitchFamily="49" charset="-128"/>
-                <a:ea typeface="ＭＳ ゴシック" panose="020B0609070205080204" pitchFamily="49" charset="-128"/>
-              </a:rPr>
-              <a:t>で分析タスクを行うためのマルチユーザ</a:t>
+              <a:t>組織で分析タスクを行うためのマルチユーザ</a:t>
             </a:r>
             <a:r>
               <a:rPr lang="en-US" altLang="ja-JP" sz="1900" spc="-1" dirty="0" smtClean="0">
@@ -20382,8 +20338,8 @@
         </p:nvSpPr>
         <p:spPr>
           <a:xfrm>
-            <a:off x="5766216" y="1616760"/>
-            <a:ext cx="6270885" cy="4609440"/>
+            <a:off x="5583333" y="1394598"/>
+            <a:ext cx="6500815" cy="4949930"/>
           </a:xfrm>
           <a:prstGeom prst="rect">
             <a:avLst/>
@@ -20420,7 +20376,7 @@
               </a:lnSpc>
             </a:pPr>
             <a:r>
-              <a:rPr lang="en-US" sz="1800" b="0" strike="noStrike" spc="-1" dirty="0" smtClean="0">
+              <a:rPr lang="en-US" b="0" strike="noStrike" spc="-1" dirty="0" smtClean="0">
                 <a:solidFill>
                   <a:srgbClr val="000000"/>
                 </a:solidFill>
@@ -20430,7 +20386,7 @@
               <a:t>ionicons-3.0.0</a:t>
             </a:r>
             <a:r>
-              <a:rPr lang="ja-JP" altLang="en-US" sz="1800" b="0" strike="noStrike" spc="-1" dirty="0" smtClean="0">
+              <a:rPr lang="ja-JP" altLang="en-US" b="0" strike="noStrike" spc="-1" dirty="0" smtClean="0">
                 <a:solidFill>
                   <a:srgbClr val="000000"/>
                 </a:solidFill>
@@ -20439,7 +20395,7 @@
               </a:rPr>
               <a:t>をアップロード</a:t>
             </a:r>
-            <a:endParaRPr lang="en-US" sz="1800" b="0" strike="noStrike" spc="-1" dirty="0">
+            <a:endParaRPr lang="en-US" b="0" strike="noStrike" spc="-1" dirty="0">
               <a:latin typeface="ＭＳ ゴシック" panose="020B0609070205080204" pitchFamily="49" charset="-128"/>
               <a:ea typeface="ＭＳ ゴシック" panose="020B0609070205080204" pitchFamily="49" charset="-128"/>
             </a:endParaRPr>
@@ -20456,20 +20412,20 @@
               <a:buChar char="●"/>
             </a:pPr>
             <a:r>
-              <a:rPr lang="ja-JP" altLang="en-US" sz="1600" spc="-1" dirty="0">
+              <a:rPr lang="ja-JP" altLang="en-US" spc="-1" dirty="0">
                 <a:latin typeface="ＭＳ ゴシック" panose="020B0609070205080204" pitchFamily="49" charset="-128"/>
                 <a:ea typeface="ＭＳ ゴシック" panose="020B0609070205080204" pitchFamily="49" charset="-128"/>
               </a:rPr>
               <a:t>ブラウズ画面上で、アップロードされたパッケージ名をクリックすることにより、ライセンスブラウザを</a:t>
             </a:r>
             <a:r>
-              <a:rPr lang="ja-JP" altLang="en-US" sz="1600" spc="-1" dirty="0" smtClean="0">
+              <a:rPr lang="ja-JP" altLang="en-US" spc="-1" dirty="0" smtClean="0">
                 <a:latin typeface="ＭＳ ゴシック" panose="020B0609070205080204" pitchFamily="49" charset="-128"/>
                 <a:ea typeface="ＭＳ ゴシック" panose="020B0609070205080204" pitchFamily="49" charset="-128"/>
               </a:rPr>
               <a:t>開く</a:t>
             </a:r>
-            <a:endParaRPr lang="en-US" altLang="ja-JP" sz="1600" spc="-1" dirty="0" smtClean="0">
+            <a:endParaRPr lang="en-US" altLang="ja-JP" spc="-1" dirty="0" smtClean="0">
               <a:latin typeface="ＭＳ ゴシック" panose="020B0609070205080204" pitchFamily="49" charset="-128"/>
               <a:ea typeface="ＭＳ ゴシック" panose="020B0609070205080204" pitchFamily="49" charset="-128"/>
             </a:endParaRPr>
@@ -20564,7 +20520,7 @@
               </a:rPr>
               <a:t>適用</a:t>
             </a:r>
-            <a:endParaRPr lang="en-US" sz="1600" b="0" strike="noStrike" spc="-1" dirty="0" smtClean="0">
+            <a:endParaRPr lang="en-US" b="0" strike="noStrike" spc="-1" dirty="0" smtClean="0">
               <a:latin typeface="ＭＳ ゴシック" panose="020B0609070205080204" pitchFamily="49" charset="-128"/>
               <a:ea typeface="ＭＳ ゴシック" panose="020B0609070205080204" pitchFamily="49" charset="-128"/>
             </a:endParaRPr>
@@ -20648,7 +20604,7 @@
               </a:rPr>
               <a:t>をクリック</a:t>
             </a:r>
-            <a:endParaRPr lang="en-US" sz="1600" b="0" strike="noStrike" spc="-1" dirty="0" smtClean="0">
+            <a:endParaRPr lang="en-US" b="0" strike="noStrike" spc="-1" dirty="0" smtClean="0">
               <a:solidFill>
                 <a:srgbClr val="000000"/>
               </a:solidFill>
@@ -20668,27 +20624,17 @@
               <a:buChar char="●"/>
             </a:pPr>
             <a:r>
-              <a:rPr lang="ja-JP" altLang="en-US" sz="1600" spc="-1" dirty="0" smtClean="0">
-                <a:solidFill>
-                  <a:srgbClr val="000000"/>
-                </a:solidFill>
-                <a:latin typeface="ＭＳ ゴシック" panose="020B0609070205080204" pitchFamily="49" charset="-128"/>
-                <a:ea typeface="ＭＳ ゴシック" panose="020B0609070205080204" pitchFamily="49" charset="-128"/>
-              </a:rPr>
-              <a:t>著作権のステートメントをレビューし、必要なら修正を行</a:t>
-            </a:r>
-            <a:r>
-              <a:rPr lang="ja-JP" altLang="en-US" sz="1600" spc="-1" dirty="0" smtClean="0">
-                <a:solidFill>
-                  <a:srgbClr val="000000"/>
-                </a:solidFill>
-                <a:latin typeface="ＭＳ ゴシック" panose="020B0609070205080204" pitchFamily="49" charset="-128"/>
-                <a:ea typeface="ＭＳ ゴシック" panose="020B0609070205080204" pitchFamily="49" charset="-128"/>
-              </a:rPr>
-              <a:t>う</a:t>
-            </a:r>
-            <a:r>
-              <a:rPr lang="en-US" sz="1800" b="0" strike="noStrike" spc="-1" dirty="0" smtClean="0">
+              <a:rPr lang="ja-JP" altLang="en-US" spc="-1" dirty="0" smtClean="0">
+                <a:solidFill>
+                  <a:srgbClr val="000000"/>
+                </a:solidFill>
+                <a:latin typeface="ＭＳ ゴシック" panose="020B0609070205080204" pitchFamily="49" charset="-128"/>
+                <a:ea typeface="ＭＳ ゴシック" panose="020B0609070205080204" pitchFamily="49" charset="-128"/>
+              </a:rPr>
+              <a:t>著作権のステートメントをレビューし、必要なら修正を行う</a:t>
+            </a:r>
+            <a:r>
+              <a:rPr lang="en-US" b="0" strike="noStrike" spc="-1" dirty="0" smtClean="0">
                 <a:solidFill>
                   <a:srgbClr val="000000"/>
                 </a:solidFill>
@@ -20708,20 +20654,20 @@
               </a:spcBef>
             </a:pPr>
             <a:r>
-              <a:rPr lang="en-US" altLang="ja-JP" sz="1800" b="0" strike="noStrike" spc="-1" dirty="0" smtClean="0">
+              <a:rPr lang="en-US" altLang="ja-JP" b="0" strike="noStrike" spc="-1" dirty="0" smtClean="0">
                 <a:latin typeface="ＭＳ ゴシック" panose="020B0609070205080204" pitchFamily="49" charset="-128"/>
                 <a:ea typeface="ＭＳ ゴシック" panose="020B0609070205080204" pitchFamily="49" charset="-128"/>
               </a:rPr>
               <a:t>ECC</a:t>
             </a:r>
             <a:r>
-              <a:rPr lang="ja-JP" altLang="en-US" sz="1800" b="0" strike="noStrike" spc="-1" dirty="0" smtClean="0">
+              <a:rPr lang="ja-JP" altLang="en-US" b="0" strike="noStrike" spc="-1" dirty="0" smtClean="0">
                 <a:latin typeface="ＭＳ ゴシック" panose="020B0609070205080204" pitchFamily="49" charset="-128"/>
                 <a:ea typeface="ＭＳ ゴシック" panose="020B0609070205080204" pitchFamily="49" charset="-128"/>
               </a:rPr>
               <a:t>を黄色の部分から選択し、レビュー</a:t>
             </a:r>
-            <a:endParaRPr lang="en-US" sz="1800" b="0" strike="noStrike" spc="-1" dirty="0" smtClean="0">
+            <a:endParaRPr lang="en-US" b="0" strike="noStrike" spc="-1" dirty="0" smtClean="0">
               <a:solidFill>
                 <a:srgbClr val="000000"/>
               </a:solidFill>
@@ -20746,19 +20692,9 @@
                 <a:latin typeface="ＭＳ ゴシック" panose="020B0609070205080204" pitchFamily="49" charset="-128"/>
                 <a:ea typeface="ＭＳ ゴシック" panose="020B0609070205080204" pitchFamily="49" charset="-128"/>
               </a:rPr>
-              <a:t>ブラウザ</a:t>
-            </a:r>
-            <a:r>
-              <a:rPr lang="ja-JP" altLang="en-US" spc="-1" dirty="0" smtClean="0">
-                <a:solidFill>
-                  <a:srgbClr val="000000"/>
-                </a:solidFill>
-                <a:latin typeface="ＭＳ ゴシック" panose="020B0609070205080204" pitchFamily="49" charset="-128"/>
-                <a:ea typeface="ＭＳ ゴシック" panose="020B0609070205080204" pitchFamily="49" charset="-128"/>
-              </a:rPr>
-              <a:t>のメインビューへ移動</a:t>
-            </a:r>
-            <a:endParaRPr lang="en-US" sz="1600" b="0" strike="noStrike" spc="-1" dirty="0" smtClean="0">
+              <a:t>ブラウザのメインビューへ移動</a:t>
+            </a:r>
+            <a:endParaRPr lang="en-US" b="0" strike="noStrike" spc="-1" dirty="0" smtClean="0">
               <a:solidFill>
                 <a:srgbClr val="000000"/>
               </a:solidFill>
@@ -20778,7 +20714,7 @@
               <a:buChar char="●"/>
             </a:pPr>
             <a:r>
-              <a:rPr lang="en-US" altLang="ja-JP" sz="1600" spc="-1" dirty="0">
+              <a:rPr lang="en-US" altLang="ja-JP" spc="-1" dirty="0">
                 <a:solidFill>
                   <a:srgbClr val="000000"/>
                 </a:solidFill>
@@ -20788,7 +20724,7 @@
               <a:t>ionicons-3.0.0 </a:t>
             </a:r>
             <a:r>
-              <a:rPr lang="ja-JP" altLang="en-US" sz="1600" spc="-1" dirty="0">
+              <a:rPr lang="ja-JP" altLang="en-US" spc="-1" dirty="0">
                 <a:solidFill>
                   <a:srgbClr val="000000"/>
                 </a:solidFill>
@@ -20798,7 +20734,7 @@
               <a:t>アップロードの </a:t>
             </a:r>
             <a:r>
-              <a:rPr lang="en-US" altLang="ja-JP" sz="1600" spc="-1" dirty="0">
+              <a:rPr lang="en-US" altLang="ja-JP" spc="-1" dirty="0">
                 <a:solidFill>
                   <a:srgbClr val="000000"/>
                 </a:solidFill>
@@ -20808,7 +20744,7 @@
               <a:t>-- select action -- </a:t>
             </a:r>
             <a:r>
-              <a:rPr lang="ja-JP" altLang="en-US" sz="1600" spc="-1" dirty="0">
+              <a:rPr lang="ja-JP" altLang="en-US" spc="-1" dirty="0">
                 <a:solidFill>
                   <a:srgbClr val="000000"/>
                 </a:solidFill>
@@ -20818,7 +20754,7 @@
               <a:t>メニューから </a:t>
             </a:r>
             <a:r>
-              <a:rPr lang="en-US" altLang="ja-JP" sz="1600" spc="-1" dirty="0">
+              <a:rPr lang="en-US" altLang="ja-JP" spc="-1" dirty="0">
                 <a:solidFill>
                   <a:srgbClr val="000000"/>
                 </a:solidFill>
@@ -20828,7 +20764,7 @@
               <a:t>"Export </a:t>
             </a:r>
             <a:r>
-              <a:rPr lang="ja-JP" altLang="en-US" sz="1600" spc="-1" dirty="0">
+              <a:rPr lang="ja-JP" altLang="en-US" spc="-1" dirty="0">
                 <a:solidFill>
                   <a:srgbClr val="000000"/>
                 </a:solidFill>
@@ -20838,7 +20774,7 @@
               <a:t>～</a:t>
             </a:r>
             <a:r>
-              <a:rPr lang="en-US" altLang="ja-JP" sz="1600" spc="-1" dirty="0">
+              <a:rPr lang="en-US" altLang="ja-JP" spc="-1" dirty="0">
                 <a:solidFill>
                   <a:srgbClr val="000000"/>
                 </a:solidFill>
@@ -20848,7 +20784,7 @@
               <a:t>" </a:t>
             </a:r>
             <a:r>
-              <a:rPr lang="ja-JP" altLang="en-US" sz="1600" spc="-1" dirty="0">
+              <a:rPr lang="ja-JP" altLang="en-US" spc="-1" dirty="0">
                 <a:solidFill>
                   <a:srgbClr val="000000"/>
                 </a:solidFill>
@@ -20857,7 +20793,7 @@
               </a:rPr>
               <a:t>のいずれかを選択してレポートを生成</a:t>
             </a:r>
-            <a:endParaRPr lang="en-US" sz="1600" b="0" strike="noStrike" spc="-1" dirty="0">
+            <a:endParaRPr lang="en-US" b="0" strike="noStrike" spc="-1" dirty="0">
               <a:latin typeface="ＭＳ ゴシック" panose="020B0609070205080204" pitchFamily="49" charset="-128"/>
               <a:ea typeface="ＭＳ ゴシック" panose="020B0609070205080204" pitchFamily="49" charset="-128"/>
             </a:endParaRPr>
@@ -20872,8 +20808,8 @@
         </p:nvSpPr>
         <p:spPr>
           <a:xfrm>
-            <a:off x="288337" y="1634040"/>
-            <a:ext cx="5477880" cy="4609440"/>
+            <a:off x="105455" y="1407571"/>
+            <a:ext cx="5477878" cy="4936957"/>
           </a:xfrm>
           <a:prstGeom prst="rect">
             <a:avLst/>
@@ -21219,17 +21155,7 @@
                 <a:latin typeface="ＭＳ ゴシック" panose="020B0609070205080204" pitchFamily="49" charset="-128"/>
                 <a:ea typeface="ＭＳ ゴシック" panose="020B0609070205080204" pitchFamily="49" charset="-128"/>
               </a:rPr>
-              <a:t>の</a:t>
-            </a:r>
-            <a:r>
-              <a:rPr lang="ja-JP" altLang="en-US" sz="1900" b="1" spc="-1" dirty="0" smtClean="0">
-                <a:solidFill>
-                  <a:srgbClr val="000000"/>
-                </a:solidFill>
-                <a:latin typeface="ＭＳ ゴシック" panose="020B0609070205080204" pitchFamily="49" charset="-128"/>
-                <a:ea typeface="ＭＳ ゴシック" panose="020B0609070205080204" pitchFamily="49" charset="-128"/>
-              </a:rPr>
-              <a:t>レビュー</a:t>
+              <a:t>のレビュー</a:t>
             </a:r>
             <a:endParaRPr lang="en-US" sz="1900" b="0" strike="noStrike" spc="-1" dirty="0">
               <a:latin typeface="ＭＳ ゴシック" panose="020B0609070205080204" pitchFamily="49" charset="-128"/>
@@ -21357,8 +21283,8 @@
         </p:nvSpPr>
         <p:spPr>
           <a:xfrm>
-            <a:off x="5766217" y="1284840"/>
-            <a:ext cx="6270884" cy="331920"/>
+            <a:off x="5583334" y="1075652"/>
+            <a:ext cx="6500814" cy="331920"/>
           </a:xfrm>
           <a:prstGeom prst="rect">
             <a:avLst/>
@@ -21424,7 +21350,7 @@
         </p:nvSpPr>
         <p:spPr>
           <a:xfrm>
-            <a:off x="288337" y="1284840"/>
+            <a:off x="105455" y="1062678"/>
             <a:ext cx="5477880" cy="331920"/>
           </a:xfrm>
           <a:prstGeom prst="rect">

--- a/Module-B-JPN-Basic-Workflow.pptx
+++ b/Module-B-JPN-Basic-Workflow.pptx
@@ -21070,19 +21070,25 @@
               <a:buAutoNum type="arabicPeriod"/>
             </a:pPr>
             <a:r>
-              <a:rPr lang="ja-JP" altLang="en-US" sz="1900" b="1" strike="noStrike" spc="-1" dirty="0" smtClean="0">
-                <a:solidFill>
-                  <a:srgbClr val="000000"/>
-                </a:solidFill>
-                <a:latin typeface="ＭＳ ゴシック" panose="020B0609070205080204" pitchFamily="49" charset="-128"/>
-                <a:ea typeface="ＭＳ ゴシック" panose="020B0609070205080204" pitchFamily="49" charset="-128"/>
-              </a:rPr>
-              <a:t>検知されたライセンスの全体レビュー</a:t>
-            </a:r>
-            <a:endParaRPr lang="en-US" sz="1900" b="0" strike="noStrike" spc="-1" dirty="0" smtClean="0">
-              <a:latin typeface="ＭＳ ゴシック" panose="020B0609070205080204" pitchFamily="49" charset="-128"/>
-              <a:ea typeface="ＭＳ ゴシック" panose="020B0609070205080204" pitchFamily="49" charset="-128"/>
-            </a:endParaRPr>
+              <a:rPr lang="en-US" altLang="ja-JP" sz="1900" b="1" spc="-1" dirty="0">
+                <a:solidFill>
+                  <a:srgbClr val="000000"/>
+                </a:solidFill>
+                <a:latin typeface="ＭＳ ゴシック" panose="020B0609070205080204" pitchFamily="49" charset="-128"/>
+                <a:ea typeface="ＭＳ ゴシック" panose="020B0609070205080204" pitchFamily="49" charset="-128"/>
+              </a:rPr>
+              <a:t>Aggregated view</a:t>
+            </a:r>
+            <a:r>
+              <a:rPr lang="ja-JP" altLang="en-US" sz="1900" b="1" spc="-1">
+                <a:solidFill>
+                  <a:srgbClr val="000000"/>
+                </a:solidFill>
+                <a:latin typeface="ＭＳ ゴシック" panose="020B0609070205080204" pitchFamily="49" charset="-128"/>
+                <a:ea typeface="ＭＳ ゴシック" panose="020B0609070205080204" pitchFamily="49" charset="-128"/>
+              </a:rPr>
+              <a:t>で、検出されたライセンスをレビュー</a:t>
+            </a:r>
           </a:p>
           <a:p>
             <a:pPr marL="343080" lvl="1" indent="-361080">
@@ -21099,6 +21105,16 @@
               <a:buAutoNum type="arabicPeriod"/>
             </a:pPr>
             <a:r>
+              <a:rPr lang="en-US" sz="1900" b="1" spc="-1" smtClean="0">
+                <a:solidFill>
+                  <a:srgbClr val="000000"/>
+                </a:solidFill>
+                <a:latin typeface="ＭＳ ゴシック" panose="020B0609070205080204" pitchFamily="49" charset="-128"/>
+                <a:ea typeface="ＭＳ ゴシック" panose="020B0609070205080204" pitchFamily="49" charset="-128"/>
+              </a:rPr>
+              <a:t>“</a:t>
+            </a:r>
+            <a:r>
               <a:rPr lang="en-US" sz="1900" b="1" spc="-1" dirty="0" smtClean="0">
                 <a:solidFill>
                   <a:srgbClr val="000000"/>
@@ -21106,7 +21122,7 @@
                 <a:latin typeface="ＭＳ ゴシック" panose="020B0609070205080204" pitchFamily="49" charset="-128"/>
                 <a:ea typeface="ＭＳ ゴシック" panose="020B0609070205080204" pitchFamily="49" charset="-128"/>
               </a:rPr>
-              <a:t>“Clearing” </a:t>
+              <a:t>Clearing” </a:t>
             </a:r>
             <a:r>
               <a:rPr lang="ja-JP" altLang="en-US" sz="1900" b="1" spc="-1" dirty="0" smtClean="0">
